--- a/final_presentation/finalPpt1.4.pptx
+++ b/final_presentation/finalPpt1.4.pptx
@@ -46,7 +46,7 @@
     <p:sldId id="412" r:id="rId34"/>
   </p:sldIdLst>
   <p:sldSz cx="9144000" cy="6858000" type="screen4x3"/>
-  <p:notesSz cx="9925050" cy="6665913"/>
+  <p:notesSz cx="6797675" cy="9926638"/>
   <p:custDataLst>
     <p:tags r:id="rId37"/>
   </p:custDataLst>
@@ -192,12 +192,12 @@
     </p:ext>
     <p:ext uri="{2D200454-40CA-4A62-9FC3-DE9A4176ACB9}">
       <p15:notesGuideLst xmlns:p15="http://schemas.microsoft.com/office/powerpoint/2012/main">
-        <p15:guide id="1" orient="horz" pos="2100">
+        <p15:guide id="1" orient="horz" pos="3128" userDrawn="1">
           <p15:clr>
             <a:srgbClr val="A4A3A4"/>
           </p15:clr>
         </p15:guide>
-        <p15:guide id="2" pos="3126">
+        <p15:guide id="2" pos="2142" userDrawn="1">
           <p15:clr>
             <a:srgbClr val="A4A3A4"/>
           </p15:clr>
@@ -242,15 +242,15 @@
         </p:nvSpPr>
         <p:spPr>
           <a:xfrm>
-            <a:off x="2" y="0"/>
-            <a:ext cx="4300855" cy="333296"/>
+            <a:off x="2" y="1"/>
+            <a:ext cx="2945659" cy="496332"/>
           </a:xfrm>
           <a:prstGeom prst="rect">
             <a:avLst/>
           </a:prstGeom>
         </p:spPr>
         <p:txBody>
-          <a:bodyPr vert="horz" lIns="90708" tIns="45354" rIns="90708" bIns="45354" rtlCol="0"/>
+          <a:bodyPr vert="horz" lIns="91434" tIns="45717" rIns="91434" bIns="45717" rtlCol="0"/>
           <a:lstStyle>
             <a:lvl1pPr algn="l" fontAlgn="auto">
               <a:spcBef>
@@ -285,15 +285,15 @@
         </p:nvSpPr>
         <p:spPr>
           <a:xfrm>
-            <a:off x="5621901" y="0"/>
-            <a:ext cx="4300855" cy="333296"/>
+            <a:off x="3850445" y="1"/>
+            <a:ext cx="2945659" cy="496332"/>
           </a:xfrm>
           <a:prstGeom prst="rect">
             <a:avLst/>
           </a:prstGeom>
         </p:spPr>
         <p:txBody>
-          <a:bodyPr vert="horz" lIns="90708" tIns="45354" rIns="90708" bIns="45354" rtlCol="0"/>
+          <a:bodyPr vert="horz" lIns="91434" tIns="45717" rIns="91434" bIns="45717" rtlCol="0"/>
           <a:lstStyle>
             <a:lvl1pPr algn="r" fontAlgn="auto">
               <a:spcBef>
@@ -335,15 +335,15 @@
         </p:nvSpPr>
         <p:spPr>
           <a:xfrm>
-            <a:off x="2" y="6331460"/>
-            <a:ext cx="4300855" cy="333296"/>
+            <a:off x="2" y="9428583"/>
+            <a:ext cx="2945659" cy="496332"/>
           </a:xfrm>
           <a:prstGeom prst="rect">
             <a:avLst/>
           </a:prstGeom>
         </p:spPr>
         <p:txBody>
-          <a:bodyPr vert="horz" lIns="90708" tIns="45354" rIns="90708" bIns="45354" rtlCol="0" anchor="b"/>
+          <a:bodyPr vert="horz" lIns="91434" tIns="45717" rIns="91434" bIns="45717" rtlCol="0" anchor="b"/>
           <a:lstStyle>
             <a:lvl1pPr algn="l" fontAlgn="auto">
               <a:spcBef>
@@ -378,15 +378,15 @@
         </p:nvSpPr>
         <p:spPr>
           <a:xfrm>
-            <a:off x="5621901" y="6331460"/>
-            <a:ext cx="4300855" cy="333296"/>
+            <a:off x="3850445" y="9428583"/>
+            <a:ext cx="2945659" cy="496332"/>
           </a:xfrm>
           <a:prstGeom prst="rect">
             <a:avLst/>
           </a:prstGeom>
         </p:spPr>
         <p:txBody>
-          <a:bodyPr vert="horz" lIns="90708" tIns="45354" rIns="90708" bIns="45354" rtlCol="0" anchor="b"/>
+          <a:bodyPr vert="horz" lIns="91434" tIns="45717" rIns="91434" bIns="45717" rtlCol="0" anchor="b"/>
           <a:lstStyle>
             <a:lvl1pPr algn="r" fontAlgn="auto">
               <a:spcBef>
@@ -461,15 +461,15 @@
         </p:nvSpPr>
         <p:spPr>
           <a:xfrm>
-            <a:off x="2" y="0"/>
-            <a:ext cx="4300855" cy="333296"/>
+            <a:off x="2" y="1"/>
+            <a:ext cx="2945659" cy="496332"/>
           </a:xfrm>
           <a:prstGeom prst="rect">
             <a:avLst/>
           </a:prstGeom>
         </p:spPr>
         <p:txBody>
-          <a:bodyPr vert="horz" lIns="90708" tIns="45354" rIns="90708" bIns="45354" rtlCol="0"/>
+          <a:bodyPr vert="horz" lIns="91434" tIns="45717" rIns="91434" bIns="45717" rtlCol="0"/>
           <a:lstStyle>
             <a:lvl1pPr algn="l" fontAlgn="auto">
               <a:spcBef>
@@ -504,15 +504,15 @@
         </p:nvSpPr>
         <p:spPr>
           <a:xfrm>
-            <a:off x="5621901" y="0"/>
-            <a:ext cx="4300855" cy="333296"/>
+            <a:off x="3850445" y="1"/>
+            <a:ext cx="2945659" cy="496332"/>
           </a:xfrm>
           <a:prstGeom prst="rect">
             <a:avLst/>
           </a:prstGeom>
         </p:spPr>
         <p:txBody>
-          <a:bodyPr vert="horz" lIns="90708" tIns="45354" rIns="90708" bIns="45354" rtlCol="0"/>
+          <a:bodyPr vert="horz" lIns="91434" tIns="45717" rIns="91434" bIns="45717" rtlCol="0"/>
           <a:lstStyle>
             <a:lvl1pPr algn="r" fontAlgn="auto">
               <a:spcBef>
@@ -554,8 +554,8 @@
         </p:nvSpPr>
         <p:spPr>
           <a:xfrm>
-            <a:off x="3295650" y="500063"/>
-            <a:ext cx="3333750" cy="2500312"/>
+            <a:off x="917575" y="744538"/>
+            <a:ext cx="4962525" cy="3722687"/>
           </a:xfrm>
           <a:prstGeom prst="rect">
             <a:avLst/>
@@ -568,7 +568,7 @@
           </a:ln>
         </p:spPr>
         <p:txBody>
-          <a:bodyPr vert="horz" lIns="90708" tIns="45354" rIns="90708" bIns="45354" rtlCol="0" anchor="ctr"/>
+          <a:bodyPr vert="horz" lIns="91434" tIns="45717" rIns="91434" bIns="45717" rtlCol="0" anchor="ctr"/>
           <a:lstStyle/>
           <a:p>
             <a:pPr lvl="0"/>
@@ -588,15 +588,15 @@
         </p:nvSpPr>
         <p:spPr>
           <a:xfrm>
-            <a:off x="992506" y="3166309"/>
-            <a:ext cx="7940040" cy="2999661"/>
+            <a:off x="679768" y="4715155"/>
+            <a:ext cx="5438140" cy="4466988"/>
           </a:xfrm>
           <a:prstGeom prst="rect">
             <a:avLst/>
           </a:prstGeom>
         </p:spPr>
         <p:txBody>
-          <a:bodyPr vert="horz" wrap="square" lIns="90708" tIns="45354" rIns="90708" bIns="45354" numCol="1" anchor="t" anchorCtr="0" compatLnSpc="1">
+          <a:bodyPr vert="horz" wrap="square" lIns="91434" tIns="45717" rIns="91434" bIns="45717" numCol="1" anchor="t" anchorCtr="0" compatLnSpc="1">
             <a:prstTxWarp prst="textNoShape">
               <a:avLst/>
             </a:prstTxWarp>
@@ -653,15 +653,15 @@
         </p:nvSpPr>
         <p:spPr>
           <a:xfrm>
-            <a:off x="2" y="6331460"/>
-            <a:ext cx="4300855" cy="333296"/>
+            <a:off x="2" y="9428583"/>
+            <a:ext cx="2945659" cy="496332"/>
           </a:xfrm>
           <a:prstGeom prst="rect">
             <a:avLst/>
           </a:prstGeom>
         </p:spPr>
         <p:txBody>
-          <a:bodyPr vert="horz" lIns="90708" tIns="45354" rIns="90708" bIns="45354" rtlCol="0" anchor="b"/>
+          <a:bodyPr vert="horz" lIns="91434" tIns="45717" rIns="91434" bIns="45717" rtlCol="0" anchor="b"/>
           <a:lstStyle>
             <a:lvl1pPr algn="l" fontAlgn="auto">
               <a:spcBef>
@@ -696,15 +696,15 @@
         </p:nvSpPr>
         <p:spPr>
           <a:xfrm>
-            <a:off x="5621901" y="6331460"/>
-            <a:ext cx="4300855" cy="333296"/>
+            <a:off x="3850445" y="9428583"/>
+            <a:ext cx="2945659" cy="496332"/>
           </a:xfrm>
           <a:prstGeom prst="rect">
             <a:avLst/>
           </a:prstGeom>
         </p:spPr>
         <p:txBody>
-          <a:bodyPr vert="horz" lIns="90708" tIns="45354" rIns="90708" bIns="45354" rtlCol="0" anchor="b"/>
+          <a:bodyPr vert="horz" lIns="91434" tIns="45717" rIns="91434" bIns="45717" rtlCol="0" anchor="b"/>
           <a:lstStyle>
             <a:lvl1pPr algn="r" fontAlgn="auto">
               <a:spcBef>
@@ -904,8 +904,8 @@
         </p:nvSpPr>
         <p:spPr>
           <a:xfrm>
-            <a:off x="3295650" y="500063"/>
-            <a:ext cx="3333750" cy="2500312"/>
+            <a:off x="917575" y="744538"/>
+            <a:ext cx="4962525" cy="3722687"/>
           </a:xfrm>
         </p:spPr>
       </p:sp>
@@ -8271,7 +8271,7 @@
       </p:sp>
       <p:sp>
         <p:nvSpPr>
-          <p:cNvPr id="88" name="RS_Classification_Standard"/>
+          <p:cNvPr id="95" name="RS_Classification_Standard"/>
           <p:cNvSpPr txBox="1"/>
           <p:nvPr/>
         </p:nvSpPr>
@@ -8523,7 +8523,7 @@
       </p:sp>
       <p:sp>
         <p:nvSpPr>
-          <p:cNvPr id="89" name="RS_Classification_Standard"/>
+          <p:cNvPr id="96" name="RS_Classification_Standard"/>
           <p:cNvSpPr txBox="1"/>
           <p:nvPr/>
         </p:nvSpPr>
@@ -8779,7 +8779,7 @@
       </p:pic>
       <p:sp>
         <p:nvSpPr>
-          <p:cNvPr id="184" name="RS_Classification_Standard"/>
+          <p:cNvPr id="191" name="RS_Classification_Standard"/>
           <p:cNvSpPr txBox="1"/>
           <p:nvPr/>
         </p:nvSpPr>
@@ -9087,7 +9087,7 @@
       </p:pic>
       <p:sp>
         <p:nvSpPr>
-          <p:cNvPr id="88" name="RS_Classification_Standard"/>
+          <p:cNvPr id="95" name="RS_Classification_Standard"/>
           <p:cNvSpPr txBox="1"/>
           <p:nvPr/>
         </p:nvSpPr>
@@ -10064,7 +10064,7 @@
                 <a14:m>
                   <m:oMath xmlns:m="http://schemas.openxmlformats.org/officeDocument/2006/math">
                     <m:r>
-                      <a:rPr lang="en-US" i="1">
+                      <a:rPr lang="en-US" i="0">
                         <a:solidFill>
                           <a:prstClr val="black"/>
                         </a:solidFill>
@@ -10074,16 +10074,19 @@
                       <m:t>∕∕</m:t>
                     </m:r>
                     <m:r>
-                      <a:rPr lang="en-US" i="1">
+                      <m:rPr>
+                        <m:sty m:val="p"/>
+                      </m:rPr>
+                      <a:rPr lang="en-US" i="0">
                         <a:solidFill>
                           <a:prstClr val="black"/>
                         </a:solidFill>
                         <a:latin typeface="Cambria Math" panose="02040503050406030204" pitchFamily="18" charset="0"/>
                       </a:rPr>
-                      <m:t>𝑆𝑢𝑝𝑒𝑟𝑓𝑙𝑢𝑜𝑢𝑠</m:t>
+                      <m:t>Superfluous</m:t>
                     </m:r>
                     <m:r>
-                      <a:rPr lang="en-US" i="1">
+                      <a:rPr lang="en-US" i="0">
                         <a:solidFill>
                           <a:prstClr val="black"/>
                         </a:solidFill>
@@ -10092,13 +10095,16 @@
                       <m:t> </m:t>
                     </m:r>
                     <m:r>
-                      <a:rPr lang="en-US" i="1">
+                      <m:rPr>
+                        <m:sty m:val="p"/>
+                      </m:rPr>
+                      <a:rPr lang="en-US" i="0">
                         <a:solidFill>
                           <a:prstClr val="black"/>
                         </a:solidFill>
                         <a:latin typeface="Cambria Math" panose="02040503050406030204" pitchFamily="18" charset="0"/>
                       </a:rPr>
-                      <m:t>𝑐𝑜𝑝𝑦𝑖𝑛𝑔</m:t>
+                      <m:t>copying</m:t>
                     </m:r>
                   </m:oMath>
                 </a14:m>
@@ -14450,7 +14456,7 @@
       </p:sp>
       <p:sp>
         <p:nvSpPr>
-          <p:cNvPr id="480" name="RS_Classification_Standard"/>
+          <p:cNvPr id="487" name="RS_Classification_Standard"/>
           <p:cNvSpPr txBox="1"/>
           <p:nvPr/>
         </p:nvSpPr>
@@ -15166,7 +15172,7 @@
       </p:sp>
       <p:sp>
         <p:nvSpPr>
-          <p:cNvPr id="665" name="RS_Classification_Standard"/>
+          <p:cNvPr id="673" name="RS_Classification_Standard"/>
           <p:cNvSpPr txBox="1"/>
           <p:nvPr/>
         </p:nvSpPr>
@@ -16117,7 +16123,7 @@
       </p:sp>
       <p:sp>
         <p:nvSpPr>
-          <p:cNvPr id="186" name="RS_Classification_Standard"/>
+          <p:cNvPr id="610" name="RS_Classification_Standard"/>
           <p:cNvSpPr txBox="1"/>
           <p:nvPr/>
         </p:nvSpPr>
@@ -16281,24 +16287,21 @@
             </a:pPr>
             <a:r>
               <a:rPr lang="en-US" dirty="0"/>
-              <a:t>Decoding FEC chain for Physical Uplink Control Channel (</a:t>
-            </a:r>
-            <a:r>
-              <a:rPr lang="en-US" i="1" dirty="0"/>
-              <a:t>PUCCH</a:t>
+              <a:t>Decoding FEC chain </a:t>
+            </a:r>
+            <a:r>
+              <a:rPr lang="en-US" dirty="0" smtClean="0"/>
+              <a:t>for Uplink Control </a:t>
             </a:r>
             <a:r>
               <a:rPr lang="en-US" dirty="0"/>
-              <a:t>) and Physical uplink shared Channel (</a:t>
-            </a:r>
-            <a:r>
-              <a:rPr lang="en-US" i="1" dirty="0"/>
-              <a:t>PUSCH</a:t>
-            </a:r>
-            <a:r>
-              <a:rPr lang="en-US" dirty="0"/>
-              <a:t>).</a:t>
-            </a:r>
+              <a:t>I</a:t>
+            </a:r>
+            <a:r>
+              <a:rPr lang="en-US" dirty="0" smtClean="0"/>
+              <a:t>nformation (UCI)</a:t>
+            </a:r>
+            <a:endParaRPr lang="en-US" dirty="0"/>
           </a:p>
         </p:txBody>
       </p:sp>
@@ -16341,7 +16344,7 @@
       </p:pic>
       <p:sp>
         <p:nvSpPr>
-          <p:cNvPr id="504" name="RS_Classification_Standard"/>
+          <p:cNvPr id="511" name="RS_Classification_Standard"/>
           <p:cNvSpPr txBox="1"/>
           <p:nvPr/>
         </p:nvSpPr>
@@ -16748,7 +16751,7 @@
       </p:pic>
       <p:sp>
         <p:nvSpPr>
-          <p:cNvPr id="152" name="RS_Classification_Standard"/>
+          <p:cNvPr id="159" name="RS_Classification_Standard"/>
           <p:cNvSpPr txBox="1"/>
           <p:nvPr/>
         </p:nvSpPr>
@@ -18185,8 +18188,8 @@
           </p:sp>
         </mc:Fallback>
       </mc:AlternateContent>
-      <mc:AlternateContent xmlns:mc="http://schemas.openxmlformats.org/markup-compatibility/2006" xmlns:a14="http://schemas.microsoft.com/office/drawing/2010/main">
-        <mc:Choice Requires="a14">
+      <mc:AlternateContent xmlns:mc="http://schemas.openxmlformats.org/markup-compatibility/2006">
+        <mc:Choice xmlns:a14="http://schemas.microsoft.com/office/drawing/2010/main" Requires="a14">
           <p:sp>
             <p:nvSpPr>
               <p:cNvPr id="457" name="Content Placeholder 1"/>
@@ -18387,7 +18390,7 @@
                   <a:buFont typeface="Arial" panose="020B0604020202020204" pitchFamily="34" charset="0"/>
                   <a:buChar char="•"/>
                 </a:pPr>
-                <a:endParaRPr lang="en-US" sz="1200" dirty="0">
+                <a:endParaRPr lang="en-US" sz="1200" dirty="0" smtClean="0">
                   <a:solidFill>
                     <a:prstClr val="black"/>
                   </a:solidFill>
@@ -19252,6 +19255,15 @@
                               </m:sSubPr>
                               <m:e>
                                 <m:r>
+                                  <a:rPr lang="en-US" sz="1200" b="0" i="1" smtClean="0">
+                                    <a:solidFill>
+                                      <a:prstClr val="black"/>
+                                    </a:solidFill>
+                                    <a:latin typeface="Cambria Math" panose="02040503050406030204" pitchFamily="18" charset="0"/>
+                                  </a:rPr>
+                                  <m:t> </m:t>
+                                </m:r>
+                                <m:r>
                                   <a:rPr lang="en-US" sz="1200" i="1">
                                     <a:solidFill>
                                       <a:prstClr val="black"/>
@@ -19331,44 +19343,49 @@
                                 </a:solidFill>
                                 <a:latin typeface="Cambria Math" panose="02040503050406030204" pitchFamily="18" charset="0"/>
                               </a:rPr>
-                              <m:t>              </m:t>
+                              <m:t>            </m:t>
                             </m:r>
                             <m:r>
-                              <a:rPr lang="en-US" sz="1200" i="1">
+                              <a:rPr lang="en-US" sz="1200" b="0" i="0" smtClean="0">
+                                <a:solidFill>
+                                  <a:prstClr val="black"/>
+                                </a:solidFill>
+                                <a:latin typeface="Cambria Math" panose="02040503050406030204" pitchFamily="18" charset="0"/>
+                              </a:rPr>
+                              <m:t>//</m:t>
+                            </m:r>
+                            <m:r>
+                              <m:rPr>
+                                <m:sty m:val="p"/>
+                              </m:rPr>
+                              <a:rPr lang="en-US" sz="1200" b="0" i="0" smtClean="0">
+                                <a:solidFill>
+                                  <a:prstClr val="black"/>
+                                </a:solidFill>
+                                <a:latin typeface="+mj-lt"/>
+                                <a:ea typeface="Cambria Math" panose="02040503050406030204" pitchFamily="18" charset="0"/>
+                              </a:rPr>
+                              <m:t>superfluous</m:t>
+                            </m:r>
+                            <m:r>
+                              <a:rPr lang="en-US" sz="1200" b="0" i="1" smtClean="0">
                                 <a:solidFill>
                                   <a:prstClr val="black"/>
                                 </a:solidFill>
                                 <a:latin typeface="Cambria Math" panose="02040503050406030204" pitchFamily="18" charset="0"/>
                                 <a:ea typeface="Cambria Math" panose="02040503050406030204" pitchFamily="18" charset="0"/>
                               </a:rPr>
-                              <m:t>∕∕</m:t>
+                              <m:t> </m:t>
                             </m:r>
                             <m:r>
-                              <a:rPr lang="en-US" sz="1200" i="1">
+                              <a:rPr lang="en-US" sz="1200" b="0" i="1" smtClean="0">
                                 <a:solidFill>
                                   <a:prstClr val="black"/>
                                 </a:solidFill>
                                 <a:latin typeface="Cambria Math" panose="02040503050406030204" pitchFamily="18" charset="0"/>
+                                <a:ea typeface="Cambria Math" panose="02040503050406030204" pitchFamily="18" charset="0"/>
                               </a:rPr>
-                              <m:t>𝐽𝑢𝑠𝑡</m:t>
-                            </m:r>
-                            <m:r>
-                              <a:rPr lang="en-US" sz="1200" i="1">
-                                <a:solidFill>
-                                  <a:prstClr val="black"/>
-                                </a:solidFill>
-                                <a:latin typeface="Cambria Math" panose="02040503050406030204" pitchFamily="18" charset="0"/>
-                              </a:rPr>
-                              <m:t> </m:t>
-                            </m:r>
-                            <m:r>
-                              <a:rPr lang="en-US" sz="1200" i="1">
-                                <a:solidFill>
-                                  <a:prstClr val="black"/>
-                                </a:solidFill>
-                                <a:latin typeface="Cambria Math" panose="02040503050406030204" pitchFamily="18" charset="0"/>
-                              </a:rPr>
-                              <m:t>𝑐𝑜𝑝𝑦𝑖𝑛𝑔</m:t>
+                              <m:t>𝑐𝑜𝑝𝑦</m:t>
                             </m:r>
                           </m:e>
                         </m:eqArr>
@@ -19389,7 +19406,7 @@
             </p:txBody>
           </p:sp>
         </mc:Choice>
-        <mc:Fallback xmlns="">
+        <mc:Fallback>
           <p:sp>
             <p:nvSpPr>
               <p:cNvPr id="457" name="Content Placeholder 1"/>
@@ -19409,7 +19426,7 @@
               <a:blipFill>
                 <a:blip r:embed="rId5"/>
                 <a:stretch>
-                  <a:fillRect l="-2532" b="-52355"/>
+                  <a:fillRect l="-2532" r="-181" b="-52355"/>
                 </a:stretch>
               </a:blipFill>
               <a:ln w="9525">
@@ -19436,7 +19453,7 @@
       </mc:AlternateContent>
       <p:sp>
         <p:nvSpPr>
-          <p:cNvPr id="505" name="RS_Classification_Standard"/>
+          <p:cNvPr id="512" name="RS_Classification_Standard"/>
           <p:cNvSpPr txBox="1"/>
           <p:nvPr/>
         </p:nvSpPr>
@@ -20566,7 +20583,7 @@
       </p:sp>
       <p:sp>
         <p:nvSpPr>
-          <p:cNvPr id="218" name="RS_Classification_Standard"/>
+          <p:cNvPr id="225" name="RS_Classification_Standard"/>
           <p:cNvSpPr txBox="1"/>
           <p:nvPr/>
         </p:nvSpPr>
@@ -20827,7 +20844,7 @@
       </p:sp>
       <p:sp>
         <p:nvSpPr>
-          <p:cNvPr id="87" name="RS_Classification_Standard"/>
+          <p:cNvPr id="94" name="RS_Classification_Standard"/>
           <p:cNvSpPr txBox="1"/>
           <p:nvPr/>
         </p:nvSpPr>
@@ -21229,7 +21246,7 @@
       </p:sp>
       <p:sp>
         <p:nvSpPr>
-          <p:cNvPr id="311" name="RS_Classification_Standard"/>
+          <p:cNvPr id="318" name="RS_Classification_Standard"/>
           <p:cNvSpPr txBox="1"/>
           <p:nvPr/>
         </p:nvSpPr>
@@ -21797,7 +21814,7 @@
       </mc:AlternateContent>
       <p:sp>
         <p:nvSpPr>
-          <p:cNvPr id="345" name="RS_Classification_Standard"/>
+          <p:cNvPr id="352" name="RS_Classification_Standard"/>
           <p:cNvSpPr txBox="1"/>
           <p:nvPr/>
         </p:nvSpPr>
@@ -22884,7 +22901,7 @@
       </p:cxnSp>
       <p:sp>
         <p:nvSpPr>
-          <p:cNvPr id="343" name="RS_Classification_Standard"/>
+          <p:cNvPr id="359" name="RS_Classification_Standard"/>
           <p:cNvSpPr txBox="1"/>
           <p:nvPr/>
         </p:nvSpPr>
@@ -23229,7 +23246,7 @@
       </p:pic>
       <p:sp>
         <p:nvSpPr>
-          <p:cNvPr id="216" name="RS_Classification_Standard"/>
+          <p:cNvPr id="223" name="RS_Classification_Standard"/>
           <p:cNvSpPr txBox="1"/>
           <p:nvPr/>
         </p:nvSpPr>
@@ -23532,7 +23549,7 @@
       </p:sp>
       <p:sp>
         <p:nvSpPr>
-          <p:cNvPr id="88" name="RS_Classification_Standard"/>
+          <p:cNvPr id="95" name="RS_Classification_Standard"/>
           <p:cNvSpPr txBox="1"/>
           <p:nvPr/>
         </p:nvSpPr>
@@ -24749,7 +24766,7 @@
       </p:grpSp>
       <p:sp>
         <p:nvSpPr>
-          <p:cNvPr id="713" name="RS_Classification_Standard"/>
+          <p:cNvPr id="720" name="RS_Classification_Standard"/>
           <p:cNvSpPr txBox="1"/>
           <p:nvPr/>
         </p:nvSpPr>
@@ -26264,7 +26281,7 @@
       </p:sp>
       <p:sp>
         <p:nvSpPr>
-          <p:cNvPr id="128" name="RS_Classification_Standard"/>
+          <p:cNvPr id="135" name="RS_Classification_Standard"/>
           <p:cNvSpPr txBox="1"/>
           <p:nvPr/>
         </p:nvSpPr>
@@ -27212,7 +27229,7 @@
       </p:sp>
       <p:sp>
         <p:nvSpPr>
-          <p:cNvPr id="571" name="RS_Classification_Standard"/>
+          <p:cNvPr id="578" name="RS_Classification_Standard"/>
           <p:cNvSpPr txBox="1"/>
           <p:nvPr/>
         </p:nvSpPr>
@@ -29466,7 +29483,7 @@
       </p:sp>
       <p:sp>
         <p:nvSpPr>
-          <p:cNvPr id="101" name="RS_Classification_Standard"/>
+          <p:cNvPr id="108" name="RS_Classification_Standard"/>
           <p:cNvSpPr txBox="1"/>
           <p:nvPr/>
         </p:nvSpPr>
@@ -29714,7 +29731,7 @@
       </p:pic>
       <p:sp>
         <p:nvSpPr>
-          <p:cNvPr id="664" name="RS_Classification_Standard"/>
+          <p:cNvPr id="671" name="RS_Classification_Standard"/>
           <p:cNvSpPr txBox="1"/>
           <p:nvPr/>
         </p:nvSpPr>
@@ -30166,42 +30183,6 @@
           </a:p>
         </p:txBody>
       </p:sp>
-      <p:pic>
-        <p:nvPicPr>
-          <p:cNvPr id="25" name="Picture 24">
-            <a:extLst>
-              <a:ext uri="{FF2B5EF4-FFF2-40B4-BE49-F238E27FC236}">
-                <a16:creationId xmlns:a16="http://schemas.microsoft.com/office/drawing/2014/main" id="{05FA51C4-D92B-4C3B-A20C-4FE504B35AF6}"/>
-              </a:ext>
-            </a:extLst>
-          </p:cNvPr>
-          <p:cNvPicPr>
-            <a:picLocks noChangeAspect="1"/>
-          </p:cNvPicPr>
-          <p:nvPr/>
-        </p:nvPicPr>
-        <p:blipFill>
-          <a:blip r:embed="rId3">
-            <a:extLst>
-              <a:ext uri="{28A0092B-C50C-407E-A947-70E740481C1C}">
-                <a14:useLocalDpi xmlns:a14="http://schemas.microsoft.com/office/drawing/2010/main" val="0"/>
-              </a:ext>
-            </a:extLst>
-          </a:blip>
-          <a:stretch>
-            <a:fillRect/>
-          </a:stretch>
-        </p:blipFill>
-        <p:spPr>
-          <a:xfrm>
-            <a:off x="75582" y="4466188"/>
-            <a:ext cx="3528020" cy="1425737"/>
-          </a:xfrm>
-          <a:prstGeom prst="rect">
-            <a:avLst/>
-          </a:prstGeom>
-        </p:spPr>
-      </p:pic>
       <mc:AlternateContent xmlns:mc="http://schemas.openxmlformats.org/markup-compatibility/2006">
         <mc:Choice xmlns:a14="http://schemas.microsoft.com/office/drawing/2010/main" Requires="a14">
           <p:sp>
@@ -30281,7 +30262,7 @@
                 <a:avLst/>
               </a:prstGeom>
               <a:blipFill>
-                <a:blip r:embed="rId4"/>
+                <a:blip r:embed="rId3"/>
                 <a:stretch>
                   <a:fillRect t="-4444" b="-15556"/>
                 </a:stretch>
@@ -30640,9 +30621,115 @@
           </a:p>
         </p:txBody>
       </p:sp>
+      <p:grpSp>
+        <p:nvGrpSpPr>
+          <p:cNvPr id="509" name="Group 508"/>
+          <p:cNvGrpSpPr/>
+          <p:nvPr/>
+        </p:nvGrpSpPr>
+        <p:grpSpPr>
+          <a:xfrm>
+            <a:off x="75582" y="4507504"/>
+            <a:ext cx="3528020" cy="1425737"/>
+            <a:chOff x="75582" y="4507504"/>
+            <a:chExt cx="3528020" cy="1425737"/>
+          </a:xfrm>
+        </p:grpSpPr>
+        <p:pic>
+          <p:nvPicPr>
+            <p:cNvPr id="25" name="Picture 24">
+              <a:extLst>
+                <a:ext uri="{FF2B5EF4-FFF2-40B4-BE49-F238E27FC236}">
+                  <a16:creationId xmlns:a16="http://schemas.microsoft.com/office/drawing/2014/main" id="{05FA51C4-D92B-4C3B-A20C-4FE504B35AF6}"/>
+                </a:ext>
+              </a:extLst>
+            </p:cNvPr>
+            <p:cNvPicPr>
+              <a:picLocks noChangeAspect="1"/>
+            </p:cNvPicPr>
+            <p:nvPr/>
+          </p:nvPicPr>
+          <p:blipFill>
+            <a:blip r:embed="rId6">
+              <a:extLst>
+                <a:ext uri="{28A0092B-C50C-407E-A947-70E740481C1C}">
+                  <a14:useLocalDpi xmlns:a14="http://schemas.microsoft.com/office/drawing/2010/main" val="0"/>
+                </a:ext>
+              </a:extLst>
+            </a:blip>
+            <a:stretch>
+              <a:fillRect/>
+            </a:stretch>
+          </p:blipFill>
+          <p:spPr>
+            <a:xfrm>
+              <a:off x="75582" y="4507504"/>
+              <a:ext cx="3528020" cy="1425737"/>
+            </a:xfrm>
+            <a:prstGeom prst="rect">
+              <a:avLst/>
+            </a:prstGeom>
+          </p:spPr>
+        </p:pic>
+        <p:sp>
+          <p:nvSpPr>
+            <p:cNvPr id="508" name="Oval 507"/>
+            <p:cNvSpPr/>
+            <p:nvPr/>
+          </p:nvSpPr>
+          <p:spPr>
+            <a:xfrm>
+              <a:off x="2965038" y="4725620"/>
+              <a:ext cx="116300" cy="115461"/>
+            </a:xfrm>
+            <a:prstGeom prst="ellipse">
+              <a:avLst/>
+            </a:prstGeom>
+            <a:noFill/>
+            <a:ln w="12700">
+              <a:solidFill>
+                <a:schemeClr val="tx1"/>
+              </a:solidFill>
+            </a:ln>
+          </p:spPr>
+          <p:style>
+            <a:lnRef idx="2">
+              <a:schemeClr val="accent1">
+                <a:shade val="50000"/>
+              </a:schemeClr>
+            </a:lnRef>
+            <a:fillRef idx="1">
+              <a:schemeClr val="accent1"/>
+            </a:fillRef>
+            <a:effectRef idx="0">
+              <a:schemeClr val="accent1"/>
+            </a:effectRef>
+            <a:fontRef idx="minor">
+              <a:schemeClr val="lt1"/>
+            </a:fontRef>
+          </p:style>
+          <p:txBody>
+            <a:bodyPr rot="0" spcFirstLastPara="0" vertOverflow="overflow" horzOverflow="overflow" vert="horz" wrap="square" lIns="91440" tIns="45720" rIns="91440" bIns="45720" numCol="1" spcCol="0" rtlCol="0" fromWordArt="0" anchor="t" anchorCtr="0" forceAA="0" compatLnSpc="1">
+              <a:prstTxWarp prst="textNoShape">
+                <a:avLst/>
+              </a:prstTxWarp>
+              <a:noAutofit/>
+            </a:bodyPr>
+            <a:lstStyle/>
+            <a:p>
+              <a:pPr algn="ctr">
+                <a:lnSpc>
+                  <a:spcPct val="114000"/>
+                </a:lnSpc>
+              </a:pPr>
+              <a:endParaRPr lang="en-US" dirty="0" smtClean="0"/>
+            </a:p>
+          </p:txBody>
+        </p:sp>
+      </p:grpSp>
       <p:sp>
         <p:nvSpPr>
-          <p:cNvPr id="507" name="RS_Classification_Standard"/>
+          <p:cNvPr id="548" name="RS_Classification_Standard"/>
           <p:cNvSpPr txBox="1"/>
           <p:nvPr/>
         </p:nvSpPr>
@@ -30733,8 +30820,8 @@
           </a:prstGeom>
         </p:spPr>
       </p:pic>
-      <mc:AlternateContent xmlns:mc="http://schemas.openxmlformats.org/markup-compatibility/2006" xmlns:a14="http://schemas.microsoft.com/office/drawing/2010/main">
-        <mc:Choice Requires="a14">
+      <mc:AlternateContent xmlns:mc="http://schemas.openxmlformats.org/markup-compatibility/2006">
+        <mc:Choice xmlns:a14="http://schemas.microsoft.com/office/drawing/2010/main" Requires="a14">
           <p:sp>
             <p:nvSpPr>
               <p:cNvPr id="2" name="Content Placeholder 1"/>
@@ -30760,7 +30847,7 @@
                   <a:buChar char="•"/>
                 </a:pPr>
                 <a:r>
-                  <a:rPr lang="en-US" dirty="0">
+                  <a:rPr lang="en-US" dirty="0" smtClean="0">
                     <a:latin typeface="Simplified Arabic Fixed" panose="02070309020205020404" pitchFamily="49" charset="-78"/>
                     <a:cs typeface="Simplified Arabic Fixed" panose="02070309020205020404" pitchFamily="49" charset="-78"/>
                   </a:rPr>
@@ -31648,49 +31735,36 @@
                 </a14:m>
                 <a:r>
                   <a:rPr lang="en-US" dirty="0"/>
-                  <a:t> </a:t>
+                  <a:t>  </a:t>
                 </a:r>
-                <a14:m>
-                  <m:oMath xmlns:m="http://schemas.openxmlformats.org/officeDocument/2006/math">
-                    <m:r>
-                      <a:rPr lang="en-US" i="1">
-                        <a:solidFill>
-                          <a:prstClr val="black"/>
-                        </a:solidFill>
-                        <a:latin typeface="Cambria Math" panose="02040503050406030204" pitchFamily="18" charset="0"/>
-                        <a:ea typeface="Cambria Math" panose="02040503050406030204" pitchFamily="18" charset="0"/>
-                      </a:rPr>
-                      <m:t>∕∕</m:t>
-                    </m:r>
-                    <m:r>
-                      <a:rPr lang="en-US" b="0" i="1" smtClean="0">
-                        <a:solidFill>
-                          <a:prstClr val="black"/>
-                        </a:solidFill>
-                        <a:latin typeface="Cambria Math" panose="02040503050406030204" pitchFamily="18" charset="0"/>
-                      </a:rPr>
-                      <m:t>𝑆𝑢𝑝𝑒𝑟𝑓𝑙𝑢𝑜𝑢𝑠</m:t>
-                    </m:r>
-                    <m:r>
-                      <a:rPr lang="en-US" i="1">
-                        <a:solidFill>
-                          <a:prstClr val="black"/>
-                        </a:solidFill>
-                        <a:latin typeface="Cambria Math" panose="02040503050406030204" pitchFamily="18" charset="0"/>
-                      </a:rPr>
-                      <m:t> </m:t>
-                    </m:r>
-                    <m:r>
-                      <a:rPr lang="en-US" i="1">
-                        <a:solidFill>
-                          <a:prstClr val="black"/>
-                        </a:solidFill>
-                        <a:latin typeface="Cambria Math" panose="02040503050406030204" pitchFamily="18" charset="0"/>
-                      </a:rPr>
-                      <m:t>𝑐𝑜𝑝𝑦𝑖𝑛𝑔</m:t>
-                    </m:r>
-                  </m:oMath>
-                </a14:m>
+                <a:r>
+                  <a:rPr lang="en-US" dirty="0" smtClean="0">
+                    <a:solidFill>
+                      <a:prstClr val="black"/>
+                    </a:solidFill>
+                    <a:latin typeface="+mj-lt"/>
+                    <a:ea typeface="Cambria Math" panose="02040503050406030204" pitchFamily="18" charset="0"/>
+                  </a:rPr>
+                  <a:t>//</a:t>
+                </a:r>
+                <a:r>
+                  <a:rPr lang="en-US" b="0" i="0" dirty="0" smtClean="0">
+                    <a:solidFill>
+                      <a:prstClr val="black"/>
+                    </a:solidFill>
+                    <a:latin typeface="+mj-lt"/>
+                  </a:rPr>
+                  <a:t>Superfluous</a:t>
+                </a:r>
+                <a:r>
+                  <a:rPr lang="en-US" i="0" dirty="0" smtClean="0">
+                    <a:solidFill>
+                      <a:prstClr val="black"/>
+                    </a:solidFill>
+                    <a:latin typeface="+mj-lt"/>
+                  </a:rPr>
+                  <a:t> copying</a:t>
+                </a:r>
                 <a:endParaRPr lang="en-US" dirty="0">
                   <a:solidFill>
                     <a:prstClr val="black"/>
@@ -31706,7 +31780,7 @@
             </p:txBody>
           </p:sp>
         </mc:Choice>
-        <mc:Fallback xmlns="">
+        <mc:Fallback>
           <p:sp>
             <p:nvSpPr>
               <p:cNvPr id="2" name="Content Placeholder 1"/>
@@ -32194,7 +32268,7 @@
       </mc:AlternateContent>
       <p:sp>
         <p:nvSpPr>
-          <p:cNvPr id="571" name="RS_Classification_Standard"/>
+          <p:cNvPr id="132" name="RS_Classification_Standard"/>
           <p:cNvSpPr txBox="1"/>
           <p:nvPr/>
         </p:nvSpPr>
@@ -32533,7 +32607,7 @@
       </mc:AlternateContent>
       <p:sp>
         <p:nvSpPr>
-          <p:cNvPr id="633" name="RS_Classification_Standard"/>
+          <p:cNvPr id="640" name="RS_Classification_Standard"/>
           <p:cNvSpPr txBox="1"/>
           <p:nvPr/>
         </p:nvSpPr>
@@ -32599,8 +32673,8 @@
           <a:chExt cx="0" cy="0"/>
         </a:xfrm>
       </p:grpSpPr>
-      <mc:AlternateContent xmlns:mc="http://schemas.openxmlformats.org/markup-compatibility/2006" xmlns:a14="http://schemas.microsoft.com/office/drawing/2010/main">
-        <mc:Choice Requires="a14">
+      <mc:AlternateContent xmlns:mc="http://schemas.openxmlformats.org/markup-compatibility/2006">
+        <mc:Choice xmlns:a14="http://schemas.microsoft.com/office/drawing/2010/main" Requires="a14">
           <p:sp>
             <p:nvSpPr>
               <p:cNvPr id="2" name="Content Placeholder 1"/>
@@ -32818,13 +32892,16 @@
                       <m:t>=</m:t>
                     </m:r>
                     <m:r>
-                      <a:rPr lang="en-US" i="1" dirty="0">
+                      <m:rPr>
+                        <m:sty m:val="p"/>
+                      </m:rPr>
+                      <a:rPr lang="en-US" i="0" dirty="0">
                         <a:solidFill>
                           <a:prstClr val="black"/>
                         </a:solidFill>
                         <a:latin typeface="Cambria Math" panose="02040503050406030204" pitchFamily="18" charset="0"/>
                       </a:rPr>
-                      <m:t>𝑠𝑖𝑔𝑛</m:t>
+                      <m:t>sign</m:t>
                     </m:r>
                     <m:d>
                       <m:dPr>
@@ -32911,13 +32988,16 @@
                       <m:t>∗</m:t>
                     </m:r>
                     <m:r>
-                      <a:rPr lang="en-US" i="1" dirty="0">
+                      <m:rPr>
+                        <m:sty m:val="p"/>
+                      </m:rPr>
+                      <a:rPr lang="en-US" i="0" dirty="0">
                         <a:solidFill>
                           <a:prstClr val="black"/>
                         </a:solidFill>
                         <a:latin typeface="Cambria Math" panose="02040503050406030204" pitchFamily="18" charset="0"/>
                       </a:rPr>
-                      <m:t>𝑠𝑖𝑔𝑛</m:t>
+                      <m:t>sign</m:t>
                     </m:r>
                     <m:r>
                       <a:rPr lang="en-US" i="1" dirty="0">
@@ -34361,7 +34441,7 @@
             </p:txBody>
           </p:sp>
         </mc:Choice>
-        <mc:Fallback xmlns="">
+        <mc:Fallback>
           <p:sp>
             <p:nvSpPr>
               <p:cNvPr id="2" name="Content Placeholder 1"/>
@@ -34586,7 +34666,7 @@
       </p:sp>
       <p:sp>
         <p:nvSpPr>
-          <p:cNvPr id="90" name="RS_Classification_Standard"/>
+          <p:cNvPr id="97" name="RS_Classification_Standard"/>
           <p:cNvSpPr txBox="1"/>
           <p:nvPr/>
         </p:nvSpPr>
@@ -35055,7 +35135,7 @@
       </p:sp>
       <p:sp>
         <p:nvSpPr>
-          <p:cNvPr id="600" name="RS_Classification_Standard"/>
+          <p:cNvPr id="163" name="RS_Classification_Standard"/>
           <p:cNvSpPr txBox="1"/>
           <p:nvPr/>
         </p:nvSpPr>
@@ -35511,7 +35591,7 @@
       </p:pic>
       <p:sp>
         <p:nvSpPr>
-          <p:cNvPr id="58" name="RS_Classification_Standard"/>
+          <p:cNvPr id="417" name="RS_Classification_Standard"/>
           <p:cNvSpPr txBox="1"/>
           <p:nvPr/>
         </p:nvSpPr>

--- a/final_presentation/finalPpt1.4.pptx
+++ b/final_presentation/finalPpt1.4.pptx
@@ -317,7 +317,7 @@
               <a:pPr>
                 <a:defRPr/>
               </a:pPr>
-              <a:t>19/11/2018</a:t>
+              <a:t>20/11/2018</a:t>
             </a:fld>
             <a:endParaRPr lang="en-GB" dirty="0"/>
           </a:p>
@@ -536,7 +536,7 @@
               <a:pPr>
                 <a:defRPr/>
               </a:pPr>
-              <a:t>19/11/2018</a:t>
+              <a:t>20/11/2018</a:t>
             </a:fld>
             <a:endParaRPr lang="en-GB"/>
           </a:p>
@@ -2311,10 +2311,6 @@
             <a:br>
               <a:rPr lang="de-DE" noProof="0" dirty="0"/>
             </a:br>
-            <a:r>
-              <a:rPr lang="de-DE" noProof="0" dirty="0"/>
-              <a:t/>
-            </a:r>
             <a:br>
               <a:rPr lang="de-DE" noProof="0" dirty="0"/>
             </a:br>
@@ -2527,10 +2523,6 @@
             <a:br>
               <a:rPr lang="de-DE" noProof="0" dirty="0"/>
             </a:br>
-            <a:r>
-              <a:rPr lang="de-DE" noProof="0" dirty="0"/>
-              <a:t/>
-            </a:r>
             <a:br>
               <a:rPr lang="de-DE" noProof="0" dirty="0"/>
             </a:br>
@@ -8138,7 +8130,7 @@
         <p:spPr>
           <a:xfrm>
             <a:off x="317935" y="1199339"/>
-            <a:ext cx="8508999" cy="820738"/>
+            <a:ext cx="8508999" cy="1198533"/>
           </a:xfrm>
         </p:spPr>
         <p:txBody>
@@ -8151,7 +8143,7 @@
                   <a:schemeClr val="tx2"/>
                 </a:solidFill>
               </a:rPr>
-              <a:t>Polar FEC chain development in software for 5G</a:t>
+              <a:t>Low Latency Polar FEC Chain Development in Software for 5G</a:t>
             </a:r>
             <a:br>
               <a:rPr lang="en-US" dirty="0">
@@ -8198,7 +8190,7 @@
           <a:p>
             <a:r>
               <a:rPr lang="de-DE" dirty="0"/>
-              <a:t>Yadhunandana Kumaraiah (Yadhu)</a:t>
+              <a:t>Yadhunandana R. Kumaraiah (Yadhu)</a:t>
             </a:r>
           </a:p>
           <a:p>
@@ -8295,7 +8287,7 @@
           </a:bodyPr>
           <a:lstStyle/>
           <a:p>
-            <a:endParaRPr lang="en-US" sz="1100" b="1" kern="900" spc="100" dirty="0" err="1" smtClean="0">
+            <a:endParaRPr lang="en-US" sz="1100" b="1" kern="900" spc="100" dirty="0" err="1">
               <a:solidFill>
                 <a:srgbClr val="000000"/>
               </a:solidFill>
@@ -8547,7 +8539,7 @@
           </a:bodyPr>
           <a:lstStyle/>
           <a:p>
-            <a:endParaRPr lang="en-US" sz="1100" b="1" kern="900" spc="100" dirty="0" err="1" smtClean="0">
+            <a:endParaRPr lang="en-US" sz="1100" b="1" kern="900" spc="100" dirty="0" err="1">
               <a:solidFill>
                 <a:srgbClr val="000000"/>
               </a:solidFill>
@@ -8803,7 +8795,7 @@
           </a:bodyPr>
           <a:lstStyle/>
           <a:p>
-            <a:endParaRPr lang="en-US" sz="1100" b="1" kern="900" spc="100" dirty="0" err="1" smtClean="0">
+            <a:endParaRPr lang="en-US" sz="1100" b="1" kern="900" spc="100" dirty="0" err="1">
               <a:solidFill>
                 <a:srgbClr val="000000"/>
               </a:solidFill>
@@ -8840,8 +8832,8 @@
           <a:chExt cx="0" cy="0"/>
         </a:xfrm>
       </p:grpSpPr>
-      <mc:AlternateContent xmlns:mc="http://schemas.openxmlformats.org/markup-compatibility/2006">
-        <mc:Choice xmlns:a14="http://schemas.microsoft.com/office/drawing/2010/main" Requires="a14">
+      <mc:AlternateContent xmlns:mc="http://schemas.openxmlformats.org/markup-compatibility/2006" xmlns:a14="http://schemas.microsoft.com/office/drawing/2010/main">
+        <mc:Choice Requires="a14">
           <p:sp>
             <p:nvSpPr>
               <p:cNvPr id="2" name="Content Placeholder 1"/>
@@ -8867,12 +8859,8 @@
                   <a:buChar char="•"/>
                 </a:pPr>
                 <a:r>
-                  <a:rPr lang="en-US" dirty="0" smtClean="0"/>
-                  <a:t>Reliable </a:t>
-                </a:r>
-                <a:r>
                   <a:rPr lang="en-US" dirty="0"/>
-                  <a:t>bit indices need to be selected by considering effect of rate matching on reliability values.</a:t>
+                  <a:t>Reliable bit indices need to be selected by considering effect of rate matching on reliability values.</a:t>
                 </a:r>
               </a:p>
               <a:p>
@@ -8962,7 +8950,7 @@
             </p:txBody>
           </p:sp>
         </mc:Choice>
-        <mc:Fallback>
+        <mc:Fallback xmlns="">
           <p:sp>
             <p:nvSpPr>
               <p:cNvPr id="2" name="Content Placeholder 1"/>
@@ -9111,7 +9099,7 @@
           </a:bodyPr>
           <a:lstStyle/>
           <a:p>
-            <a:endParaRPr lang="en-US" sz="1100" b="1" kern="900" spc="100" dirty="0" err="1" smtClean="0">
+            <a:endParaRPr lang="en-US" sz="1100" b="1" kern="900" spc="100" dirty="0" err="1">
               <a:solidFill>
                 <a:srgbClr val="000000"/>
               </a:solidFill>
@@ -9133,13 +9121,6 @@
   <p:clrMapOvr>
     <a:masterClrMapping/>
   </p:clrMapOvr>
-  <p:timing>
-    <p:tnLst>
-      <p:par>
-        <p:cTn id="1" dur="indefinite" restart="never" nodeType="tmRoot"/>
-      </p:par>
-    </p:tnLst>
-  </p:timing>
 </p:sld>
 </file>
 
@@ -9160,8 +9141,8 @@
           <a:chExt cx="0" cy="0"/>
         </a:xfrm>
       </p:grpSpPr>
-      <mc:AlternateContent xmlns:mc="http://schemas.openxmlformats.org/markup-compatibility/2006">
-        <mc:Choice xmlns:a14="http://schemas.microsoft.com/office/drawing/2010/main" Requires="a14">
+      <mc:AlternateContent xmlns:mc="http://schemas.openxmlformats.org/markup-compatibility/2006" xmlns:a14="http://schemas.microsoft.com/office/drawing/2010/main">
+        <mc:Choice Requires="a14">
           <p:sp>
             <p:nvSpPr>
               <p:cNvPr id="2" name="Content Placeholder 1"/>
@@ -9187,7 +9168,7 @@
                   <a:buChar char="•"/>
                 </a:pPr>
                 <a:r>
-                  <a:rPr lang="en-US" dirty="0" smtClean="0">
+                  <a:rPr lang="en-US" dirty="0">
                     <a:solidFill>
                       <a:schemeClr val="bg2"/>
                     </a:solidFill>
@@ -9204,12 +9185,8 @@
                   <a:buChar char="Ø"/>
                 </a:pPr>
                 <a:r>
-                  <a:rPr lang="en-US" dirty="0" smtClean="0"/>
-                  <a:t>Intelligent </a:t>
-                </a:r>
-                <a:r>
                   <a:rPr lang="en-US" dirty="0"/>
-                  <a:t>memory layout design for </a:t>
+                  <a:t>Intelligent memory layout design for </a:t>
                 </a:r>
                 <a14:m>
                   <m:oMath xmlns:m="http://schemas.openxmlformats.org/officeDocument/2006/math">
@@ -10108,7 +10085,7 @@
                     </m:r>
                   </m:oMath>
                 </a14:m>
-                <a:endParaRPr lang="en-US" dirty="0" smtClean="0"/>
+                <a:endParaRPr lang="en-US" dirty="0"/>
               </a:p>
               <a:p>
                 <a:pPr marL="285750" indent="-285750">
@@ -10116,20 +10093,12 @@
                   <a:buChar char="•"/>
                 </a:pPr>
                 <a:r>
-                  <a:rPr lang="en-US" dirty="0" smtClean="0">
-                    <a:solidFill>
-                      <a:schemeClr val="bg2"/>
-                    </a:solidFill>
-                  </a:rPr>
-                  <a:t>Exploit </a:t>
-                </a:r>
-                <a:r>
                   <a:rPr lang="en-US" dirty="0">
                     <a:solidFill>
                       <a:schemeClr val="bg2"/>
                     </a:solidFill>
                   </a:rPr>
-                  <a:t>data parallelism: </a:t>
+                  <a:t>Exploit data parallelism: </a:t>
                 </a:r>
                 <a:endParaRPr lang="en-US" dirty="0"/>
               </a:p>
@@ -10149,46 +10118,9 @@
                   <a:buChar char="Ø"/>
                 </a:pPr>
                 <a:r>
-                  <a:rPr lang="en-US" dirty="0" smtClean="0"/>
-                  <a:t>Multiple bits </a:t>
+                  <a:rPr lang="en-US" dirty="0"/>
+                  <a:t>Multiple bits processed in parallel by packing multiple bits to single integer. E.g. int8 = 8 info bits, int64 = 64 info bits.</a:t>
                 </a:r>
-                <a:r>
-                  <a:rPr lang="en-US" dirty="0" smtClean="0"/>
-                  <a:t>processed </a:t>
-                </a:r>
-                <a:r>
-                  <a:rPr lang="en-US" dirty="0"/>
-                  <a:t>in parallel by packing multiple </a:t>
-                </a:r>
-                <a:r>
-                  <a:rPr lang="en-US" dirty="0" smtClean="0"/>
-                  <a:t>bits </a:t>
-                </a:r>
-                <a:r>
-                  <a:rPr lang="en-US" dirty="0"/>
-                  <a:t>to single </a:t>
-                </a:r>
-                <a:r>
-                  <a:rPr lang="en-US" dirty="0" smtClean="0"/>
-                  <a:t>integer. E.g. int8 = </a:t>
-                </a:r>
-                <a:r>
-                  <a:rPr lang="en-US" dirty="0"/>
-                  <a:t>8 info bits, </a:t>
-                </a:r>
-                <a:r>
-                  <a:rPr lang="en-US" dirty="0" smtClean="0"/>
-                  <a:t>int64 = </a:t>
-                </a:r>
-                <a:r>
-                  <a:rPr lang="en-US" dirty="0"/>
-                  <a:t>64 info bits</a:t>
-                </a:r>
-                <a:r>
-                  <a:rPr lang="en-US" dirty="0" smtClean="0"/>
-                  <a:t>.</a:t>
-                </a:r>
-                <a:endParaRPr lang="en-US" dirty="0"/>
               </a:p>
               <a:p>
                 <a:pPr marL="461963" lvl="1" indent="-285750">
@@ -10196,20 +10128,8 @@
                   <a:buChar char="Ø"/>
                 </a:pPr>
                 <a:r>
-                  <a:rPr lang="en-US" dirty="0" smtClean="0"/>
-                  <a:t>SIMD registers are </a:t>
-                </a:r>
-                <a:r>
                   <a:rPr lang="en-US" dirty="0"/>
-                  <a:t>256 bits </a:t>
-                </a:r>
-                <a:r>
-                  <a:rPr lang="en-US" dirty="0" smtClean="0"/>
-                  <a:t>wide, Resulting </a:t>
-                </a:r>
-                <a:r>
-                  <a:rPr lang="en-US" dirty="0"/>
-                  <a:t>in a parallelism factor </a:t>
+                  <a:t>SIMD registers are 256 bits wide, Resulting in a parallelism factor </a:t>
                 </a:r>
                 <a14:m>
                   <m:oMath xmlns:m="http://schemas.openxmlformats.org/officeDocument/2006/math">
@@ -10228,15 +10148,14 @@
                   </m:oMath>
                 </a14:m>
                 <a:r>
-                  <a:rPr lang="en-US" dirty="0" smtClean="0"/>
+                  <a:rPr lang="en-US" dirty="0"/>
                   <a:t>.</a:t>
                 </a:r>
-                <a:endParaRPr lang="en-US" dirty="0"/>
               </a:p>
             </p:txBody>
           </p:sp>
         </mc:Choice>
-        <mc:Fallback>
+        <mc:Fallback xmlns="">
           <p:sp>
             <p:nvSpPr>
               <p:cNvPr id="2" name="Content Placeholder 1"/>
@@ -14480,7 +14399,7 @@
           </a:bodyPr>
           <a:lstStyle/>
           <a:p>
-            <a:endParaRPr lang="en-US" sz="1100" b="1" kern="900" spc="100" dirty="0" err="1" smtClean="0">
+            <a:endParaRPr lang="en-US" sz="1100" b="1" kern="900" spc="100" dirty="0" err="1">
               <a:solidFill>
                 <a:srgbClr val="000000"/>
               </a:solidFill>
@@ -14502,13 +14421,6 @@
   <p:clrMapOvr>
     <a:masterClrMapping/>
   </p:clrMapOvr>
-  <p:timing>
-    <p:tnLst>
-      <p:par>
-        <p:cTn id="1" dur="indefinite" restart="never" nodeType="tmRoot"/>
-      </p:par>
-    </p:tnLst>
-  </p:timing>
 </p:sld>
 </file>
 
@@ -14817,8 +14729,8 @@
           </p:txBody>
         </p:sp>
       </p:grpSp>
-      <mc:AlternateContent xmlns:mc="http://schemas.openxmlformats.org/markup-compatibility/2006">
-        <mc:Choice xmlns:a14="http://schemas.microsoft.com/office/drawing/2010/main" Requires="a14">
+      <mc:AlternateContent xmlns:mc="http://schemas.openxmlformats.org/markup-compatibility/2006" xmlns:a14="http://schemas.microsoft.com/office/drawing/2010/main">
+        <mc:Choice Requires="a14">
           <p:sp>
             <p:nvSpPr>
               <p:cNvPr id="2" name="Content Placeholder 1"/>
@@ -14844,7 +14756,7 @@
                   <a:buChar char="•"/>
                 </a:pPr>
                 <a:r>
-                  <a:rPr lang="en-US" dirty="0" smtClean="0"/>
+                  <a:rPr lang="en-US" dirty="0"/>
                   <a:t>Plain encoder implementation traverses till the end of tree. E.g.: </a:t>
                 </a:r>
                 <a14:m>
@@ -14879,13 +14791,8 @@
                 </a14:m>
                 <a:r>
                   <a:rPr lang="en-US" dirty="0"/>
-                  <a:t> </a:t>
+                  <a:t> nodes.</a:t>
                 </a:r>
-                <a:r>
-                  <a:rPr lang="en-US" dirty="0" smtClean="0"/>
-                  <a:t>nodes.</a:t>
-                </a:r>
-                <a:endParaRPr lang="en-US" dirty="0"/>
               </a:p>
               <a:p>
                 <a:pPr marL="285750" indent="-285750">
@@ -14894,23 +14801,7 @@
                 </a:pPr>
                 <a:r>
                   <a:rPr lang="en-US" dirty="0"/>
-                  <a:t>Pruning </a:t>
-                </a:r>
-                <a:r>
-                  <a:rPr lang="en-US" dirty="0" smtClean="0"/>
-                  <a:t>is done </a:t>
-                </a:r>
-                <a:r>
-                  <a:rPr lang="en-US" dirty="0" smtClean="0"/>
-                  <a:t>by </a:t>
-                </a:r>
-                <a:r>
-                  <a:rPr lang="en-US" dirty="0"/>
-                  <a:t>building a lookup table and stopping encoding </a:t>
-                </a:r>
-                <a:r>
-                  <a:rPr lang="en-US" dirty="0" smtClean="0"/>
-                  <a:t>at </a:t>
+                  <a:t>Pruning is done by building a lookup table and stopping encoding at </a:t>
                 </a:r>
                 <a14:m>
                   <m:oMath xmlns:m="http://schemas.openxmlformats.org/officeDocument/2006/math">
@@ -14970,12 +14861,8 @@
                   </m:oMath>
                 </a14:m>
                 <a:r>
-                  <a:rPr lang="en-US" dirty="0" smtClean="0"/>
-                  <a:t> level, </a:t>
-                </a:r>
-                <a:r>
                   <a:rPr lang="en-US" dirty="0"/>
-                  <a:t>i.e. </a:t>
+                  <a:t> level, i.e. </a:t>
                 </a:r>
                 <a:r>
                   <a:rPr lang="en-US" dirty="0">
@@ -14994,16 +14881,8 @@
                   <a:buChar char="•"/>
                 </a:pPr>
                 <a:r>
-                  <a:rPr lang="en-US" dirty="0" smtClean="0"/>
-                  <a:t>Number </a:t>
-                </a:r>
-                <a:r>
                   <a:rPr lang="en-US" dirty="0"/>
-                  <a:t>of nodes </a:t>
-                </a:r>
-                <a:r>
-                  <a:rPr lang="en-US" dirty="0" smtClean="0"/>
-                  <a:t>reduced to </a:t>
+                  <a:t>Number of nodes reduced to </a:t>
                 </a:r>
                 <a:r>
                   <a:rPr lang="en-US" dirty="0">
@@ -15023,15 +14902,7 @@
                 </a:r>
                 <a:r>
                   <a:rPr lang="en-US" dirty="0"/>
-                  <a:t> hence significantly </a:t>
-                </a:r>
-                <a:r>
-                  <a:rPr lang="en-US" dirty="0" smtClean="0"/>
-                  <a:t>reducing </a:t>
-                </a:r>
-                <a:r>
-                  <a:rPr lang="en-US" dirty="0"/>
-                  <a:t>the latency.</a:t>
+                  <a:t> hence significantly reducing the latency.</a:t>
                 </a:r>
               </a:p>
               <a:p>
@@ -15041,21 +14912,8 @@
                 </a:pPr>
                 <a:r>
                   <a:rPr lang="en-US" dirty="0"/>
-                  <a:t>This optimization </a:t>
+                  <a:t>This optimization is applicable for hardware implementations as well.</a:t>
                 </a:r>
-                <a:r>
-                  <a:rPr lang="en-US" dirty="0" smtClean="0"/>
-                  <a:t>is applicable for </a:t>
-                </a:r>
-                <a:r>
-                  <a:rPr lang="en-US" dirty="0"/>
-                  <a:t>hardware </a:t>
-                </a:r>
-                <a:r>
-                  <a:rPr lang="en-US" dirty="0" smtClean="0"/>
-                  <a:t>implementations as well.</a:t>
-                </a:r>
-                <a:endParaRPr lang="en-US" dirty="0"/>
               </a:p>
               <a:p>
                 <a:pPr marL="285750" indent="-285750">
@@ -15077,7 +14935,7 @@
             </p:txBody>
           </p:sp>
         </mc:Choice>
-        <mc:Fallback>
+        <mc:Fallback xmlns="">
           <p:sp>
             <p:nvSpPr>
               <p:cNvPr id="2" name="Content Placeholder 1"/>
@@ -15196,7 +15054,7 @@
           </a:bodyPr>
           <a:lstStyle/>
           <a:p>
-            <a:endParaRPr lang="en-US" sz="1100" b="1" kern="900" spc="100" dirty="0" err="1" smtClean="0">
+            <a:endParaRPr lang="en-US" sz="1100" b="1" kern="900" spc="100" dirty="0" err="1">
               <a:solidFill>
                 <a:srgbClr val="000000"/>
               </a:solidFill>
@@ -16147,7 +16005,7 @@
           </a:bodyPr>
           <a:lstStyle/>
           <a:p>
-            <a:endParaRPr lang="en-US" sz="1100" b="1" kern="900" spc="100" dirty="0" err="1" smtClean="0">
+            <a:endParaRPr lang="en-US" sz="1100" b="1" kern="900" spc="100" dirty="0" err="1">
               <a:solidFill>
                 <a:srgbClr val="000000"/>
               </a:solidFill>
@@ -16287,21 +16145,8 @@
             </a:pPr>
             <a:r>
               <a:rPr lang="en-US" dirty="0"/>
-              <a:t>Decoding FEC chain </a:t>
-            </a:r>
-            <a:r>
-              <a:rPr lang="en-US" dirty="0" smtClean="0"/>
-              <a:t>for Uplink Control </a:t>
-            </a:r>
-            <a:r>
-              <a:rPr lang="en-US" dirty="0"/>
-              <a:t>I</a:t>
-            </a:r>
-            <a:r>
-              <a:rPr lang="en-US" dirty="0" smtClean="0"/>
-              <a:t>nformation (UCI)</a:t>
-            </a:r>
-            <a:endParaRPr lang="en-US" dirty="0"/>
+              <a:t>Decoding FEC chain for Uplink Control Information (UCI)</a:t>
+            </a:r>
           </a:p>
         </p:txBody>
       </p:sp>
@@ -16368,7 +16213,7 @@
           </a:bodyPr>
           <a:lstStyle/>
           <a:p>
-            <a:endParaRPr lang="en-US" sz="1100" b="1" kern="900" spc="100" dirty="0" err="1" smtClean="0">
+            <a:endParaRPr lang="en-US" sz="1100" b="1" kern="900" spc="100" dirty="0" err="1">
               <a:solidFill>
                 <a:srgbClr val="000000"/>
               </a:solidFill>
@@ -16775,7 +16620,7 @@
           </a:bodyPr>
           <a:lstStyle/>
           <a:p>
-            <a:endParaRPr lang="en-US" sz="1100" b="1" kern="900" spc="100" dirty="0" err="1" smtClean="0">
+            <a:endParaRPr lang="en-US" sz="1100" b="1" kern="900" spc="100" dirty="0" err="1">
               <a:solidFill>
                 <a:srgbClr val="000000"/>
               </a:solidFill>
@@ -17230,34 +17075,13 @@
           <a:lstStyle/>
           <a:p>
             <a:r>
-              <a:rPr lang="en-US" dirty="0" smtClean="0">
-                <a:solidFill>
-                  <a:schemeClr val="bg2"/>
-                </a:solidFill>
-              </a:rPr>
-              <a:t>Decoding</a:t>
-            </a:r>
-            <a:r>
               <a:rPr lang="en-US" dirty="0">
                 <a:solidFill>
                   <a:schemeClr val="bg2"/>
                 </a:solidFill>
               </a:rPr>
-              <a:t>: Optimized CN, VN and bit </a:t>
-            </a:r>
-            <a:r>
-              <a:rPr lang="en-US" dirty="0" smtClean="0">
-                <a:solidFill>
-                  <a:schemeClr val="bg2"/>
-                </a:solidFill>
-              </a:rPr>
-              <a:t>combination</a:t>
-            </a:r>
-            <a:endParaRPr lang="en-US" dirty="0">
-              <a:solidFill>
-                <a:schemeClr val="bg2"/>
-              </a:solidFill>
-            </a:endParaRPr>
+              <a:t>Decoding: Optimized CN, VN and bit combination</a:t>
+            </a:r>
           </a:p>
         </p:txBody>
       </p:sp>
@@ -18188,8 +18012,8 @@
           </p:sp>
         </mc:Fallback>
       </mc:AlternateContent>
-      <mc:AlternateContent xmlns:mc="http://schemas.openxmlformats.org/markup-compatibility/2006">
-        <mc:Choice xmlns:a14="http://schemas.microsoft.com/office/drawing/2010/main" Requires="a14">
+      <mc:AlternateContent xmlns:mc="http://schemas.openxmlformats.org/markup-compatibility/2006" xmlns:a14="http://schemas.microsoft.com/office/drawing/2010/main">
+        <mc:Choice Requires="a14">
           <p:sp>
             <p:nvSpPr>
               <p:cNvPr id="457" name="Content Placeholder 1"/>
@@ -18390,7 +18214,7 @@
                   <a:buFont typeface="Arial" panose="020B0604020202020204" pitchFamily="34" charset="0"/>
                   <a:buChar char="•"/>
                 </a:pPr>
-                <a:endParaRPr lang="en-US" sz="1200" dirty="0" smtClean="0">
+                <a:endParaRPr lang="en-US" sz="1200" dirty="0">
                   <a:solidFill>
                     <a:prstClr val="black"/>
                   </a:solidFill>
@@ -19362,7 +19186,7 @@
                                 <a:solidFill>
                                   <a:prstClr val="black"/>
                                 </a:solidFill>
-                                <a:latin typeface="+mj-lt"/>
+                                <a:latin typeface="Cambria Math" panose="02040503050406030204" pitchFamily="18" charset="0"/>
                                 <a:ea typeface="Cambria Math" panose="02040503050406030204" pitchFamily="18" charset="0"/>
                               </a:rPr>
                               <m:t>superfluous</m:t>
@@ -19406,7 +19230,7 @@
             </p:txBody>
           </p:sp>
         </mc:Choice>
-        <mc:Fallback>
+        <mc:Fallback xmlns="">
           <p:sp>
             <p:nvSpPr>
               <p:cNvPr id="457" name="Content Placeholder 1"/>
@@ -19477,7 +19301,7 @@
           </a:bodyPr>
           <a:lstStyle/>
           <a:p>
-            <a:endParaRPr lang="en-US" sz="1100" b="1" kern="900" spc="100" dirty="0" err="1" smtClean="0">
+            <a:endParaRPr lang="en-US" sz="1100" b="1" kern="900" spc="100" dirty="0" err="1">
               <a:solidFill>
                 <a:srgbClr val="000000"/>
               </a:solidFill>
@@ -20607,7 +20431,7 @@
           </a:bodyPr>
           <a:lstStyle/>
           <a:p>
-            <a:endParaRPr lang="en-US" sz="1100" b="1" kern="900" spc="100" dirty="0" err="1" smtClean="0">
+            <a:endParaRPr lang="en-US" sz="1100" b="1" kern="900" spc="100" dirty="0" err="1">
               <a:solidFill>
                 <a:srgbClr val="000000"/>
               </a:solidFill>
@@ -20868,7 +20692,7 @@
           </a:bodyPr>
           <a:lstStyle/>
           <a:p>
-            <a:endParaRPr lang="en-US" sz="1100" b="1" kern="900" spc="100" dirty="0" err="1" smtClean="0">
+            <a:endParaRPr lang="en-US" sz="1100" b="1" kern="900" spc="100" dirty="0" err="1">
               <a:solidFill>
                 <a:srgbClr val="000000"/>
               </a:solidFill>
@@ -20910,8 +20734,8 @@
           <a:chExt cx="0" cy="0"/>
         </a:xfrm>
       </p:grpSpPr>
-      <mc:AlternateContent xmlns:mc="http://schemas.openxmlformats.org/markup-compatibility/2006">
-        <mc:Choice xmlns:a14="http://schemas.microsoft.com/office/drawing/2010/main" Requires="a14">
+      <mc:AlternateContent xmlns:mc="http://schemas.openxmlformats.org/markup-compatibility/2006" xmlns:a14="http://schemas.microsoft.com/office/drawing/2010/main">
+        <mc:Choice Requires="a14">
           <p:sp>
             <p:nvSpPr>
               <p:cNvPr id="284" name="Content Placeholder 283"/>
@@ -21151,7 +20975,7 @@
             </p:txBody>
           </p:sp>
         </mc:Choice>
-        <mc:Fallback>
+        <mc:Fallback xmlns="">
           <p:sp>
             <p:nvSpPr>
               <p:cNvPr id="284" name="Content Placeholder 283"/>
@@ -21270,7 +21094,7 @@
           </a:bodyPr>
           <a:lstStyle/>
           <a:p>
-            <a:endParaRPr lang="en-US" sz="1100" b="1" kern="900" spc="100" dirty="0" err="1" smtClean="0">
+            <a:endParaRPr lang="en-US" sz="1100" b="1" kern="900" spc="100" dirty="0" err="1">
               <a:solidFill>
                 <a:srgbClr val="000000"/>
               </a:solidFill>
@@ -21838,7 +21662,7 @@
           </a:bodyPr>
           <a:lstStyle/>
           <a:p>
-            <a:endParaRPr lang="en-US" sz="1100" b="1" kern="900" spc="100" dirty="0" err="1" smtClean="0">
+            <a:endParaRPr lang="en-US" sz="1100" b="1" kern="900" spc="100" dirty="0" err="1">
               <a:solidFill>
                 <a:srgbClr val="000000"/>
               </a:solidFill>
@@ -22925,7 +22749,7 @@
           </a:bodyPr>
           <a:lstStyle/>
           <a:p>
-            <a:endParaRPr lang="en-US" sz="1100" b="1" kern="900" spc="100" dirty="0" err="1" smtClean="0">
+            <a:endParaRPr lang="en-US" sz="1100" b="1" kern="900" spc="100" dirty="0" err="1">
               <a:solidFill>
                 <a:srgbClr val="000000"/>
               </a:solidFill>
@@ -23000,27 +22824,8 @@
                 <a:ea typeface="+mj-ea"/>
                 <a:cs typeface="+mj-cs"/>
               </a:rPr>
-              <a:t>Tree </a:t>
-            </a:r>
-            <a:r>
-              <a:rPr lang="en-US" dirty="0" smtClean="0">
-                <a:solidFill>
-                  <a:schemeClr val="bg2"/>
-                </a:solidFill>
-                <a:latin typeface="+mj-lt"/>
-                <a:ea typeface="+mj-ea"/>
-                <a:cs typeface="+mj-cs"/>
-              </a:rPr>
-              <a:t>pruning</a:t>
-            </a:r>
-            <a:endParaRPr lang="en-US" dirty="0">
-              <a:solidFill>
-                <a:schemeClr val="bg2"/>
-              </a:solidFill>
-              <a:latin typeface="+mj-lt"/>
-              <a:ea typeface="+mj-ea"/>
-              <a:cs typeface="+mj-cs"/>
-            </a:endParaRPr>
+              <a:t>Tree pruning</a:t>
+            </a:r>
           </a:p>
           <a:p>
             <a:pPr marL="461963" lvl="1" indent="-285750">
@@ -23029,15 +22834,7 @@
             </a:pPr>
             <a:r>
               <a:rPr lang="en-US" dirty="0"/>
-              <a:t>Decoding latency can be further reduced by intelligently pruning the decoder tree. </a:t>
-            </a:r>
-            <a:r>
-              <a:rPr lang="en-US" dirty="0" smtClean="0"/>
-              <a:t>Pruning irrespective </a:t>
-            </a:r>
-            <a:r>
-              <a:rPr lang="en-US" dirty="0"/>
-              <a:t>of frozen pattern.</a:t>
+              <a:t>Decoding latency can be further reduced by intelligently pruning the decoder tree. Pruning irrespective of frozen pattern.</a:t>
             </a:r>
           </a:p>
           <a:p>
@@ -23057,29 +22854,8 @@
             </a:pPr>
             <a:r>
               <a:rPr lang="en-US" dirty="0"/>
-              <a:t>H</a:t>
-            </a:r>
-            <a:r>
-              <a:rPr lang="en-US" dirty="0" smtClean="0"/>
-              <a:t>igh </a:t>
-            </a:r>
-            <a:r>
-              <a:rPr lang="en-US" dirty="0"/>
-              <a:t>SNR and low code rate scenarios this method can be used</a:t>
-            </a:r>
-            <a:r>
-              <a:rPr lang="en-US" dirty="0" smtClean="0"/>
-              <a:t>. </a:t>
-            </a:r>
-            <a:r>
-              <a:rPr lang="en-US" dirty="0"/>
-              <a:t>Level of pruning and BLER can be dealt </a:t>
-            </a:r>
-            <a:r>
-              <a:rPr lang="en-US" dirty="0" smtClean="0"/>
-              <a:t>as trade-off.</a:t>
-            </a:r>
-            <a:endParaRPr lang="en-US" dirty="0"/>
+              <a:t>High SNR and low code rate scenarios this method can be used. Level of pruning and BLER can be dealt as trade-off.</a:t>
+            </a:r>
           </a:p>
           <a:p>
             <a:pPr marL="285750" indent="-285750">
@@ -23087,7 +22863,7 @@
               <a:buChar char="•"/>
             </a:pPr>
             <a:r>
-              <a:rPr lang="en-US" dirty="0" smtClean="0">
+              <a:rPr lang="en-US" dirty="0">
                 <a:solidFill>
                   <a:schemeClr val="bg2"/>
                 </a:solidFill>
@@ -23097,14 +22873,6 @@
               </a:rPr>
               <a:t>Unrolling recursion</a:t>
             </a:r>
-            <a:endParaRPr lang="en-US" dirty="0">
-              <a:solidFill>
-                <a:schemeClr val="bg2"/>
-              </a:solidFill>
-              <a:latin typeface="+mj-lt"/>
-              <a:ea typeface="+mj-ea"/>
-              <a:cs typeface="+mj-cs"/>
-            </a:endParaRPr>
           </a:p>
           <a:p>
             <a:pPr marL="461963" lvl="1" indent="-285750">
@@ -23112,20 +22880,8 @@
               <a:buChar char="Ø"/>
             </a:pPr>
             <a:r>
-              <a:rPr lang="en-US" dirty="0" smtClean="0"/>
-              <a:t>Recursion suits hardware </a:t>
-            </a:r>
-            <a:r>
               <a:rPr lang="en-US" dirty="0"/>
-              <a:t>implementation. However in </a:t>
-            </a:r>
-            <a:r>
-              <a:rPr lang="en-US" dirty="0" smtClean="0"/>
-              <a:t>software, it has a </a:t>
-            </a:r>
-            <a:r>
-              <a:rPr lang="en-US" dirty="0"/>
-              <a:t>huge overhead.</a:t>
+              <a:t>Recursion suits hardware implementation. However in software, it has a huge overhead.</a:t>
             </a:r>
           </a:p>
           <a:p>
@@ -23134,12 +22890,8 @@
               <a:buChar char="Ø"/>
             </a:pPr>
             <a:r>
-              <a:rPr lang="en-US" dirty="0" smtClean="0"/>
-              <a:t>Decoder </a:t>
-            </a:r>
-            <a:r>
               <a:rPr lang="en-US" dirty="0"/>
-              <a:t>implementation is unrolled using templates concept of C++.</a:t>
+              <a:t>Decoder implementation is unrolled using templates concept of C++.</a:t>
             </a:r>
           </a:p>
           <a:p>
@@ -23199,18 +22951,13 @@
           <a:lstStyle/>
           <a:p>
             <a:r>
-              <a:rPr lang="en-US" dirty="0" smtClean="0">
+              <a:rPr lang="en-US" dirty="0">
                 <a:solidFill>
                   <a:schemeClr val="bg2"/>
                 </a:solidFill>
               </a:rPr>
               <a:t>Decoder tree pruning and unrolling recursion</a:t>
             </a:r>
-            <a:endParaRPr lang="en-US" dirty="0">
-              <a:solidFill>
-                <a:schemeClr val="bg2"/>
-              </a:solidFill>
-            </a:endParaRPr>
           </a:p>
         </p:txBody>
       </p:sp>
@@ -23270,7 +23017,7 @@
           </a:bodyPr>
           <a:lstStyle/>
           <a:p>
-            <a:endParaRPr lang="en-US" sz="1100" b="1" kern="900" spc="100" dirty="0" err="1" smtClean="0">
+            <a:endParaRPr lang="en-US" sz="1100" b="1" kern="900" spc="100" dirty="0" err="1">
               <a:solidFill>
                 <a:srgbClr val="000000"/>
               </a:solidFill>
@@ -23573,7 +23320,7 @@
           </a:bodyPr>
           <a:lstStyle/>
           <a:p>
-            <a:endParaRPr lang="en-US" sz="1100" b="1" kern="900" spc="100" dirty="0" err="1" smtClean="0">
+            <a:endParaRPr lang="en-US" sz="1100" b="1" kern="900" spc="100" dirty="0" err="1">
               <a:solidFill>
                 <a:srgbClr val="000000"/>
               </a:solidFill>
@@ -24790,7 +24537,7 @@
           </a:bodyPr>
           <a:lstStyle/>
           <a:p>
-            <a:endParaRPr lang="en-US" sz="1100" b="1" kern="900" spc="100" dirty="0" err="1" smtClean="0">
+            <a:endParaRPr lang="en-US" sz="1100" b="1" kern="900" spc="100" dirty="0" err="1">
               <a:solidFill>
                 <a:srgbClr val="000000"/>
               </a:solidFill>
@@ -26305,7 +26052,7 @@
           </a:bodyPr>
           <a:lstStyle/>
           <a:p>
-            <a:endParaRPr lang="en-US" sz="1100" b="1" kern="900" spc="100" dirty="0" err="1" smtClean="0">
+            <a:endParaRPr lang="en-US" sz="1100" b="1" kern="900" spc="100" dirty="0" err="1">
               <a:solidFill>
                 <a:srgbClr val="000000"/>
               </a:solidFill>
@@ -27253,7 +27000,7 @@
           </a:bodyPr>
           <a:lstStyle/>
           <a:p>
-            <a:endParaRPr lang="en-US" sz="1100" b="1" kern="900" spc="100" dirty="0" err="1" smtClean="0">
+            <a:endParaRPr lang="en-US" sz="1100" b="1" kern="900" spc="100" dirty="0" err="1">
               <a:solidFill>
                 <a:srgbClr val="000000"/>
               </a:solidFill>
@@ -27275,13 +27022,6 @@
   <p:clrMapOvr>
     <a:masterClrMapping/>
   </p:clrMapOvr>
-  <p:timing>
-    <p:tnLst>
-      <p:par>
-        <p:cTn id="1" dur="indefinite" restart="never" nodeType="tmRoot"/>
-      </p:par>
-    </p:tnLst>
-  </p:timing>
 </p:sld>
 </file>
 
@@ -27817,27 +27557,8 @@
                           <a:ea typeface="+mn-ea"/>
                           <a:cs typeface="+mn-cs"/>
                         </a:rPr>
-                        <a:t>[1</a:t>
+                        <a:t>[1]* (8-bit LLR)</a:t>
                       </a:r>
-                      <a:r>
-                        <a:rPr lang="en-US" sz="1000" b="0" kern="1200" baseline="0" dirty="0" smtClean="0">
-                          <a:solidFill>
-                            <a:schemeClr val="tx1"/>
-                          </a:solidFill>
-                          <a:latin typeface="+mn-lt"/>
-                          <a:ea typeface="+mn-ea"/>
-                          <a:cs typeface="+mn-cs"/>
-                        </a:rPr>
-                        <a:t>]* (8-bit LLR)</a:t>
-                      </a:r>
-                      <a:endParaRPr lang="en-US" sz="1000" b="0" kern="1200" baseline="0" dirty="0">
-                        <a:solidFill>
-                          <a:schemeClr val="tx1"/>
-                        </a:solidFill>
-                        <a:latin typeface="+mn-lt"/>
-                        <a:ea typeface="+mn-ea"/>
-                        <a:cs typeface="+mn-cs"/>
-                      </a:endParaRPr>
                     </a:p>
                   </a:txBody>
                   <a:tcPr>
@@ -27916,27 +27637,8 @@
                           <a:ea typeface="+mn-ea"/>
                           <a:cs typeface="+mn-cs"/>
                         </a:rPr>
-                        <a:t>This </a:t>
+                        <a:t>This work (16-bit LLR)</a:t>
                       </a:r>
-                      <a:r>
-                        <a:rPr lang="en-US" sz="1000" kern="1200" baseline="0" dirty="0" smtClean="0">
-                          <a:solidFill>
-                            <a:schemeClr val="tx1"/>
-                          </a:solidFill>
-                          <a:latin typeface="+mn-lt"/>
-                          <a:ea typeface="+mn-ea"/>
-                          <a:cs typeface="+mn-cs"/>
-                        </a:rPr>
-                        <a:t>work (16-bit LLR)</a:t>
-                      </a:r>
-                      <a:endParaRPr lang="en-US" sz="1000" kern="1200" baseline="0" dirty="0">
-                        <a:solidFill>
-                          <a:schemeClr val="tx1"/>
-                        </a:solidFill>
-                        <a:latin typeface="+mn-lt"/>
-                        <a:ea typeface="+mn-ea"/>
-                        <a:cs typeface="+mn-cs"/>
-                      </a:endParaRPr>
                     </a:p>
                   </a:txBody>
                   <a:tcPr>
@@ -28517,12 +28219,8 @@
               </a:lnSpc>
             </a:pPr>
             <a:r>
-              <a:rPr lang="en-US" sz="1000" b="1" dirty="0" smtClean="0"/>
-              <a:t>Improvement in decoder </a:t>
-            </a:r>
-            <a:r>
               <a:rPr lang="en-US" sz="1000" b="1" dirty="0"/>
-              <a:t>latency:</a:t>
+              <a:t>Improvement in decoder latency:</a:t>
             </a:r>
           </a:p>
         </p:txBody>
@@ -29317,17 +29015,6 @@
               </a:lnSpc>
             </a:pPr>
             <a:r>
-              <a:rPr lang="en-US" sz="1600" dirty="0" smtClean="0">
-                <a:solidFill>
-                  <a:schemeClr val="bg2"/>
-                </a:solidFill>
-                <a:latin typeface="+mj-lt"/>
-                <a:ea typeface="+mj-ea"/>
-                <a:cs typeface="+mj-cs"/>
-              </a:rPr>
-              <a:t>Decoding </a:t>
-            </a:r>
-            <a:r>
               <a:rPr lang="en-US" sz="1600" dirty="0">
                 <a:solidFill>
                   <a:schemeClr val="bg2"/>
@@ -29336,7 +29023,7 @@
                 <a:ea typeface="+mj-ea"/>
                 <a:cs typeface="+mj-cs"/>
               </a:rPr>
-              <a:t>Chain results:</a:t>
+              <a:t>Decoding Chain results:</a:t>
             </a:r>
           </a:p>
         </p:txBody>
@@ -29507,7 +29194,7 @@
           </a:bodyPr>
           <a:lstStyle/>
           <a:p>
-            <a:endParaRPr lang="en-US" sz="1100" b="1" kern="900" spc="100" dirty="0" err="1" smtClean="0">
+            <a:endParaRPr lang="en-US" sz="1100" b="1" kern="900" spc="100" dirty="0" err="1">
               <a:solidFill>
                 <a:srgbClr val="000000"/>
               </a:solidFill>
@@ -29529,13 +29216,6 @@
   <p:clrMapOvr>
     <a:masterClrMapping/>
   </p:clrMapOvr>
-  <p:timing>
-    <p:tnLst>
-      <p:par>
-        <p:cTn id="1" dur="indefinite" restart="never" nodeType="tmRoot"/>
-      </p:par>
-    </p:tnLst>
-  </p:timing>
 </p:sld>
 </file>
 
@@ -29755,7 +29435,7 @@
           </a:bodyPr>
           <a:lstStyle/>
           <a:p>
-            <a:endParaRPr lang="en-US" sz="1100" b="1" kern="900" spc="100" dirty="0" err="1" smtClean="0">
+            <a:endParaRPr lang="en-US" sz="1100" b="1" kern="900" spc="100" dirty="0" err="1">
               <a:solidFill>
                 <a:srgbClr val="000000"/>
               </a:solidFill>
@@ -29925,23 +29605,7 @@
                   <a:srgbClr val="000000"/>
                 </a:solidFill>
               </a:rPr>
-              <a:t>Basic idea is synthesizing either completely noiseless or </a:t>
-            </a:r>
-            <a:r>
-              <a:rPr lang="en-IN" dirty="0" smtClean="0">
-                <a:solidFill>
-                  <a:srgbClr val="000000"/>
-                </a:solidFill>
-              </a:rPr>
-              <a:t>noisy </a:t>
-            </a:r>
-            <a:r>
-              <a:rPr lang="en-IN" dirty="0">
-                <a:solidFill>
-                  <a:srgbClr val="000000"/>
-                </a:solidFill>
-              </a:rPr>
-              <a:t>channels based on SNR.</a:t>
+              <a:t>Basic idea is synthesizing either completely noiseless or noisy channels based on SNR.</a:t>
             </a:r>
           </a:p>
           <a:p>
@@ -30183,8 +29847,8 @@
           </a:p>
         </p:txBody>
       </p:sp>
-      <mc:AlternateContent xmlns:mc="http://schemas.openxmlformats.org/markup-compatibility/2006">
-        <mc:Choice xmlns:a14="http://schemas.microsoft.com/office/drawing/2010/main" Requires="a14">
+      <mc:AlternateContent xmlns:mc="http://schemas.openxmlformats.org/markup-compatibility/2006" xmlns:a14="http://schemas.microsoft.com/office/drawing/2010/main">
+        <mc:Choice Requires="a14">
           <p:sp>
             <p:nvSpPr>
               <p:cNvPr id="26" name="TextBox 25">
@@ -30238,7 +29902,7 @@
             </p:txBody>
           </p:sp>
         </mc:Choice>
-        <mc:Fallback>
+        <mc:Fallback xmlns="">
           <p:sp>
             <p:nvSpPr>
               <p:cNvPr id="26" name="TextBox 25">
@@ -30722,7 +30386,7 @@
                   <a:spcPct val="114000"/>
                 </a:lnSpc>
               </a:pPr>
-              <a:endParaRPr lang="en-US" dirty="0" smtClean="0"/>
+              <a:endParaRPr lang="en-US" dirty="0"/>
             </a:p>
           </p:txBody>
         </p:sp>
@@ -30753,7 +30417,7 @@
           </a:bodyPr>
           <a:lstStyle/>
           <a:p>
-            <a:endParaRPr lang="en-US" sz="1100" b="1" kern="900" spc="100" dirty="0" err="1" smtClean="0">
+            <a:endParaRPr lang="en-US" sz="1100" b="1" kern="900" spc="100" dirty="0" err="1">
               <a:solidFill>
                 <a:srgbClr val="000000"/>
               </a:solidFill>
@@ -30820,8 +30484,8 @@
           </a:prstGeom>
         </p:spPr>
       </p:pic>
-      <mc:AlternateContent xmlns:mc="http://schemas.openxmlformats.org/markup-compatibility/2006">
-        <mc:Choice xmlns:a14="http://schemas.microsoft.com/office/drawing/2010/main" Requires="a14">
+      <mc:AlternateContent xmlns:mc="http://schemas.openxmlformats.org/markup-compatibility/2006" xmlns:a14="http://schemas.microsoft.com/office/drawing/2010/main">
+        <mc:Choice Requires="a14">
           <p:sp>
             <p:nvSpPr>
               <p:cNvPr id="2" name="Content Placeholder 1"/>
@@ -30847,7 +30511,7 @@
                   <a:buChar char="•"/>
                 </a:pPr>
                 <a:r>
-                  <a:rPr lang="en-US" dirty="0" smtClean="0">
+                  <a:rPr lang="en-US" dirty="0">
                     <a:latin typeface="Simplified Arabic Fixed" panose="02070309020205020404" pitchFamily="49" charset="-78"/>
                     <a:cs typeface="Simplified Arabic Fixed" panose="02070309020205020404" pitchFamily="49" charset="-78"/>
                   </a:rPr>
@@ -31738,7 +31402,7 @@
                   <a:t>  </a:t>
                 </a:r>
                 <a:r>
-                  <a:rPr lang="en-US" dirty="0" smtClean="0">
+                  <a:rPr lang="en-US" dirty="0">
                     <a:solidFill>
                       <a:prstClr val="black"/>
                     </a:solidFill>
@@ -31748,7 +31412,7 @@
                   <a:t>//</a:t>
                 </a:r>
                 <a:r>
-                  <a:rPr lang="en-US" b="0" i="0" dirty="0" smtClean="0">
+                  <a:rPr lang="en-US" b="0" i="0" dirty="0">
                     <a:solidFill>
                       <a:prstClr val="black"/>
                     </a:solidFill>
@@ -31757,7 +31421,7 @@
                   <a:t>Superfluous</a:t>
                 </a:r>
                 <a:r>
-                  <a:rPr lang="en-US" i="0" dirty="0" smtClean="0">
+                  <a:rPr lang="en-US" i="0" dirty="0">
                     <a:solidFill>
                       <a:prstClr val="black"/>
                     </a:solidFill>
@@ -31780,7 +31444,7 @@
             </p:txBody>
           </p:sp>
         </mc:Choice>
-        <mc:Fallback>
+        <mc:Fallback xmlns="">
           <p:sp>
             <p:nvSpPr>
               <p:cNvPr id="2" name="Content Placeholder 1"/>
@@ -32292,7 +31956,7 @@
           </a:bodyPr>
           <a:lstStyle/>
           <a:p>
-            <a:endParaRPr lang="en-US" sz="1100" b="1" kern="900" spc="100" dirty="0" err="1" smtClean="0">
+            <a:endParaRPr lang="en-US" sz="1100" b="1" kern="900" spc="100" dirty="0" err="1">
               <a:solidFill>
                 <a:srgbClr val="000000"/>
               </a:solidFill>
@@ -32631,7 +32295,7 @@
           </a:bodyPr>
           <a:lstStyle/>
           <a:p>
-            <a:endParaRPr lang="en-US" sz="1100" b="1" kern="900" spc="100" dirty="0" err="1" smtClean="0">
+            <a:endParaRPr lang="en-US" sz="1100" b="1" kern="900" spc="100" dirty="0" err="1">
               <a:solidFill>
                 <a:srgbClr val="000000"/>
               </a:solidFill>
@@ -32673,8 +32337,8 @@
           <a:chExt cx="0" cy="0"/>
         </a:xfrm>
       </p:grpSpPr>
-      <mc:AlternateContent xmlns:mc="http://schemas.openxmlformats.org/markup-compatibility/2006">
-        <mc:Choice xmlns:a14="http://schemas.microsoft.com/office/drawing/2010/main" Requires="a14">
+      <mc:AlternateContent xmlns:mc="http://schemas.openxmlformats.org/markup-compatibility/2006" xmlns:a14="http://schemas.microsoft.com/office/drawing/2010/main">
+        <mc:Choice Requires="a14">
           <p:sp>
             <p:nvSpPr>
               <p:cNvPr id="2" name="Content Placeholder 1"/>
@@ -34441,7 +34105,7 @@
             </p:txBody>
           </p:sp>
         </mc:Choice>
-        <mc:Fallback>
+        <mc:Fallback xmlns="">
           <p:sp>
             <p:nvSpPr>
               <p:cNvPr id="2" name="Content Placeholder 1"/>
@@ -34690,7 +34354,7 @@
           </a:bodyPr>
           <a:lstStyle/>
           <a:p>
-            <a:endParaRPr lang="en-US" sz="1100" b="1" kern="900" spc="100" dirty="0" err="1" smtClean="0">
+            <a:endParaRPr lang="en-US" sz="1100" b="1" kern="900" spc="100" dirty="0" err="1">
               <a:solidFill>
                 <a:srgbClr val="000000"/>
               </a:solidFill>
@@ -35159,7 +34823,7 @@
           </a:bodyPr>
           <a:lstStyle/>
           <a:p>
-            <a:endParaRPr lang="en-US" sz="1100" b="1" kern="900" spc="100" dirty="0" err="1" smtClean="0">
+            <a:endParaRPr lang="en-US" sz="1100" b="1" kern="900" spc="100" dirty="0" err="1">
               <a:solidFill>
                 <a:srgbClr val="000000"/>
               </a:solidFill>
@@ -35251,21 +34915,8 @@
                   <a:schemeClr val="bg2"/>
                 </a:solidFill>
               </a:rPr>
-              <a:t>Processor </a:t>
-            </a:r>
-            <a:r>
-              <a:rPr lang="en-US" dirty="0" smtClean="0">
-                <a:solidFill>
-                  <a:schemeClr val="bg2"/>
-                </a:solidFill>
-              </a:rPr>
-              <a:t>architecture</a:t>
-            </a:r>
-            <a:endParaRPr lang="en-US" dirty="0">
-              <a:solidFill>
-                <a:schemeClr val="bg2"/>
-              </a:solidFill>
-            </a:endParaRPr>
+              <a:t>Processor architecture</a:t>
+            </a:r>
           </a:p>
         </p:txBody>
       </p:sp>
@@ -35301,7 +34952,7 @@
               </a:rPr>
               <a:t>Cache memory</a:t>
             </a:r>
-            <a:endParaRPr lang="en-US" dirty="0" smtClean="0"/>
+            <a:endParaRPr lang="en-US" dirty="0"/>
           </a:p>
           <a:p>
             <a:pPr marL="461963" lvl="1" indent="-285750">
@@ -35309,12 +34960,8 @@
               <a:buChar char="Ø"/>
             </a:pPr>
             <a:r>
-              <a:rPr lang="en-US" dirty="0" smtClean="0"/>
-              <a:t>Performance </a:t>
-            </a:r>
-            <a:r>
               <a:rPr lang="en-US" dirty="0"/>
-              <a:t>bottleneck in modern processors is accessing main memory.</a:t>
+              <a:t>Performance bottleneck in modern processors is accessing main memory.</a:t>
             </a:r>
           </a:p>
           <a:p>
@@ -35323,12 +34970,8 @@
               <a:buChar char="Ø"/>
             </a:pPr>
             <a:r>
-              <a:rPr lang="en-US" dirty="0" smtClean="0"/>
-              <a:t>Modern processors have </a:t>
-            </a:r>
-            <a:r>
               <a:rPr lang="en-US" dirty="0"/>
-              <a:t>faster memory called cache.</a:t>
+              <a:t>Modern processors have faster memory called cache.</a:t>
             </a:r>
           </a:p>
           <a:p>
@@ -35338,19 +34981,14 @@
             </a:pPr>
             <a:r>
               <a:rPr lang="en-US" dirty="0"/>
-              <a:t>Caches reduce the average memory access </a:t>
-            </a:r>
-            <a:r>
-              <a:rPr lang="en-US" dirty="0" smtClean="0"/>
-              <a:t>latency by storing recently accessed data.</a:t>
-            </a:r>
-            <a:endParaRPr lang="en-US" dirty="0"/>
+              <a:t>Caches reduce the average memory access latency by storing recently accessed data.</a:t>
+            </a:r>
           </a:p>
           <a:p>
             <a:pPr lvl="1" indent="0">
               <a:buNone/>
             </a:pPr>
-            <a:endParaRPr lang="en-US" sz="500" dirty="0" smtClean="0"/>
+            <a:endParaRPr lang="en-US" sz="500" dirty="0"/>
           </a:p>
           <a:p>
             <a:pPr marL="285750" indent="-285750">
@@ -35358,7 +34996,7 @@
               <a:buChar char="•"/>
             </a:pPr>
             <a:r>
-              <a:rPr lang="en-US" dirty="0" smtClean="0">
+              <a:rPr lang="en-US" dirty="0">
                 <a:solidFill>
                   <a:schemeClr val="bg2"/>
                 </a:solidFill>
@@ -35393,31 +35031,7 @@
             </a:pPr>
             <a:r>
               <a:rPr lang="en-US" dirty="0"/>
-              <a:t>Branching and </a:t>
-            </a:r>
-            <a:r>
-              <a:rPr lang="en-US" dirty="0" smtClean="0"/>
-              <a:t>cache </a:t>
-            </a:r>
-            <a:r>
-              <a:rPr lang="en-US" dirty="0"/>
-              <a:t>misses create stalls in pipelining which reduce IPC</a:t>
-            </a:r>
-            <a:r>
-              <a:rPr lang="en-US" dirty="0" smtClean="0"/>
-              <a:t>. They should be reduced to </a:t>
-            </a:r>
-            <a:r>
-              <a:rPr lang="en-US" dirty="0"/>
-              <a:t>achieve </a:t>
-            </a:r>
-            <a:r>
-              <a:rPr lang="en-US" dirty="0" smtClean="0"/>
-              <a:t>good </a:t>
-            </a:r>
-            <a:r>
-              <a:rPr lang="en-US" dirty="0"/>
-              <a:t>performance.</a:t>
+              <a:t>Branching and cache misses create stalls in pipelining which reduce IPC. They should be reduced to achieve good performance.</a:t>
             </a:r>
           </a:p>
           <a:p>
@@ -35500,11 +35114,7 @@
             </a:r>
             <a:r>
               <a:rPr lang="en-US" sz="800" dirty="0"/>
-              <a:t>, “What Every Programmer Should Know About Memory.” Red Hat, Inc</a:t>
-            </a:r>
-            <a:r>
-              <a:rPr lang="en-US" sz="800" dirty="0" smtClean="0"/>
-              <a:t>.</a:t>
+              <a:t>, “What Every Programmer Should Know About Memory.” Red Hat, Inc.</a:t>
             </a:r>
           </a:p>
           <a:p>
@@ -35545,10 +35155,9 @@
               <a:t>Muenchen</a:t>
             </a:r>
             <a:r>
-              <a:rPr lang="en-US" sz="800" dirty="0" smtClean="0"/>
+              <a:rPr lang="en-US" sz="800" dirty="0"/>
               <a:t>,</a:t>
             </a:r>
-            <a:endParaRPr lang="en-US" sz="800" dirty="0" smtClean="0"/>
           </a:p>
         </p:txBody>
       </p:sp>
@@ -35615,7 +35224,7 @@
           </a:bodyPr>
           <a:lstStyle/>
           <a:p>
-            <a:endParaRPr lang="en-US" sz="1100" b="1" kern="900" spc="100" dirty="0" err="1" smtClean="0">
+            <a:endParaRPr lang="en-US" sz="1100" b="1" kern="900" spc="100" dirty="0" err="1">
               <a:solidFill>
                 <a:srgbClr val="000000"/>
               </a:solidFill>

--- a/final_presentation/finalPpt1.4.pptx
+++ b/final_presentation/finalPpt1.4.pptx
@@ -317,7 +317,7 @@
               <a:pPr>
                 <a:defRPr/>
               </a:pPr>
-              <a:t>20/11/2018</a:t>
+              <a:t>21/11/2018</a:t>
             </a:fld>
             <a:endParaRPr lang="en-GB" dirty="0"/>
           </a:p>
@@ -536,7 +536,7 @@
               <a:pPr>
                 <a:defRPr/>
               </a:pPr>
-              <a:t>20/11/2018</a:t>
+              <a:t>21/11/2018</a:t>
             </a:fld>
             <a:endParaRPr lang="en-GB"/>
           </a:p>
@@ -2311,6 +2311,10 @@
             <a:br>
               <a:rPr lang="de-DE" noProof="0" dirty="0"/>
             </a:br>
+            <a:r>
+              <a:rPr lang="de-DE" noProof="0" dirty="0"/>
+              <a:t/>
+            </a:r>
             <a:br>
               <a:rPr lang="de-DE" noProof="0" dirty="0"/>
             </a:br>
@@ -2523,6 +2527,10 @@
             <a:br>
               <a:rPr lang="de-DE" noProof="0" dirty="0"/>
             </a:br>
+            <a:r>
+              <a:rPr lang="de-DE" noProof="0" dirty="0"/>
+              <a:t/>
+            </a:r>
             <a:br>
               <a:rPr lang="de-DE" noProof="0" dirty="0"/>
             </a:br>
@@ -8263,7 +8271,7 @@
       </p:sp>
       <p:sp>
         <p:nvSpPr>
-          <p:cNvPr id="95" name="RS_Classification_Standard"/>
+          <p:cNvPr id="12" name="RS_Classification_Standard"/>
           <p:cNvSpPr txBox="1"/>
           <p:nvPr/>
         </p:nvSpPr>
@@ -8287,7 +8295,7 @@
           </a:bodyPr>
           <a:lstStyle/>
           <a:p>
-            <a:endParaRPr lang="en-US" sz="1100" b="1" kern="900" spc="100" dirty="0" err="1">
+            <a:endParaRPr lang="en-US" sz="1100" b="1" kern="900" spc="100" dirty="0" err="1" smtClean="0">
               <a:solidFill>
                 <a:srgbClr val="000000"/>
               </a:solidFill>
@@ -8515,7 +8523,7 @@
       </p:sp>
       <p:sp>
         <p:nvSpPr>
-          <p:cNvPr id="96" name="RS_Classification_Standard"/>
+          <p:cNvPr id="11" name="RS_Classification_Standard"/>
           <p:cNvSpPr txBox="1"/>
           <p:nvPr/>
         </p:nvSpPr>
@@ -8539,7 +8547,7 @@
           </a:bodyPr>
           <a:lstStyle/>
           <a:p>
-            <a:endParaRPr lang="en-US" sz="1100" b="1" kern="900" spc="100" dirty="0" err="1">
+            <a:endParaRPr lang="en-US" sz="1100" b="1" kern="900" spc="100" dirty="0" err="1" smtClean="0">
               <a:solidFill>
                 <a:srgbClr val="000000"/>
               </a:solidFill>
@@ -8771,7 +8779,7 @@
       </p:pic>
       <p:sp>
         <p:nvSpPr>
-          <p:cNvPr id="191" name="RS_Classification_Standard"/>
+          <p:cNvPr id="11" name="RS_Classification_Standard"/>
           <p:cNvSpPr txBox="1"/>
           <p:nvPr/>
         </p:nvSpPr>
@@ -8795,7 +8803,7 @@
           </a:bodyPr>
           <a:lstStyle/>
           <a:p>
-            <a:endParaRPr lang="en-US" sz="1100" b="1" kern="900" spc="100" dirty="0" err="1">
+            <a:endParaRPr lang="en-US" sz="1100" b="1" kern="900" spc="100" dirty="0" err="1" smtClean="0">
               <a:solidFill>
                 <a:srgbClr val="000000"/>
               </a:solidFill>
@@ -9075,7 +9083,7 @@
       </p:pic>
       <p:sp>
         <p:nvSpPr>
-          <p:cNvPr id="95" name="RS_Classification_Standard"/>
+          <p:cNvPr id="12" name="RS_Classification_Standard"/>
           <p:cNvSpPr txBox="1"/>
           <p:nvPr/>
         </p:nvSpPr>
@@ -9099,7 +9107,7 @@
           </a:bodyPr>
           <a:lstStyle/>
           <a:p>
-            <a:endParaRPr lang="en-US" sz="1100" b="1" kern="900" spc="100" dirty="0" err="1">
+            <a:endParaRPr lang="en-US" sz="1100" b="1" kern="900" spc="100" dirty="0" err="1" smtClean="0">
               <a:solidFill>
                 <a:srgbClr val="000000"/>
               </a:solidFill>
@@ -9141,8 +9149,8 @@
           <a:chExt cx="0" cy="0"/>
         </a:xfrm>
       </p:grpSpPr>
-      <mc:AlternateContent xmlns:mc="http://schemas.openxmlformats.org/markup-compatibility/2006" xmlns:a14="http://schemas.microsoft.com/office/drawing/2010/main">
-        <mc:Choice Requires="a14">
+      <mc:AlternateContent xmlns:mc="http://schemas.openxmlformats.org/markup-compatibility/2006">
+        <mc:Choice xmlns:a14="http://schemas.microsoft.com/office/drawing/2010/main" Requires="a14">
           <p:sp>
             <p:nvSpPr>
               <p:cNvPr id="2" name="Content Placeholder 1"/>
@@ -10148,14 +10156,15 @@
                   </m:oMath>
                 </a14:m>
                 <a:r>
-                  <a:rPr lang="en-US" dirty="0"/>
-                  <a:t>.</a:t>
+                  <a:rPr lang="en-US" dirty="0" smtClean="0"/>
+                  <a:t>. SIMD processors come with fast pack/unpack instructions.</a:t>
                 </a:r>
+                <a:endParaRPr lang="en-US" dirty="0"/>
               </a:p>
             </p:txBody>
           </p:sp>
         </mc:Choice>
-        <mc:Fallback xmlns="">
+        <mc:Fallback>
           <p:sp>
             <p:nvSpPr>
               <p:cNvPr id="2" name="Content Placeholder 1"/>
@@ -10287,13 +10296,13 @@
           <p:nvPr>
             <p:extLst>
               <p:ext uri="{D42A27DB-BD31-4B8C-83A1-F6EECF244321}">
-                <p14:modId xmlns:p14="http://schemas.microsoft.com/office/powerpoint/2010/main" val="2428061522"/>
+                <p14:modId xmlns:p14="http://schemas.microsoft.com/office/powerpoint/2010/main" val="3399525276"/>
               </p:ext>
             </p:extLst>
           </p:nvPr>
         </p:nvGraphicFramePr>
         <p:xfrm>
-          <a:off x="3445838" y="4522593"/>
+          <a:off x="3445838" y="4661581"/>
           <a:ext cx="1666240" cy="1950720"/>
         </p:xfrm>
         <a:graphic>
@@ -13660,7 +13669,7 @@
         </p:nvSpPr>
         <p:spPr>
           <a:xfrm>
-            <a:off x="1537830" y="4485646"/>
+            <a:off x="1537830" y="4624634"/>
             <a:ext cx="1622624" cy="553998"/>
           </a:xfrm>
           <a:prstGeom prst="rect">
@@ -13689,7 +13698,7 @@
         </p:nvCxnSpPr>
         <p:spPr>
           <a:xfrm flipV="1">
-            <a:off x="3082969" y="4656519"/>
+            <a:off x="3082969" y="4795507"/>
             <a:ext cx="362869" cy="129"/>
           </a:xfrm>
           <a:prstGeom prst="straightConnector1">
@@ -13722,7 +13731,7 @@
         </p:nvSpPr>
         <p:spPr>
           <a:xfrm>
-            <a:off x="5225927" y="5403770"/>
+            <a:off x="5225927" y="5542758"/>
             <a:ext cx="946376" cy="314554"/>
           </a:xfrm>
           <a:prstGeom prst="rightArrow">
@@ -13765,7 +13774,7 @@
         </p:nvSpPr>
         <p:spPr>
           <a:xfrm>
-            <a:off x="5065786" y="4180396"/>
+            <a:off x="5065786" y="4319384"/>
             <a:ext cx="2284801" cy="246221"/>
           </a:xfrm>
           <a:prstGeom prst="rect">
@@ -13794,7 +13803,7 @@
         </p:nvCxnSpPr>
         <p:spPr>
           <a:xfrm>
-            <a:off x="5024785" y="4180396"/>
+            <a:off x="5024785" y="4319384"/>
             <a:ext cx="0" cy="305250"/>
           </a:xfrm>
           <a:prstGeom prst="straightConnector1">
@@ -13828,13 +13837,13 @@
           <p:nvPr>
             <p:extLst>
               <p:ext uri="{D42A27DB-BD31-4B8C-83A1-F6EECF244321}">
-                <p14:modId xmlns:p14="http://schemas.microsoft.com/office/powerpoint/2010/main" val="2901638583"/>
+                <p14:modId xmlns:p14="http://schemas.microsoft.com/office/powerpoint/2010/main" val="4209910931"/>
               </p:ext>
             </p:extLst>
           </p:nvPr>
         </p:nvGraphicFramePr>
         <p:xfrm>
-          <a:off x="6320097" y="5439127"/>
+          <a:off x="6320097" y="5578115"/>
           <a:ext cx="1743872" cy="243840"/>
         </p:xfrm>
         <a:graphic>
@@ -14352,7 +14361,7 @@
         </p:nvSpPr>
         <p:spPr>
           <a:xfrm>
-            <a:off x="6320097" y="5112877"/>
+            <a:off x="6320097" y="5251865"/>
             <a:ext cx="2101271" cy="246221"/>
           </a:xfrm>
           <a:prstGeom prst="rect">
@@ -14375,7 +14384,7 @@
       </p:sp>
       <p:sp>
         <p:nvSpPr>
-          <p:cNvPr id="487" name="RS_Classification_Standard"/>
+          <p:cNvPr id="11" name="RS_Classification_Standard"/>
           <p:cNvSpPr txBox="1"/>
           <p:nvPr/>
         </p:nvSpPr>
@@ -14399,7 +14408,7 @@
           </a:bodyPr>
           <a:lstStyle/>
           <a:p>
-            <a:endParaRPr lang="en-US" sz="1100" b="1" kern="900" spc="100" dirty="0" err="1">
+            <a:endParaRPr lang="en-US" sz="1100" b="1" kern="900" spc="100" dirty="0" err="1" smtClean="0">
               <a:solidFill>
                 <a:srgbClr val="000000"/>
               </a:solidFill>
@@ -15030,7 +15039,7 @@
       </p:sp>
       <p:sp>
         <p:nvSpPr>
-          <p:cNvPr id="673" name="RS_Classification_Standard"/>
+          <p:cNvPr id="11" name="RS_Classification_Standard"/>
           <p:cNvSpPr txBox="1"/>
           <p:nvPr/>
         </p:nvSpPr>
@@ -15054,7 +15063,7 @@
           </a:bodyPr>
           <a:lstStyle/>
           <a:p>
-            <a:endParaRPr lang="en-US" sz="1100" b="1" kern="900" spc="100" dirty="0" err="1">
+            <a:endParaRPr lang="en-US" sz="1100" b="1" kern="900" spc="100" dirty="0" err="1" smtClean="0">
               <a:solidFill>
                 <a:srgbClr val="000000"/>
               </a:solidFill>
@@ -15260,7 +15269,7 @@
           <p:nvPr>
             <p:extLst>
               <p:ext uri="{D42A27DB-BD31-4B8C-83A1-F6EECF244321}">
-                <p14:modId xmlns:p14="http://schemas.microsoft.com/office/powerpoint/2010/main" val="983407153"/>
+                <p14:modId xmlns:p14="http://schemas.microsoft.com/office/powerpoint/2010/main" val="2133936749"/>
               </p:ext>
             </p:extLst>
           </p:nvPr>
@@ -15298,9 +15307,10 @@
                     <a:lstStyle/>
                     <a:p>
                       <a:r>
-                        <a:rPr lang="en-US" sz="1700" baseline="0" dirty="0"/>
-                        <a:t>Functional</a:t>
+                        <a:rPr lang="en-US" sz="1700" baseline="0" dirty="0" smtClean="0"/>
+                        <a:t>Naive</a:t>
                       </a:r>
+                      <a:endParaRPr lang="en-US" sz="1700" baseline="0" dirty="0"/>
                     </a:p>
                   </a:txBody>
                   <a:tcPr>
@@ -15371,7 +15381,7 @@
                         <a:defRPr/>
                       </a:pPr>
                       <a:r>
-                        <a:rPr lang="en-US" sz="1700" kern="1200" baseline="0" dirty="0">
+                        <a:rPr lang="en-US" sz="1700" kern="1200" baseline="0" dirty="0" smtClean="0">
                           <a:solidFill>
                             <a:schemeClr val="tx1"/>
                           </a:solidFill>
@@ -15379,8 +15389,16 @@
                           <a:ea typeface="+mn-ea"/>
                           <a:cs typeface="+mn-cs"/>
                         </a:rPr>
-                        <a:t>Current implementation</a:t>
+                        <a:t>Optimized</a:t>
                       </a:r>
+                      <a:endParaRPr lang="en-US" sz="1700" kern="1200" baseline="0" dirty="0">
+                        <a:solidFill>
+                          <a:schemeClr val="tx1"/>
+                        </a:solidFill>
+                        <a:latin typeface="+mn-lt"/>
+                        <a:ea typeface="+mn-ea"/>
+                        <a:cs typeface="+mn-cs"/>
+                      </a:endParaRPr>
                     </a:p>
                   </a:txBody>
                   <a:tcPr>
@@ -15578,7 +15596,7 @@
           <p:nvPr>
             <p:extLst>
               <p:ext uri="{D42A27DB-BD31-4B8C-83A1-F6EECF244321}">
-                <p14:modId xmlns:p14="http://schemas.microsoft.com/office/powerpoint/2010/main" val="2260125576"/>
+                <p14:modId xmlns:p14="http://schemas.microsoft.com/office/powerpoint/2010/main" val="3580161832"/>
               </p:ext>
             </p:extLst>
           </p:nvPr>
@@ -15633,7 +15651,7 @@
                         <a:defRPr/>
                       </a:pPr>
                       <a:r>
-                        <a:rPr lang="en-US" sz="1700" kern="1200" baseline="0" dirty="0">
+                        <a:rPr lang="en-US" sz="1700" b="0" kern="1200" baseline="0" dirty="0" smtClean="0">
                           <a:solidFill>
                             <a:schemeClr val="tx1"/>
                           </a:solidFill>
@@ -15641,7 +15659,7 @@
                           <a:ea typeface="+mn-ea"/>
                           <a:cs typeface="+mn-cs"/>
                         </a:rPr>
-                        <a:t>Functional</a:t>
+                        <a:t>Naive</a:t>
                       </a:r>
                       <a:endParaRPr lang="en-US" sz="1700" b="0" kern="1200" baseline="0" dirty="0">
                         <a:solidFill>
@@ -15721,7 +15739,7 @@
                         <a:defRPr/>
                       </a:pPr>
                       <a:r>
-                        <a:rPr lang="en-US" sz="1700" kern="1200" baseline="0" dirty="0">
+                        <a:rPr lang="en-US" sz="1700" kern="1200" baseline="0" dirty="0" smtClean="0">
                           <a:solidFill>
                             <a:schemeClr val="tx1"/>
                           </a:solidFill>
@@ -15729,8 +15747,16 @@
                           <a:ea typeface="+mn-ea"/>
                           <a:cs typeface="+mn-cs"/>
                         </a:rPr>
-                        <a:t>Current implementation</a:t>
+                        <a:t>Optimized</a:t>
                       </a:r>
+                      <a:endParaRPr lang="en-US" sz="1700" kern="1200" baseline="0" dirty="0">
+                        <a:solidFill>
+                          <a:schemeClr val="tx1"/>
+                        </a:solidFill>
+                        <a:latin typeface="+mn-lt"/>
+                        <a:ea typeface="+mn-ea"/>
+                        <a:cs typeface="+mn-cs"/>
+                      </a:endParaRPr>
                     </a:p>
                   </a:txBody>
                   <a:tcPr>
@@ -15981,7 +16007,7 @@
       </p:sp>
       <p:sp>
         <p:nvSpPr>
-          <p:cNvPr id="610" name="RS_Classification_Standard"/>
+          <p:cNvPr id="11" name="RS_Classification_Standard"/>
           <p:cNvSpPr txBox="1"/>
           <p:nvPr/>
         </p:nvSpPr>
@@ -16005,7 +16031,7 @@
           </a:bodyPr>
           <a:lstStyle/>
           <a:p>
-            <a:endParaRPr lang="en-US" sz="1100" b="1" kern="900" spc="100" dirty="0" err="1">
+            <a:endParaRPr lang="en-US" sz="1100" b="1" kern="900" spc="100" dirty="0" err="1" smtClean="0">
               <a:solidFill>
                 <a:srgbClr val="000000"/>
               </a:solidFill>
@@ -16189,7 +16215,7 @@
       </p:pic>
       <p:sp>
         <p:nvSpPr>
-          <p:cNvPr id="511" name="RS_Classification_Standard"/>
+          <p:cNvPr id="10" name="RS_Classification_Standard"/>
           <p:cNvSpPr txBox="1"/>
           <p:nvPr/>
         </p:nvSpPr>
@@ -16213,7 +16239,7 @@
           </a:bodyPr>
           <a:lstStyle/>
           <a:p>
-            <a:endParaRPr lang="en-US" sz="1100" b="1" kern="900" spc="100" dirty="0" err="1">
+            <a:endParaRPr lang="en-US" sz="1100" b="1" kern="900" spc="100" dirty="0" err="1" smtClean="0">
               <a:solidFill>
                 <a:srgbClr val="000000"/>
               </a:solidFill>
@@ -16596,7 +16622,7 @@
       </p:pic>
       <p:sp>
         <p:nvSpPr>
-          <p:cNvPr id="159" name="RS_Classification_Standard"/>
+          <p:cNvPr id="11" name="RS_Classification_Standard"/>
           <p:cNvSpPr txBox="1"/>
           <p:nvPr/>
         </p:nvSpPr>
@@ -16620,7 +16646,7 @@
           </a:bodyPr>
           <a:lstStyle/>
           <a:p>
-            <a:endParaRPr lang="en-US" sz="1100" b="1" kern="900" spc="100" dirty="0" err="1">
+            <a:endParaRPr lang="en-US" sz="1100" b="1" kern="900" spc="100" dirty="0" err="1" smtClean="0">
               <a:solidFill>
                 <a:srgbClr val="000000"/>
               </a:solidFill>
@@ -16662,8 +16688,8 @@
           <a:chExt cx="0" cy="0"/>
         </a:xfrm>
       </p:grpSpPr>
-      <mc:AlternateContent xmlns:mc="http://schemas.openxmlformats.org/markup-compatibility/2006" xmlns:a14="http://schemas.microsoft.com/office/drawing/2010/main">
-        <mc:Choice Requires="a14">
+      <mc:AlternateContent xmlns:mc="http://schemas.openxmlformats.org/markup-compatibility/2006">
+        <mc:Choice xmlns:a14="http://schemas.microsoft.com/office/drawing/2010/main" Requires="a14">
           <p:sp>
             <p:nvSpPr>
               <p:cNvPr id="2" name="Content Placeholder 1"/>
@@ -16676,7 +16702,7 @@
             </p:nvSpPr>
             <p:spPr>
               <a:xfrm>
-                <a:off x="318009" y="1723491"/>
+                <a:off x="245786" y="1512020"/>
                 <a:ext cx="8508999" cy="4699572"/>
               </a:xfrm>
             </p:spPr>
@@ -16992,7 +17018,7 @@
             </p:txBody>
           </p:sp>
         </mc:Choice>
-        <mc:Fallback xmlns="">
+        <mc:Fallback>
           <p:sp>
             <p:nvSpPr>
               <p:cNvPr id="2" name="Content Placeholder 1"/>
@@ -17005,13 +17031,13 @@
             </p:nvSpPr>
             <p:spPr>
               <a:xfrm>
-                <a:off x="318009" y="1723491"/>
+                <a:off x="245786" y="1512020"/>
                 <a:ext cx="8508999" cy="4699572"/>
               </a:xfrm>
               <a:blipFill>
                 <a:blip r:embed="rId3"/>
                 <a:stretch>
-                  <a:fillRect l="-1648" t="-1167"/>
+                  <a:fillRect l="-1648" t="-1038"/>
                 </a:stretch>
               </a:blipFill>
             </p:spPr>
@@ -18012,8 +18038,8 @@
           </p:sp>
         </mc:Fallback>
       </mc:AlternateContent>
-      <mc:AlternateContent xmlns:mc="http://schemas.openxmlformats.org/markup-compatibility/2006" xmlns:a14="http://schemas.microsoft.com/office/drawing/2010/main">
-        <mc:Choice Requires="a14">
+      <mc:AlternateContent xmlns:mc="http://schemas.openxmlformats.org/markup-compatibility/2006">
+        <mc:Choice xmlns:a14="http://schemas.microsoft.com/office/drawing/2010/main" Requires="a14">
           <p:sp>
             <p:nvSpPr>
               <p:cNvPr id="457" name="Content Placeholder 1"/>
@@ -19192,7 +19218,7 @@
                               <m:t>superfluous</m:t>
                             </m:r>
                             <m:r>
-                              <a:rPr lang="en-US" sz="1200" b="0" i="1" smtClean="0">
+                              <a:rPr lang="en-US" sz="1200" b="0" i="0" smtClean="0">
                                 <a:solidFill>
                                   <a:prstClr val="black"/>
                                 </a:solidFill>
@@ -19202,14 +19228,17 @@
                               <m:t> </m:t>
                             </m:r>
                             <m:r>
-                              <a:rPr lang="en-US" sz="1200" b="0" i="1" smtClean="0">
+                              <m:rPr>
+                                <m:sty m:val="p"/>
+                              </m:rPr>
+                              <a:rPr lang="en-US" sz="1200" b="0" i="0" smtClean="0">
                                 <a:solidFill>
                                   <a:prstClr val="black"/>
                                 </a:solidFill>
                                 <a:latin typeface="Cambria Math" panose="02040503050406030204" pitchFamily="18" charset="0"/>
                                 <a:ea typeface="Cambria Math" panose="02040503050406030204" pitchFamily="18" charset="0"/>
                               </a:rPr>
-                              <m:t>𝑐𝑜𝑝𝑦</m:t>
+                              <m:t>copy</m:t>
                             </m:r>
                           </m:e>
                         </m:eqArr>
@@ -19230,7 +19259,7 @@
             </p:txBody>
           </p:sp>
         </mc:Choice>
-        <mc:Fallback xmlns="">
+        <mc:Fallback>
           <p:sp>
             <p:nvSpPr>
               <p:cNvPr id="457" name="Content Placeholder 1"/>
@@ -19250,7 +19279,7 @@
               <a:blipFill>
                 <a:blip r:embed="rId5"/>
                 <a:stretch>
-                  <a:fillRect l="-2532" r="-181" b="-52355"/>
+                  <a:fillRect l="-2532" b="-52355"/>
                 </a:stretch>
               </a:blipFill>
               <a:ln w="9525">
@@ -19277,7 +19306,7 @@
       </mc:AlternateContent>
       <p:sp>
         <p:nvSpPr>
-          <p:cNvPr id="512" name="RS_Classification_Standard"/>
+          <p:cNvPr id="11" name="RS_Classification_Standard"/>
           <p:cNvSpPr txBox="1"/>
           <p:nvPr/>
         </p:nvSpPr>
@@ -19301,7 +19330,7 @@
           </a:bodyPr>
           <a:lstStyle/>
           <a:p>
-            <a:endParaRPr lang="en-US" sz="1100" b="1" kern="900" spc="100" dirty="0" err="1">
+            <a:endParaRPr lang="en-US" sz="1100" b="1" kern="900" spc="100" dirty="0" err="1" smtClean="0">
               <a:solidFill>
                 <a:srgbClr val="000000"/>
               </a:solidFill>
@@ -20407,7 +20436,7 @@
       </p:sp>
       <p:sp>
         <p:nvSpPr>
-          <p:cNvPr id="225" name="RS_Classification_Standard"/>
+          <p:cNvPr id="11" name="RS_Classification_Standard"/>
           <p:cNvSpPr txBox="1"/>
           <p:nvPr/>
         </p:nvSpPr>
@@ -20431,7 +20460,7 @@
           </a:bodyPr>
           <a:lstStyle/>
           <a:p>
-            <a:endParaRPr lang="en-US" sz="1100" b="1" kern="900" spc="100" dirty="0" err="1">
+            <a:endParaRPr lang="en-US" sz="1100" b="1" kern="900" spc="100" dirty="0" err="1" smtClean="0">
               <a:solidFill>
                 <a:srgbClr val="000000"/>
               </a:solidFill>
@@ -20668,7 +20697,7 @@
       </p:sp>
       <p:sp>
         <p:nvSpPr>
-          <p:cNvPr id="94" name="RS_Classification_Standard"/>
+          <p:cNvPr id="11" name="RS_Classification_Standard"/>
           <p:cNvSpPr txBox="1"/>
           <p:nvPr/>
         </p:nvSpPr>
@@ -20692,7 +20721,7 @@
           </a:bodyPr>
           <a:lstStyle/>
           <a:p>
-            <a:endParaRPr lang="en-US" sz="1100" b="1" kern="900" spc="100" dirty="0" err="1">
+            <a:endParaRPr lang="en-US" sz="1100" b="1" kern="900" spc="100" dirty="0" err="1" smtClean="0">
               <a:solidFill>
                 <a:srgbClr val="000000"/>
               </a:solidFill>
@@ -21070,7 +21099,7 @@
       </p:sp>
       <p:sp>
         <p:nvSpPr>
-          <p:cNvPr id="318" name="RS_Classification_Standard"/>
+          <p:cNvPr id="10" name="RS_Classification_Standard"/>
           <p:cNvSpPr txBox="1"/>
           <p:nvPr/>
         </p:nvSpPr>
@@ -21094,7 +21123,7 @@
           </a:bodyPr>
           <a:lstStyle/>
           <a:p>
-            <a:endParaRPr lang="en-US" sz="1100" b="1" kern="900" spc="100" dirty="0" err="1">
+            <a:endParaRPr lang="en-US" sz="1100" b="1" kern="900" spc="100" dirty="0" err="1" smtClean="0">
               <a:solidFill>
                 <a:srgbClr val="000000"/>
               </a:solidFill>
@@ -21638,7 +21667,7 @@
       </mc:AlternateContent>
       <p:sp>
         <p:nvSpPr>
-          <p:cNvPr id="352" name="RS_Classification_Standard"/>
+          <p:cNvPr id="10" name="RS_Classification_Standard"/>
           <p:cNvSpPr txBox="1"/>
           <p:nvPr/>
         </p:nvSpPr>
@@ -21662,7 +21691,7 @@
           </a:bodyPr>
           <a:lstStyle/>
           <a:p>
-            <a:endParaRPr lang="en-US" sz="1100" b="1" kern="900" spc="100" dirty="0" err="1">
+            <a:endParaRPr lang="en-US" sz="1100" b="1" kern="900" spc="100" dirty="0" err="1" smtClean="0">
               <a:solidFill>
                 <a:srgbClr val="000000"/>
               </a:solidFill>
@@ -22725,7 +22754,7 @@
       </p:cxnSp>
       <p:sp>
         <p:nvSpPr>
-          <p:cNvPr id="359" name="RS_Classification_Standard"/>
+          <p:cNvPr id="10" name="RS_Classification_Standard"/>
           <p:cNvSpPr txBox="1"/>
           <p:nvPr/>
         </p:nvSpPr>
@@ -22749,7 +22778,7 @@
           </a:bodyPr>
           <a:lstStyle/>
           <a:p>
-            <a:endParaRPr lang="en-US" sz="1100" b="1" kern="900" spc="100" dirty="0" err="1">
+            <a:endParaRPr lang="en-US" sz="1100" b="1" kern="900" spc="100" dirty="0" err="1" smtClean="0">
               <a:solidFill>
                 <a:srgbClr val="000000"/>
               </a:solidFill>
@@ -22993,7 +23022,7 @@
       </p:pic>
       <p:sp>
         <p:nvSpPr>
-          <p:cNvPr id="223" name="RS_Classification_Standard"/>
+          <p:cNvPr id="11" name="RS_Classification_Standard"/>
           <p:cNvSpPr txBox="1"/>
           <p:nvPr/>
         </p:nvSpPr>
@@ -23017,7 +23046,7 @@
           </a:bodyPr>
           <a:lstStyle/>
           <a:p>
-            <a:endParaRPr lang="en-US" sz="1100" b="1" kern="900" spc="100" dirty="0" err="1">
+            <a:endParaRPr lang="en-US" sz="1100" b="1" kern="900" spc="100" dirty="0" err="1" smtClean="0">
               <a:solidFill>
                 <a:srgbClr val="000000"/>
               </a:solidFill>
@@ -23296,7 +23325,7 @@
       </p:sp>
       <p:sp>
         <p:nvSpPr>
-          <p:cNvPr id="95" name="RS_Classification_Standard"/>
+          <p:cNvPr id="12" name="RS_Classification_Standard"/>
           <p:cNvSpPr txBox="1"/>
           <p:nvPr/>
         </p:nvSpPr>
@@ -23320,7 +23349,7 @@
           </a:bodyPr>
           <a:lstStyle/>
           <a:p>
-            <a:endParaRPr lang="en-US" sz="1100" b="1" kern="900" spc="100" dirty="0" err="1">
+            <a:endParaRPr lang="en-US" sz="1100" b="1" kern="900" spc="100" dirty="0" err="1" smtClean="0">
               <a:solidFill>
                 <a:srgbClr val="000000"/>
               </a:solidFill>
@@ -23362,330 +23391,242 @@
           <a:chExt cx="0" cy="0"/>
         </a:xfrm>
       </p:grpSpPr>
-      <mc:AlternateContent xmlns:mc="http://schemas.openxmlformats.org/markup-compatibility/2006" xmlns:a14="http://schemas.microsoft.com/office/drawing/2010/main">
-        <mc:Choice Requires="a14">
-          <p:sp>
-            <p:nvSpPr>
-              <p:cNvPr id="2" name="Content Placeholder 1"/>
-              <p:cNvSpPr>
-                <a:spLocks noGrp="1"/>
-              </p:cNvSpPr>
-              <p:nvPr>
-                <p:ph idx="1"/>
-              </p:nvPr>
-            </p:nvSpPr>
-            <p:spPr>
-              <a:xfrm>
-                <a:off x="317500" y="1177322"/>
-                <a:ext cx="8508999" cy="4699572"/>
-              </a:xfrm>
-            </p:spPr>
-            <p:txBody>
-              <a:bodyPr/>
-              <a:lstStyle/>
-              <a:p>
-                <a:pPr marL="285750" indent="-285750">
-                  <a:buFont typeface="Arial" panose="020B0604020202020204" pitchFamily="34" charset="0"/>
-                  <a:buChar char="•"/>
-                </a:pPr>
-                <a:r>
-                  <a:rPr lang="en-US" dirty="0"/>
-                  <a:t>Replaced multiplication/division and modulus operations with bitwise operations which achieve the same result</a:t>
-                </a:r>
-              </a:p>
-              <a:p>
-                <a:pPr marL="285750" indent="-285750">
-                  <a:buFont typeface="Arial" panose="020B0604020202020204" pitchFamily="34" charset="0"/>
-                  <a:buChar char="•"/>
-                </a:pPr>
-                <a:r>
-                  <a:rPr lang="en-US" dirty="0"/>
-                  <a:t>Implemented approximate versions </a:t>
-                </a:r>
-                <a14:m>
-                  <m:oMath xmlns:m="http://schemas.openxmlformats.org/officeDocument/2006/math">
-                    <m:func>
-                      <m:funcPr>
-                        <m:ctrlPr>
-                          <a:rPr lang="en-US" i="1" dirty="0" smtClean="0">
-                            <a:latin typeface="Cambria Math" panose="02040503050406030204" pitchFamily="18" charset="0"/>
-                          </a:rPr>
-                        </m:ctrlPr>
-                      </m:funcPr>
-                      <m:fName>
-                        <m:sSub>
-                          <m:sSubPr>
-                            <m:ctrlPr>
-                              <a:rPr lang="en-US" i="1" dirty="0" smtClean="0">
-                                <a:latin typeface="Cambria Math" panose="02040503050406030204" pitchFamily="18" charset="0"/>
-                              </a:rPr>
-                            </m:ctrlPr>
-                          </m:sSubPr>
-                          <m:e>
-                            <m:r>
-                              <m:rPr>
-                                <m:sty m:val="p"/>
-                              </m:rPr>
-                              <a:rPr lang="en-US" i="0" dirty="0" smtClean="0">
-                                <a:latin typeface="Cambria Math" panose="02040503050406030204" pitchFamily="18" charset="0"/>
-                              </a:rPr>
-                              <m:t>log</m:t>
-                            </m:r>
-                          </m:e>
-                          <m:sub>
-                            <m:r>
-                              <a:rPr lang="en-US" b="0" i="1" dirty="0" smtClean="0">
-                                <a:latin typeface="Cambria Math" panose="02040503050406030204" pitchFamily="18" charset="0"/>
-                              </a:rPr>
-                              <m:t>2</m:t>
-                            </m:r>
-                          </m:sub>
-                        </m:sSub>
-                      </m:fName>
-                      <m:e>
-                        <m:r>
-                          <a:rPr lang="en-US" b="0" i="1" dirty="0" smtClean="0">
-                            <a:latin typeface="Cambria Math" panose="02040503050406030204" pitchFamily="18" charset="0"/>
-                          </a:rPr>
-                          <m:t>𝑋</m:t>
-                        </m:r>
-                      </m:e>
-                    </m:func>
-                  </m:oMath>
-                </a14:m>
-                <a:r>
-                  <a:rPr lang="en-US" dirty="0"/>
-                  <a:t> and exponential functions to reduce the number of floating point multiplications.</a:t>
-                </a:r>
-              </a:p>
-              <a:p>
-                <a:pPr marL="285750" indent="-285750">
-                  <a:buFont typeface="Arial" panose="020B0604020202020204" pitchFamily="34" charset="0"/>
-                  <a:buChar char="•"/>
-                </a:pPr>
-                <a:r>
-                  <a:rPr lang="en-US" dirty="0"/>
-                  <a:t>Reduced the usage of jump functions to avoid flushing of the instruction pipeline, instead latest instruction extension </a:t>
-                </a:r>
-                <a:r>
-                  <a:rPr lang="en-US" dirty="0">
-                    <a:latin typeface="Simplified Arabic Fixed" panose="02070309020205020404" pitchFamily="49" charset="-78"/>
-                    <a:cs typeface="Simplified Arabic Fixed" panose="02070309020205020404" pitchFamily="49" charset="-78"/>
-                  </a:rPr>
-                  <a:t>CMOV </a:t>
-                </a:r>
-                <a:r>
-                  <a:rPr lang="en-US" dirty="0">
-                    <a:cs typeface="Simplified Arabic Fixed" panose="02070309020205020404" pitchFamily="49" charset="-78"/>
-                  </a:rPr>
-                  <a:t>is used.</a:t>
-                </a:r>
-                <a:endParaRPr lang="en-US" dirty="0">
-                  <a:latin typeface="Simplified Arabic Fixed" panose="02070309020205020404" pitchFamily="49" charset="-78"/>
-                  <a:cs typeface="Simplified Arabic Fixed" panose="02070309020205020404" pitchFamily="49" charset="-78"/>
-                </a:endParaRPr>
-              </a:p>
-              <a:p>
-                <a:pPr marL="285750" indent="-285750">
-                  <a:buFont typeface="Arial" panose="020B0604020202020204" pitchFamily="34" charset="0"/>
-                  <a:buChar char="•"/>
-                </a:pPr>
-                <a:r>
-                  <a:rPr lang="en-US" dirty="0"/>
-                  <a:t>Used the compiler optimization primitives for better instruction scheduling.</a:t>
-                </a:r>
-              </a:p>
-              <a:p>
-                <a:endParaRPr lang="en-IN" dirty="0"/>
-              </a:p>
-              <a:p>
-                <a:pPr marL="285750" indent="-285750">
-                  <a:buFont typeface="Arial" panose="020B0604020202020204" pitchFamily="34" charset="0"/>
-                  <a:buChar char="•"/>
-                </a:pPr>
-                <a:r>
-                  <a:rPr lang="en-IN" sz="1800" dirty="0">
-                    <a:solidFill>
-                      <a:schemeClr val="bg2"/>
-                    </a:solidFill>
-                    <a:latin typeface="+mj-lt"/>
-                    <a:ea typeface="+mj-ea"/>
-                    <a:cs typeface="+mj-cs"/>
-                  </a:rPr>
-                  <a:t>C</a:t>
-                </a:r>
-                <a:r>
-                  <a:rPr lang="en-US" sz="1800" dirty="0">
-                    <a:solidFill>
-                      <a:schemeClr val="bg2"/>
-                    </a:solidFill>
-                    <a:latin typeface="+mj-lt"/>
-                    <a:ea typeface="+mj-ea"/>
-                    <a:cs typeface="+mj-cs"/>
-                  </a:rPr>
-                  <a:t>ache prefetching</a:t>
-                </a:r>
-              </a:p>
-              <a:p>
-                <a:pPr marL="461963" lvl="1" indent="-285750">
-                  <a:buFont typeface="Arial" panose="020B0604020202020204" pitchFamily="34" charset="0"/>
-                  <a:buChar char="•"/>
-                </a:pPr>
-                <a:r>
-                  <a:rPr lang="en-US" dirty="0">
-                    <a:solidFill>
-                      <a:prstClr val="black"/>
-                    </a:solidFill>
-                  </a:rPr>
-                  <a:t>VN, CN and bit combination operations fetch a block of memory and access pattern is predictable.</a:t>
-                </a:r>
-              </a:p>
-              <a:p>
-                <a:pPr marL="461963" lvl="1" indent="-285750">
-                  <a:buFont typeface="Arial" panose="020B0604020202020204" pitchFamily="34" charset="0"/>
-                  <a:buChar char="•"/>
-                </a:pPr>
-                <a:r>
-                  <a:rPr lang="en-US" dirty="0"/>
-                  <a:t>Memory access latencies  reduced by fetching cache well in advance.</a:t>
-                </a:r>
-              </a:p>
-              <a:p>
-                <a:pPr marL="461963" lvl="1" indent="-285750">
-                  <a:buFont typeface="Arial" panose="020B0604020202020204" pitchFamily="34" charset="0"/>
-                  <a:buChar char="•"/>
-                </a:pPr>
-                <a:r>
-                  <a:rPr lang="en-US" dirty="0"/>
-                  <a:t>Cache line fetched with </a:t>
-                </a:r>
-                <a:r>
-                  <a:rPr lang="en-US" dirty="0">
-                    <a:latin typeface="Simplified Arabic Fixed" panose="02070309020205020404" pitchFamily="49" charset="-78"/>
-                    <a:cs typeface="Simplified Arabic Fixed" panose="02070309020205020404" pitchFamily="49" charset="-78"/>
-                  </a:rPr>
-                  <a:t>PREFETCH</a:t>
-                </a:r>
-                <a:r>
-                  <a:rPr lang="en-US" dirty="0"/>
-                  <a:t> instruction provided by </a:t>
-                </a:r>
-                <a:r>
-                  <a:rPr lang="en-US" dirty="0">
-                    <a:latin typeface="Simplified Arabic Fixed" panose="02070309020205020404" pitchFamily="49" charset="-78"/>
-                    <a:cs typeface="Simplified Arabic Fixed" panose="02070309020205020404" pitchFamily="49" charset="-78"/>
-                  </a:rPr>
-                  <a:t>3dnow</a:t>
-                </a:r>
-                <a:r>
-                  <a:rPr lang="en-US" dirty="0"/>
-                  <a:t> extension of EPYC processor.</a:t>
-                </a:r>
-              </a:p>
-              <a:p>
-                <a:pPr marL="461963" lvl="1" indent="-285750">
-                  <a:buFont typeface="Arial" panose="020B0604020202020204" pitchFamily="34" charset="0"/>
-                  <a:buChar char="•"/>
-                </a:pPr>
-                <a:endParaRPr lang="en-US" dirty="0"/>
-              </a:p>
-              <a:p>
-                <a:pPr marL="285750" lvl="0" indent="-285750">
-                  <a:buFont typeface="Arial" panose="020B0604020202020204" pitchFamily="34" charset="0"/>
-                  <a:buChar char="•"/>
-                </a:pPr>
-                <a:endParaRPr lang="en-US" dirty="0">
-                  <a:solidFill>
-                    <a:prstClr val="black"/>
-                  </a:solidFill>
-                </a:endParaRPr>
-              </a:p>
-              <a:p>
-                <a:pPr marL="285750" indent="-285750">
-                  <a:buFont typeface="Arial" panose="020B0604020202020204" pitchFamily="34" charset="0"/>
-                  <a:buChar char="•"/>
-                </a:pPr>
-                <a:endParaRPr lang="en-US" sz="1800" dirty="0">
-                  <a:solidFill>
-                    <a:schemeClr val="bg2"/>
-                  </a:solidFill>
-                  <a:latin typeface="+mj-lt"/>
-                  <a:ea typeface="+mj-ea"/>
-                  <a:cs typeface="+mj-cs"/>
-                </a:endParaRPr>
-              </a:p>
-              <a:p>
-                <a:pPr marL="461963" lvl="1" indent="-285750">
-                  <a:buFont typeface="Arial" panose="020B0604020202020204" pitchFamily="34" charset="0"/>
-                  <a:buChar char="•"/>
-                </a:pPr>
-                <a:endParaRPr lang="en-US" sz="1800" dirty="0">
-                  <a:solidFill>
-                    <a:schemeClr val="bg2"/>
-                  </a:solidFill>
-                  <a:latin typeface="+mj-lt"/>
-                  <a:ea typeface="+mj-ea"/>
-                  <a:cs typeface="+mj-cs"/>
-                </a:endParaRPr>
-              </a:p>
-              <a:p>
-                <a:pPr marL="285750" indent="-285750">
-                  <a:buFont typeface="Arial" panose="020B0604020202020204" pitchFamily="34" charset="0"/>
-                  <a:buChar char="•"/>
-                </a:pPr>
-                <a:endParaRPr lang="en-US" dirty="0"/>
-              </a:p>
-              <a:p>
-                <a:endParaRPr lang="en-US" dirty="0"/>
-              </a:p>
-              <a:p>
-                <a:pPr marL="285750" indent="-285750">
-                  <a:buFont typeface="Arial" panose="020B0604020202020204" pitchFamily="34" charset="0"/>
-                  <a:buChar char="•"/>
-                </a:pPr>
-                <a:endParaRPr lang="en-US" dirty="0"/>
-              </a:p>
-            </p:txBody>
-          </p:sp>
-        </mc:Choice>
-        <mc:Fallback xmlns="">
-          <p:sp>
-            <p:nvSpPr>
-              <p:cNvPr id="2" name="Content Placeholder 1"/>
-              <p:cNvSpPr>
-                <a:spLocks noGrp="1" noRot="1" noChangeAspect="1" noMove="1" noResize="1" noEditPoints="1" noAdjustHandles="1" noChangeArrowheads="1" noChangeShapeType="1" noTextEdit="1"/>
-              </p:cNvSpPr>
-              <p:nvPr>
-                <p:ph idx="1"/>
-              </p:nvPr>
-            </p:nvSpPr>
-            <p:spPr>
-              <a:xfrm>
-                <a:off x="317500" y="1177322"/>
-                <a:ext cx="8508999" cy="4699572"/>
-              </a:xfrm>
-              <a:blipFill>
-                <a:blip r:embed="rId3"/>
-                <a:stretch>
-                  <a:fillRect l="-1504" t="-1038" r="-788"/>
-                </a:stretch>
-              </a:blipFill>
-            </p:spPr>
-            <p:txBody>
-              <a:bodyPr/>
-              <a:lstStyle/>
-              <a:p>
-                <a:r>
-                  <a:rPr lang="en-US">
-                    <a:noFill/>
-                  </a:rPr>
-                  <a:t> </a:t>
-                </a:r>
-              </a:p>
-            </p:txBody>
-          </p:sp>
-        </mc:Fallback>
-      </mc:AlternateContent>
+      <p:sp>
+        <p:nvSpPr>
+          <p:cNvPr id="2" name="Content Placeholder 1"/>
+          <p:cNvSpPr>
+            <a:spLocks noGrp="1"/>
+          </p:cNvSpPr>
+          <p:nvPr>
+            <p:ph idx="1"/>
+          </p:nvPr>
+        </p:nvSpPr>
+        <p:spPr>
+          <a:xfrm>
+            <a:off x="317500" y="1177322"/>
+            <a:ext cx="8508999" cy="4699572"/>
+          </a:xfrm>
+        </p:spPr>
+        <p:txBody>
+          <a:bodyPr/>
+          <a:lstStyle/>
+          <a:p>
+            <a:pPr marL="285750" indent="-285750">
+              <a:buFont typeface="Arial" panose="020B0604020202020204" pitchFamily="34" charset="0"/>
+              <a:buChar char="•"/>
+            </a:pPr>
+            <a:r>
+              <a:rPr lang="en-US" dirty="0" smtClean="0"/>
+              <a:t>Replaced multiplication/division and modulus operations with bitwise operations which achieve the same result</a:t>
+            </a:r>
+          </a:p>
+          <a:p>
+            <a:pPr marL="285750" indent="-285750">
+              <a:buFont typeface="Arial" panose="020B0604020202020204" pitchFamily="34" charset="0"/>
+              <a:buChar char="•"/>
+            </a:pPr>
+            <a:r>
+              <a:rPr lang="en-US" dirty="0"/>
+              <a:t>Implemented approximate versions </a:t>
+            </a:r>
+            <a:r>
+              <a:rPr lang="en-US" dirty="0" smtClean="0"/>
+              <a:t>logarithm and </a:t>
+            </a:r>
+            <a:r>
+              <a:rPr lang="en-US" dirty="0"/>
+              <a:t>exponential functions to reduce the number of floating point multiplications.</a:t>
+            </a:r>
+          </a:p>
+          <a:p>
+            <a:pPr marL="285750" indent="-285750">
+              <a:buFont typeface="Arial" panose="020B0604020202020204" pitchFamily="34" charset="0"/>
+              <a:buChar char="•"/>
+            </a:pPr>
+            <a:r>
+              <a:rPr lang="en-US" dirty="0"/>
+              <a:t>Reduced the usage of jump functions to avoid flushing of the instruction pipeline, instead latest instruction extension </a:t>
+            </a:r>
+            <a:r>
+              <a:rPr lang="en-US" dirty="0">
+                <a:latin typeface="Simplified Arabic Fixed" panose="02070309020205020404" pitchFamily="49" charset="-78"/>
+                <a:cs typeface="Simplified Arabic Fixed" panose="02070309020205020404" pitchFamily="49" charset="-78"/>
+              </a:rPr>
+              <a:t>CMOV </a:t>
+            </a:r>
+            <a:r>
+              <a:rPr lang="en-US" dirty="0">
+                <a:cs typeface="Simplified Arabic Fixed" panose="02070309020205020404" pitchFamily="49" charset="-78"/>
+              </a:rPr>
+              <a:t>is used.</a:t>
+            </a:r>
+            <a:endParaRPr lang="en-US" dirty="0">
+              <a:latin typeface="Simplified Arabic Fixed" panose="02070309020205020404" pitchFamily="49" charset="-78"/>
+              <a:cs typeface="Simplified Arabic Fixed" panose="02070309020205020404" pitchFamily="49" charset="-78"/>
+            </a:endParaRPr>
+          </a:p>
+          <a:p>
+            <a:pPr marL="285750" indent="-285750">
+              <a:buFont typeface="Arial" panose="020B0604020202020204" pitchFamily="34" charset="0"/>
+              <a:buChar char="•"/>
+            </a:pPr>
+            <a:r>
+              <a:rPr lang="en-US" dirty="0"/>
+              <a:t>Used the compiler optimization primitives for better instruction scheduling.</a:t>
+            </a:r>
+          </a:p>
+          <a:p>
+            <a:endParaRPr lang="en-IN" dirty="0"/>
+          </a:p>
+          <a:p>
+            <a:pPr marL="285750" indent="-285750">
+              <a:buFont typeface="Arial" panose="020B0604020202020204" pitchFamily="34" charset="0"/>
+              <a:buChar char="•"/>
+            </a:pPr>
+            <a:r>
+              <a:rPr lang="en-IN" sz="1800" dirty="0">
+                <a:solidFill>
+                  <a:schemeClr val="bg2"/>
+                </a:solidFill>
+                <a:latin typeface="+mj-lt"/>
+                <a:ea typeface="+mj-ea"/>
+                <a:cs typeface="+mj-cs"/>
+              </a:rPr>
+              <a:t>C</a:t>
+            </a:r>
+            <a:r>
+              <a:rPr lang="en-US" sz="1800" dirty="0">
+                <a:solidFill>
+                  <a:schemeClr val="bg2"/>
+                </a:solidFill>
+                <a:latin typeface="+mj-lt"/>
+                <a:ea typeface="+mj-ea"/>
+                <a:cs typeface="+mj-cs"/>
+              </a:rPr>
+              <a:t>ache prefetching</a:t>
+            </a:r>
+          </a:p>
+          <a:p>
+            <a:pPr marL="461963" lvl="1" indent="-285750">
+              <a:buFont typeface="Arial" panose="020B0604020202020204" pitchFamily="34" charset="0"/>
+              <a:buChar char="•"/>
+            </a:pPr>
+            <a:r>
+              <a:rPr lang="en-US" dirty="0">
+                <a:solidFill>
+                  <a:prstClr val="black"/>
+                </a:solidFill>
+              </a:rPr>
+              <a:t>VN, CN and bit combination operations fetch a block of memory and access pattern is predictable.</a:t>
+            </a:r>
+          </a:p>
+          <a:p>
+            <a:pPr marL="461963" lvl="1" indent="-285750">
+              <a:buFont typeface="Arial" panose="020B0604020202020204" pitchFamily="34" charset="0"/>
+              <a:buChar char="•"/>
+            </a:pPr>
+            <a:r>
+              <a:rPr lang="en-US" dirty="0"/>
+              <a:t>Memory access latencies  reduced by fetching cache well in advance.</a:t>
+            </a:r>
+          </a:p>
+          <a:p>
+            <a:pPr marL="461963" lvl="1" indent="-285750">
+              <a:buFont typeface="Arial" panose="020B0604020202020204" pitchFamily="34" charset="0"/>
+              <a:buChar char="•"/>
+            </a:pPr>
+            <a:r>
+              <a:rPr lang="en-US" dirty="0"/>
+              <a:t>Cache line fetched with </a:t>
+            </a:r>
+            <a:r>
+              <a:rPr lang="en-US" dirty="0">
+                <a:latin typeface="Simplified Arabic Fixed" panose="02070309020205020404" pitchFamily="49" charset="-78"/>
+                <a:cs typeface="Simplified Arabic Fixed" panose="02070309020205020404" pitchFamily="49" charset="-78"/>
+              </a:rPr>
+              <a:t>PREFETCH</a:t>
+            </a:r>
+            <a:r>
+              <a:rPr lang="en-US" dirty="0"/>
+              <a:t> instruction provided by </a:t>
+            </a:r>
+            <a:r>
+              <a:rPr lang="en-US" dirty="0">
+                <a:latin typeface="Simplified Arabic Fixed" panose="02070309020205020404" pitchFamily="49" charset="-78"/>
+                <a:cs typeface="Simplified Arabic Fixed" panose="02070309020205020404" pitchFamily="49" charset="-78"/>
+              </a:rPr>
+              <a:t>3dnow</a:t>
+            </a:r>
+            <a:r>
+              <a:rPr lang="en-US" dirty="0"/>
+              <a:t> extension of EPYC processor.</a:t>
+            </a:r>
+          </a:p>
+          <a:p>
+            <a:pPr marL="461963" lvl="1" indent="-285750">
+              <a:buFont typeface="Arial" panose="020B0604020202020204" pitchFamily="34" charset="0"/>
+              <a:buChar char="•"/>
+            </a:pPr>
+            <a:endParaRPr lang="en-US" dirty="0"/>
+          </a:p>
+          <a:p>
+            <a:pPr marL="285750" lvl="0" indent="-285750">
+              <a:buFont typeface="Arial" panose="020B0604020202020204" pitchFamily="34" charset="0"/>
+              <a:buChar char="•"/>
+            </a:pPr>
+            <a:endParaRPr lang="en-US" dirty="0">
+              <a:solidFill>
+                <a:prstClr val="black"/>
+              </a:solidFill>
+            </a:endParaRPr>
+          </a:p>
+          <a:p>
+            <a:pPr marL="285750" indent="-285750">
+              <a:buFont typeface="Arial" panose="020B0604020202020204" pitchFamily="34" charset="0"/>
+              <a:buChar char="•"/>
+            </a:pPr>
+            <a:endParaRPr lang="en-US" sz="1800" dirty="0">
+              <a:solidFill>
+                <a:schemeClr val="bg2"/>
+              </a:solidFill>
+              <a:latin typeface="+mj-lt"/>
+              <a:ea typeface="+mj-ea"/>
+              <a:cs typeface="+mj-cs"/>
+            </a:endParaRPr>
+          </a:p>
+          <a:p>
+            <a:pPr marL="461963" lvl="1" indent="-285750">
+              <a:buFont typeface="Arial" panose="020B0604020202020204" pitchFamily="34" charset="0"/>
+              <a:buChar char="•"/>
+            </a:pPr>
+            <a:endParaRPr lang="en-US" sz="1800" dirty="0">
+              <a:solidFill>
+                <a:schemeClr val="bg2"/>
+              </a:solidFill>
+              <a:latin typeface="+mj-lt"/>
+              <a:ea typeface="+mj-ea"/>
+              <a:cs typeface="+mj-cs"/>
+            </a:endParaRPr>
+          </a:p>
+          <a:p>
+            <a:pPr marL="285750" indent="-285750">
+              <a:buFont typeface="Arial" panose="020B0604020202020204" pitchFamily="34" charset="0"/>
+              <a:buChar char="•"/>
+            </a:pPr>
+            <a:endParaRPr lang="en-US" dirty="0"/>
+          </a:p>
+          <a:p>
+            <a:endParaRPr lang="en-US" dirty="0"/>
+          </a:p>
+          <a:p>
+            <a:pPr marL="285750" indent="-285750">
+              <a:buFont typeface="Arial" panose="020B0604020202020204" pitchFamily="34" charset="0"/>
+              <a:buChar char="•"/>
+            </a:pPr>
+            <a:endParaRPr lang="en-US" dirty="0"/>
+          </a:p>
+        </p:txBody>
+      </p:sp>
       <p:sp>
         <p:nvSpPr>
           <p:cNvPr id="3" name="Slide Number Placeholder 2"/>
@@ -24513,7 +24454,7 @@
       </p:grpSp>
       <p:sp>
         <p:nvSpPr>
-          <p:cNvPr id="720" name="RS_Classification_Standard"/>
+          <p:cNvPr id="29" name="RS_Classification_Standard"/>
           <p:cNvSpPr txBox="1"/>
           <p:nvPr/>
         </p:nvSpPr>
@@ -24537,7 +24478,7 @@
           </a:bodyPr>
           <a:lstStyle/>
           <a:p>
-            <a:endParaRPr lang="en-US" sz="1100" b="1" kern="900" spc="100" dirty="0" err="1">
+            <a:endParaRPr lang="en-US" sz="1100" b="1" kern="900" spc="100" dirty="0" err="1" smtClean="0">
               <a:solidFill>
                 <a:srgbClr val="000000"/>
               </a:solidFill>
@@ -24743,7 +24684,7 @@
           <p:nvPr>
             <p:extLst>
               <p:ext uri="{D42A27DB-BD31-4B8C-83A1-F6EECF244321}">
-                <p14:modId xmlns:p14="http://schemas.microsoft.com/office/powerpoint/2010/main" val="21009386"/>
+                <p14:modId xmlns:p14="http://schemas.microsoft.com/office/powerpoint/2010/main" val="2611840937"/>
               </p:ext>
             </p:extLst>
           </p:nvPr>
@@ -24782,9 +24723,10 @@
                     <a:p>
                       <a:pPr algn="ctr"/>
                       <a:r>
-                        <a:rPr lang="en-US" sz="1700" baseline="0" dirty="0"/>
-                        <a:t>Functional</a:t>
+                        <a:rPr lang="en-US" sz="1700" baseline="0" dirty="0" smtClean="0"/>
+                        <a:t>Naive</a:t>
                       </a:r>
+                      <a:endParaRPr lang="en-US" sz="1700" baseline="0" dirty="0"/>
                     </a:p>
                   </a:txBody>
                   <a:tcPr>
@@ -25573,7 +25515,7 @@
           <p:nvPr>
             <p:extLst>
               <p:ext uri="{D42A27DB-BD31-4B8C-83A1-F6EECF244321}">
-                <p14:modId xmlns:p14="http://schemas.microsoft.com/office/powerpoint/2010/main" val="2501896121"/>
+                <p14:modId xmlns:p14="http://schemas.microsoft.com/office/powerpoint/2010/main" val="3886015940"/>
               </p:ext>
             </p:extLst>
           </p:nvPr>
@@ -25628,7 +25570,7 @@
                         <a:defRPr/>
                       </a:pPr>
                       <a:r>
-                        <a:rPr lang="en-US" sz="1700" b="0" kern="1200" baseline="0" dirty="0">
+                        <a:rPr lang="en-US" sz="1700" b="0" kern="1200" baseline="0" dirty="0" smtClean="0">
                           <a:solidFill>
                             <a:schemeClr val="tx1"/>
                           </a:solidFill>
@@ -25636,8 +25578,16 @@
                           <a:ea typeface="+mn-ea"/>
                           <a:cs typeface="+mn-cs"/>
                         </a:rPr>
-                        <a:t>Functional</a:t>
+                        <a:t>Naive</a:t>
                       </a:r>
+                      <a:endParaRPr lang="en-US" sz="1700" b="0" kern="1200" baseline="0" dirty="0">
+                        <a:solidFill>
+                          <a:schemeClr val="tx1"/>
+                        </a:solidFill>
+                        <a:latin typeface="+mn-lt"/>
+                        <a:ea typeface="+mn-ea"/>
+                        <a:cs typeface="+mn-cs"/>
+                      </a:endParaRPr>
                     </a:p>
                   </a:txBody>
                   <a:tcPr>
@@ -26028,7 +25978,7 @@
       </p:sp>
       <p:sp>
         <p:nvSpPr>
-          <p:cNvPr id="135" name="RS_Classification_Standard"/>
+          <p:cNvPr id="12" name="RS_Classification_Standard"/>
           <p:cNvSpPr txBox="1"/>
           <p:nvPr/>
         </p:nvSpPr>
@@ -26052,7 +26002,7 @@
           </a:bodyPr>
           <a:lstStyle/>
           <a:p>
-            <a:endParaRPr lang="en-US" sz="1100" b="1" kern="900" spc="100" dirty="0" err="1">
+            <a:endParaRPr lang="en-US" sz="1100" b="1" kern="900" spc="100" dirty="0" err="1" smtClean="0">
               <a:solidFill>
                 <a:srgbClr val="000000"/>
               </a:solidFill>
@@ -26976,7 +26926,7 @@
       </p:sp>
       <p:sp>
         <p:nvSpPr>
-          <p:cNvPr id="578" name="RS_Classification_Standard"/>
+          <p:cNvPr id="11" name="RS_Classification_Standard"/>
           <p:cNvSpPr txBox="1"/>
           <p:nvPr/>
         </p:nvSpPr>
@@ -27000,7 +26950,7 @@
           </a:bodyPr>
           <a:lstStyle/>
           <a:p>
-            <a:endParaRPr lang="en-US" sz="1100" b="1" kern="900" spc="100" dirty="0" err="1">
+            <a:endParaRPr lang="en-US" sz="1100" b="1" kern="900" spc="100" dirty="0" err="1" smtClean="0">
               <a:solidFill>
                 <a:srgbClr val="000000"/>
               </a:solidFill>
@@ -29170,7 +29120,7 @@
       </p:sp>
       <p:sp>
         <p:nvSpPr>
-          <p:cNvPr id="108" name="RS_Classification_Standard"/>
+          <p:cNvPr id="22" name="RS_Classification_Standard"/>
           <p:cNvSpPr txBox="1"/>
           <p:nvPr/>
         </p:nvSpPr>
@@ -29194,7 +29144,7 @@
           </a:bodyPr>
           <a:lstStyle/>
           <a:p>
-            <a:endParaRPr lang="en-US" sz="1100" b="1" kern="900" spc="100" dirty="0" err="1">
+            <a:endParaRPr lang="en-US" sz="1100" b="1" kern="900" spc="100" dirty="0" err="1" smtClean="0">
               <a:solidFill>
                 <a:srgbClr val="000000"/>
               </a:solidFill>
@@ -29411,7 +29361,7 @@
       </p:pic>
       <p:sp>
         <p:nvSpPr>
-          <p:cNvPr id="671" name="RS_Classification_Standard"/>
+          <p:cNvPr id="11" name="RS_Classification_Standard"/>
           <p:cNvSpPr txBox="1"/>
           <p:nvPr/>
         </p:nvSpPr>
@@ -29435,7 +29385,7 @@
           </a:bodyPr>
           <a:lstStyle/>
           <a:p>
-            <a:endParaRPr lang="en-US" sz="1100" b="1" kern="900" spc="100" dirty="0" err="1">
+            <a:endParaRPr lang="en-US" sz="1100" b="1" kern="900" spc="100" dirty="0" err="1" smtClean="0">
               <a:solidFill>
                 <a:srgbClr val="000000"/>
               </a:solidFill>
@@ -29629,7 +29579,23 @@
                   <a:srgbClr val="000000"/>
                 </a:solidFill>
               </a:rPr>
-              <a:t>Information bits transmitted in noiseless and zeros in noisy channels .</a:t>
+              <a:t>Information bits </a:t>
+            </a:r>
+            <a:r>
+              <a:rPr lang="en-IN" dirty="0" smtClean="0">
+                <a:solidFill>
+                  <a:srgbClr val="000000"/>
+                </a:solidFill>
+              </a:rPr>
+              <a:t>are transmitted </a:t>
+            </a:r>
+            <a:r>
+              <a:rPr lang="en-IN" dirty="0">
+                <a:solidFill>
+                  <a:srgbClr val="000000"/>
+                </a:solidFill>
+              </a:rPr>
+              <a:t>in noiseless and zeros in noisy channels .</a:t>
             </a:r>
           </a:p>
           <a:p>
@@ -30393,7 +30359,7 @@
       </p:grpSp>
       <p:sp>
         <p:nvSpPr>
-          <p:cNvPr id="548" name="RS_Classification_Standard"/>
+          <p:cNvPr id="11" name="RS_Classification_Standard"/>
           <p:cNvSpPr txBox="1"/>
           <p:nvPr/>
         </p:nvSpPr>
@@ -30417,7 +30383,7 @@
           </a:bodyPr>
           <a:lstStyle/>
           <a:p>
-            <a:endParaRPr lang="en-US" sz="1100" b="1" kern="900" spc="100" dirty="0" err="1">
+            <a:endParaRPr lang="en-US" sz="1100" b="1" kern="900" spc="100" dirty="0" err="1" smtClean="0">
               <a:solidFill>
                 <a:srgbClr val="000000"/>
               </a:solidFill>
@@ -31932,7 +31898,7 @@
       </mc:AlternateContent>
       <p:sp>
         <p:nvSpPr>
-          <p:cNvPr id="132" name="RS_Classification_Standard"/>
+          <p:cNvPr id="11" name="RS_Classification_Standard"/>
           <p:cNvSpPr txBox="1"/>
           <p:nvPr/>
         </p:nvSpPr>
@@ -31956,7 +31922,7 @@
           </a:bodyPr>
           <a:lstStyle/>
           <a:p>
-            <a:endParaRPr lang="en-US" sz="1100" b="1" kern="900" spc="100" dirty="0" err="1">
+            <a:endParaRPr lang="en-US" sz="1100" b="1" kern="900" spc="100" dirty="0" err="1" smtClean="0">
               <a:solidFill>
                 <a:srgbClr val="000000"/>
               </a:solidFill>
@@ -32271,7 +32237,7 @@
       </mc:AlternateContent>
       <p:sp>
         <p:nvSpPr>
-          <p:cNvPr id="640" name="RS_Classification_Standard"/>
+          <p:cNvPr id="11" name="RS_Classification_Standard"/>
           <p:cNvSpPr txBox="1"/>
           <p:nvPr/>
         </p:nvSpPr>
@@ -32295,7 +32261,7 @@
           </a:bodyPr>
           <a:lstStyle/>
           <a:p>
-            <a:endParaRPr lang="en-US" sz="1100" b="1" kern="900" spc="100" dirty="0" err="1">
+            <a:endParaRPr lang="en-US" sz="1100" b="1" kern="900" spc="100" dirty="0" err="1" smtClean="0">
               <a:solidFill>
                 <a:srgbClr val="000000"/>
               </a:solidFill>
@@ -34330,7 +34296,7 @@
       </p:sp>
       <p:sp>
         <p:nvSpPr>
-          <p:cNvPr id="97" name="RS_Classification_Standard"/>
+          <p:cNvPr id="13" name="RS_Classification_Standard"/>
           <p:cNvSpPr txBox="1"/>
           <p:nvPr/>
         </p:nvSpPr>
@@ -34354,7 +34320,7 @@
           </a:bodyPr>
           <a:lstStyle/>
           <a:p>
-            <a:endParaRPr lang="en-US" sz="1100" b="1" kern="900" spc="100" dirty="0" err="1">
+            <a:endParaRPr lang="en-US" sz="1100" b="1" kern="900" spc="100" dirty="0" err="1" smtClean="0">
               <a:solidFill>
                 <a:srgbClr val="000000"/>
               </a:solidFill>
@@ -34799,7 +34765,7 @@
       </p:sp>
       <p:sp>
         <p:nvSpPr>
-          <p:cNvPr id="163" name="RS_Classification_Standard"/>
+          <p:cNvPr id="10" name="RS_Classification_Standard"/>
           <p:cNvSpPr txBox="1"/>
           <p:nvPr/>
         </p:nvSpPr>
@@ -34823,7 +34789,7 @@
           </a:bodyPr>
           <a:lstStyle/>
           <a:p>
-            <a:endParaRPr lang="en-US" sz="1100" b="1" kern="900" spc="100" dirty="0" err="1">
+            <a:endParaRPr lang="en-US" sz="1100" b="1" kern="900" spc="100" dirty="0" err="1" smtClean="0">
               <a:solidFill>
                 <a:srgbClr val="000000"/>
               </a:solidFill>
@@ -35200,7 +35166,7 @@
       </p:pic>
       <p:sp>
         <p:nvSpPr>
-          <p:cNvPr id="417" name="RS_Classification_Standard"/>
+          <p:cNvPr id="10" name="RS_Classification_Standard"/>
           <p:cNvSpPr txBox="1"/>
           <p:nvPr/>
         </p:nvSpPr>
@@ -35224,7 +35190,7 @@
           </a:bodyPr>
           <a:lstStyle/>
           <a:p>
-            <a:endParaRPr lang="en-US" sz="1100" b="1" kern="900" spc="100" dirty="0" err="1">
+            <a:endParaRPr lang="en-US" sz="1100" b="1" kern="900" spc="100" dirty="0" err="1" smtClean="0">
               <a:solidFill>
                 <a:srgbClr val="000000"/>
               </a:solidFill>

--- a/final_presentation/finalPpt1.4.pptx
+++ b/final_presentation/finalPpt1.4.pptx
@@ -8271,7 +8271,7 @@
       </p:sp>
       <p:sp>
         <p:nvSpPr>
-          <p:cNvPr id="12" name="RS_Classification_Standard"/>
+          <p:cNvPr id="67" name="RS_Classification_Standard"/>
           <p:cNvSpPr txBox="1"/>
           <p:nvPr/>
         </p:nvSpPr>
@@ -8393,8 +8393,13 @@
             </a:pPr>
             <a:r>
               <a:rPr lang="en-US" dirty="0"/>
-              <a:t>SIMD feature allows encoding/decoding with low latency due to vector.</a:t>
-            </a:r>
+              <a:t>SIMD feature allows encoding/decoding with low </a:t>
+            </a:r>
+            <a:r>
+              <a:rPr lang="en-US" dirty="0" smtClean="0"/>
+              <a:t>latency.</a:t>
+            </a:r>
+            <a:endParaRPr lang="en-US" dirty="0"/>
           </a:p>
           <a:p>
             <a:endParaRPr lang="en-US" dirty="0"/>
@@ -8451,8 +8456,37 @@
                   <a:schemeClr val="bg2"/>
                 </a:solidFill>
               </a:rPr>
-              <a:t>Vector processing units</a:t>
-            </a:r>
+              <a:t>Vector </a:t>
+            </a:r>
+            <a:r>
+              <a:rPr lang="en-US" dirty="0" smtClean="0">
+                <a:solidFill>
+                  <a:schemeClr val="bg2"/>
+                </a:solidFill>
+              </a:rPr>
+              <a:t>Processing </a:t>
+            </a:r>
+            <a:r>
+              <a:rPr lang="en-US" dirty="0">
+                <a:solidFill>
+                  <a:schemeClr val="bg2"/>
+                </a:solidFill>
+              </a:rPr>
+              <a:t>U</a:t>
+            </a:r>
+            <a:r>
+              <a:rPr lang="en-US" dirty="0" smtClean="0">
+                <a:solidFill>
+                  <a:schemeClr val="bg2"/>
+                </a:solidFill>
+              </a:rPr>
+              <a:t>nits</a:t>
+            </a:r>
+            <a:endParaRPr lang="en-US" dirty="0">
+              <a:solidFill>
+                <a:schemeClr val="bg2"/>
+              </a:solidFill>
+            </a:endParaRPr>
           </a:p>
         </p:txBody>
       </p:sp>
@@ -8523,7 +8557,7 @@
       </p:sp>
       <p:sp>
         <p:nvSpPr>
-          <p:cNvPr id="11" name="RS_Classification_Standard"/>
+          <p:cNvPr id="101" name="RS_Classification_Standard"/>
           <p:cNvSpPr txBox="1"/>
           <p:nvPr/>
         </p:nvSpPr>
@@ -8700,12 +8734,20 @@
               <a:t>Encoding FEC </a:t>
             </a:r>
             <a:r>
-              <a:rPr sz="3000" dirty="0" err="1">
+              <a:rPr dirty="0">
                 <a:solidFill>
                   <a:schemeClr val="bg2"/>
                 </a:solidFill>
               </a:rPr>
-              <a:t>chain</a:t>
+              <a:t>C</a:t>
+            </a:r>
+            <a:r>
+              <a:rPr sz="3000" dirty="0" smtClean="0">
+                <a:solidFill>
+                  <a:schemeClr val="bg2"/>
+                </a:solidFill>
+              </a:rPr>
+              <a:t>hain </a:t>
             </a:r>
             <a:r>
               <a:rPr sz="3000" dirty="0">
@@ -8713,7 +8755,7 @@
                   <a:schemeClr val="bg2"/>
                 </a:solidFill>
               </a:rPr>
-              <a:t> in 5G</a:t>
+              <a:t>in 5G</a:t>
             </a:r>
             <a:endParaRPr lang="de-DE" sz="3000" dirty="0">
               <a:solidFill>
@@ -8779,7 +8821,7 @@
       </p:pic>
       <p:sp>
         <p:nvSpPr>
-          <p:cNvPr id="11" name="RS_Classification_Standard"/>
+          <p:cNvPr id="130" name="RS_Classification_Standard"/>
           <p:cNvSpPr txBox="1"/>
           <p:nvPr/>
         </p:nvSpPr>
@@ -9046,8 +9088,37 @@
                   <a:schemeClr val="bg2"/>
                 </a:solidFill>
               </a:rPr>
-              <a:t>Polar code construction</a:t>
-            </a:r>
+              <a:t>Polar </a:t>
+            </a:r>
+            <a:r>
+              <a:rPr lang="en-US" dirty="0" smtClean="0">
+                <a:solidFill>
+                  <a:schemeClr val="bg2"/>
+                </a:solidFill>
+              </a:rPr>
+              <a:t>Code </a:t>
+            </a:r>
+            <a:r>
+              <a:rPr lang="en-US" dirty="0">
+                <a:solidFill>
+                  <a:schemeClr val="bg2"/>
+                </a:solidFill>
+              </a:rPr>
+              <a:t>C</a:t>
+            </a:r>
+            <a:r>
+              <a:rPr lang="en-US" dirty="0" smtClean="0">
+                <a:solidFill>
+                  <a:schemeClr val="bg2"/>
+                </a:solidFill>
+              </a:rPr>
+              <a:t>onstruction</a:t>
+            </a:r>
+            <a:endParaRPr lang="en-US" dirty="0">
+              <a:solidFill>
+                <a:schemeClr val="bg2"/>
+              </a:solidFill>
+            </a:endParaRPr>
           </a:p>
         </p:txBody>
       </p:sp>
@@ -9083,7 +9154,7 @@
       </p:pic>
       <p:sp>
         <p:nvSpPr>
-          <p:cNvPr id="12" name="RS_Classification_Standard"/>
+          <p:cNvPr id="67" name="RS_Classification_Standard"/>
           <p:cNvSpPr txBox="1"/>
           <p:nvPr/>
         </p:nvSpPr>
@@ -14384,7 +14455,7 @@
       </p:sp>
       <p:sp>
         <p:nvSpPr>
-          <p:cNvPr id="11" name="RS_Classification_Standard"/>
+          <p:cNvPr id="454" name="RS_Classification_Standard"/>
           <p:cNvSpPr txBox="1"/>
           <p:nvPr/>
         </p:nvSpPr>
@@ -15032,14 +15103,43 @@
                   <a:schemeClr val="bg2"/>
                 </a:solidFill>
               </a:rPr>
-              <a:t>Tree pruning and Unrolling recursion</a:t>
-            </a:r>
+              <a:t>Tree </a:t>
+            </a:r>
+            <a:r>
+              <a:rPr lang="en-US" dirty="0" smtClean="0">
+                <a:solidFill>
+                  <a:schemeClr val="bg2"/>
+                </a:solidFill>
+              </a:rPr>
+              <a:t>Pruning </a:t>
+            </a:r>
+            <a:r>
+              <a:rPr lang="en-US" dirty="0">
+                <a:solidFill>
+                  <a:schemeClr val="bg2"/>
+                </a:solidFill>
+              </a:rPr>
+              <a:t>and Unrolling </a:t>
+            </a:r>
+            <a:r>
+              <a:rPr lang="en-US" dirty="0" smtClean="0">
+                <a:solidFill>
+                  <a:schemeClr val="bg2"/>
+                </a:solidFill>
+              </a:rPr>
+              <a:t>Recursion</a:t>
+            </a:r>
+            <a:endParaRPr lang="en-US" dirty="0">
+              <a:solidFill>
+                <a:schemeClr val="bg2"/>
+              </a:solidFill>
+            </a:endParaRPr>
           </a:p>
         </p:txBody>
       </p:sp>
       <p:sp>
         <p:nvSpPr>
-          <p:cNvPr id="11" name="RS_Classification_Standard"/>
+          <p:cNvPr id="675" name="RS_Classification_Standard"/>
           <p:cNvSpPr txBox="1"/>
           <p:nvPr/>
         </p:nvSpPr>
@@ -15255,8 +15355,37 @@
                   <a:schemeClr val="bg2"/>
                 </a:solidFill>
               </a:rPr>
-              <a:t>Encoding chain results</a:t>
-            </a:r>
+              <a:t>Encoding </a:t>
+            </a:r>
+            <a:r>
+              <a:rPr lang="en-US" dirty="0" smtClean="0">
+                <a:solidFill>
+                  <a:schemeClr val="bg2"/>
+                </a:solidFill>
+              </a:rPr>
+              <a:t>Chain </a:t>
+            </a:r>
+            <a:r>
+              <a:rPr lang="en-US" dirty="0">
+                <a:solidFill>
+                  <a:schemeClr val="bg2"/>
+                </a:solidFill>
+              </a:rPr>
+              <a:t>R</a:t>
+            </a:r>
+            <a:r>
+              <a:rPr lang="en-US" dirty="0" smtClean="0">
+                <a:solidFill>
+                  <a:schemeClr val="bg2"/>
+                </a:solidFill>
+              </a:rPr>
+              <a:t>esults</a:t>
+            </a:r>
+            <a:endParaRPr lang="en-US" dirty="0">
+              <a:solidFill>
+                <a:schemeClr val="bg2"/>
+              </a:solidFill>
+            </a:endParaRPr>
           </a:p>
         </p:txBody>
       </p:sp>
@@ -16007,7 +16136,7 @@
       </p:sp>
       <p:sp>
         <p:nvSpPr>
-          <p:cNvPr id="11" name="RS_Classification_Standard"/>
+          <p:cNvPr id="580" name="RS_Classification_Standard"/>
           <p:cNvSpPr txBox="1"/>
           <p:nvPr/>
         </p:nvSpPr>
@@ -16135,7 +16264,15 @@
                   <a:schemeClr val="bg2"/>
                 </a:solidFill>
               </a:rPr>
-              <a:t>Decoding FEC chain</a:t>
+              <a:t>Decoding FEC </a:t>
+            </a:r>
+            <a:r>
+              <a:rPr lang="en-IN" dirty="0" smtClean="0">
+                <a:solidFill>
+                  <a:schemeClr val="bg2"/>
+                </a:solidFill>
+              </a:rPr>
+              <a:t>Chain</a:t>
             </a:r>
             <a:endParaRPr lang="en-US" dirty="0">
               <a:solidFill>
@@ -16215,7 +16352,7 @@
       </p:pic>
       <p:sp>
         <p:nvSpPr>
-          <p:cNvPr id="10" name="RS_Classification_Standard"/>
+          <p:cNvPr id="449" name="RS_Classification_Standard"/>
           <p:cNvSpPr txBox="1"/>
           <p:nvPr/>
         </p:nvSpPr>
@@ -16559,28 +16696,28 @@
           <a:lstStyle/>
           <a:p>
             <a:r>
+              <a:rPr lang="en-US" dirty="0" smtClean="0">
+                <a:solidFill>
+                  <a:schemeClr val="bg2"/>
+                </a:solidFill>
+              </a:rPr>
+              <a:t>Sub-block </a:t>
+            </a:r>
+            <a:r>
               <a:rPr lang="en-US" dirty="0" err="1">
                 <a:solidFill>
                   <a:schemeClr val="bg2"/>
                 </a:solidFill>
               </a:rPr>
-              <a:t>Subblock</a:t>
-            </a:r>
-            <a:r>
-              <a:rPr lang="en-US" dirty="0">
+              <a:t>D</a:t>
+            </a:r>
+            <a:r>
+              <a:rPr lang="en-US" dirty="0" err="1" smtClean="0">
                 <a:solidFill>
                   <a:schemeClr val="bg2"/>
                 </a:solidFill>
               </a:rPr>
-              <a:t> </a:t>
-            </a:r>
-            <a:r>
-              <a:rPr lang="en-US" dirty="0" err="1">
-                <a:solidFill>
-                  <a:schemeClr val="bg2"/>
-                </a:solidFill>
-              </a:rPr>
-              <a:t>deinterleaver</a:t>
+              <a:t>einterleaver</a:t>
             </a:r>
             <a:endParaRPr lang="en-US" dirty="0">
               <a:solidFill>
@@ -16622,7 +16759,7 @@
       </p:pic>
       <p:sp>
         <p:nvSpPr>
-          <p:cNvPr id="11" name="RS_Classification_Standard"/>
+          <p:cNvPr id="98" name="RS_Classification_Standard"/>
           <p:cNvSpPr txBox="1"/>
           <p:nvPr/>
         </p:nvSpPr>
@@ -17106,8 +17243,37 @@
                   <a:schemeClr val="bg2"/>
                 </a:solidFill>
               </a:rPr>
-              <a:t>Decoding: Optimized CN, VN and bit combination</a:t>
-            </a:r>
+              <a:t>Decoding: Optimized CN, VN and </a:t>
+            </a:r>
+            <a:r>
+              <a:rPr lang="en-US" dirty="0" smtClean="0">
+                <a:solidFill>
+                  <a:schemeClr val="bg2"/>
+                </a:solidFill>
+              </a:rPr>
+              <a:t>Bit </a:t>
+            </a:r>
+            <a:r>
+              <a:rPr lang="en-US" dirty="0">
+                <a:solidFill>
+                  <a:schemeClr val="bg2"/>
+                </a:solidFill>
+              </a:rPr>
+              <a:t>C</a:t>
+            </a:r>
+            <a:r>
+              <a:rPr lang="en-US" dirty="0" smtClean="0">
+                <a:solidFill>
+                  <a:schemeClr val="bg2"/>
+                </a:solidFill>
+              </a:rPr>
+              <a:t>ombination</a:t>
+            </a:r>
+            <a:endParaRPr lang="en-US" dirty="0">
+              <a:solidFill>
+                <a:schemeClr val="bg2"/>
+              </a:solidFill>
+            </a:endParaRPr>
           </a:p>
         </p:txBody>
       </p:sp>
@@ -19306,7 +19472,7 @@
       </mc:AlternateContent>
       <p:sp>
         <p:nvSpPr>
-          <p:cNvPr id="11" name="RS_Classification_Standard"/>
+          <p:cNvPr id="450" name="RS_Classification_Standard"/>
           <p:cNvSpPr txBox="1"/>
           <p:nvPr/>
         </p:nvSpPr>
@@ -19984,8 +20150,37 @@
                   <a:schemeClr val="bg2"/>
                 </a:solidFill>
               </a:rPr>
-              <a:t>Packing frozen pattern</a:t>
-            </a:r>
+              <a:t>Packing </a:t>
+            </a:r>
+            <a:r>
+              <a:rPr lang="en-US" dirty="0" smtClean="0">
+                <a:solidFill>
+                  <a:schemeClr val="bg2"/>
+                </a:solidFill>
+              </a:rPr>
+              <a:t>Frozen </a:t>
+            </a:r>
+            <a:r>
+              <a:rPr lang="en-US" dirty="0">
+                <a:solidFill>
+                  <a:schemeClr val="bg2"/>
+                </a:solidFill>
+              </a:rPr>
+              <a:t>P</a:t>
+            </a:r>
+            <a:r>
+              <a:rPr lang="en-US" dirty="0" smtClean="0">
+                <a:solidFill>
+                  <a:schemeClr val="bg2"/>
+                </a:solidFill>
+              </a:rPr>
+              <a:t>attern</a:t>
+            </a:r>
+            <a:endParaRPr lang="en-US" dirty="0">
+              <a:solidFill>
+                <a:schemeClr val="bg2"/>
+              </a:solidFill>
+            </a:endParaRPr>
           </a:p>
         </p:txBody>
       </p:sp>
@@ -20436,7 +20631,7 @@
       </p:sp>
       <p:sp>
         <p:nvSpPr>
-          <p:cNvPr id="11" name="RS_Classification_Standard"/>
+          <p:cNvPr id="227" name="RS_Classification_Standard"/>
           <p:cNvSpPr txBox="1"/>
           <p:nvPr/>
         </p:nvSpPr>
@@ -20697,7 +20892,7 @@
       </p:sp>
       <p:sp>
         <p:nvSpPr>
-          <p:cNvPr id="11" name="RS_Classification_Standard"/>
+          <p:cNvPr id="66" name="RS_Classification_Standard"/>
           <p:cNvSpPr txBox="1"/>
           <p:nvPr/>
         </p:nvSpPr>
@@ -21092,14 +21287,35 @@
                   <a:schemeClr val="bg2"/>
                 </a:solidFill>
               </a:rPr>
-              <a:t>Decoding R0 and R1 codes</a:t>
-            </a:r>
+              <a:t>Decoding R0 and R1 </a:t>
+            </a:r>
+            <a:r>
+              <a:rPr lang="en-US" dirty="0">
+                <a:solidFill>
+                  <a:schemeClr val="bg2"/>
+                </a:solidFill>
+              </a:rPr>
+              <a:t>N</a:t>
+            </a:r>
+            <a:r>
+              <a:rPr lang="en-US" dirty="0" smtClean="0">
+                <a:solidFill>
+                  <a:schemeClr val="bg2"/>
+                </a:solidFill>
+              </a:rPr>
+              <a:t>odes</a:t>
+            </a:r>
+            <a:endParaRPr lang="en-US" dirty="0">
+              <a:solidFill>
+                <a:schemeClr val="bg2"/>
+              </a:solidFill>
+            </a:endParaRPr>
           </a:p>
         </p:txBody>
       </p:sp>
       <p:sp>
         <p:nvSpPr>
-          <p:cNvPr id="10" name="RS_Classification_Standard"/>
+          <p:cNvPr id="257" name="RS_Classification_Standard"/>
           <p:cNvSpPr txBox="1"/>
           <p:nvPr/>
         </p:nvSpPr>
@@ -21667,7 +21883,7 @@
       </mc:AlternateContent>
       <p:sp>
         <p:nvSpPr>
-          <p:cNvPr id="10" name="RS_Classification_Standard"/>
+          <p:cNvPr id="289" name="RS_Classification_Standard"/>
           <p:cNvSpPr txBox="1"/>
           <p:nvPr/>
         </p:nvSpPr>
@@ -21783,8 +21999,21 @@
                   <a:schemeClr val="bg2"/>
                 </a:solidFill>
               </a:rPr>
-              <a:t>Decoding SPC node</a:t>
-            </a:r>
+              <a:t>Decoding SPC </a:t>
+            </a:r>
+            <a:r>
+              <a:rPr lang="en-US" dirty="0" smtClean="0">
+                <a:solidFill>
+                  <a:schemeClr val="bg2"/>
+                </a:solidFill>
+              </a:rPr>
+              <a:t>Node</a:t>
+            </a:r>
+            <a:endParaRPr lang="en-US" dirty="0">
+              <a:solidFill>
+                <a:schemeClr val="bg2"/>
+              </a:solidFill>
+            </a:endParaRPr>
           </a:p>
         </p:txBody>
       </p:sp>
@@ -22754,7 +22983,7 @@
       </p:cxnSp>
       <p:sp>
         <p:nvSpPr>
-          <p:cNvPr id="10" name="RS_Classification_Standard"/>
+          <p:cNvPr id="289" name="RS_Classification_Standard"/>
           <p:cNvSpPr txBox="1"/>
           <p:nvPr/>
         </p:nvSpPr>
@@ -22985,8 +23214,69 @@
                   <a:schemeClr val="bg2"/>
                 </a:solidFill>
               </a:rPr>
-              <a:t>Decoder tree pruning and unrolling recursion</a:t>
-            </a:r>
+              <a:t>Decoder </a:t>
+            </a:r>
+            <a:r>
+              <a:rPr lang="en-US" dirty="0" smtClean="0">
+                <a:solidFill>
+                  <a:schemeClr val="bg2"/>
+                </a:solidFill>
+              </a:rPr>
+              <a:t>Tree </a:t>
+            </a:r>
+            <a:r>
+              <a:rPr lang="en-US" dirty="0">
+                <a:solidFill>
+                  <a:schemeClr val="bg2"/>
+                </a:solidFill>
+              </a:rPr>
+              <a:t>P</a:t>
+            </a:r>
+            <a:r>
+              <a:rPr lang="en-US" dirty="0" smtClean="0">
+                <a:solidFill>
+                  <a:schemeClr val="bg2"/>
+                </a:solidFill>
+              </a:rPr>
+              <a:t>runing </a:t>
+            </a:r>
+            <a:r>
+              <a:rPr lang="en-US" dirty="0">
+                <a:solidFill>
+                  <a:schemeClr val="bg2"/>
+                </a:solidFill>
+              </a:rPr>
+              <a:t>and </a:t>
+            </a:r>
+            <a:r>
+              <a:rPr lang="en-US" dirty="0" smtClean="0">
+                <a:solidFill>
+                  <a:schemeClr val="bg2"/>
+                </a:solidFill>
+              </a:rPr>
+              <a:t>Unrolling </a:t>
+            </a:r>
+            <a:r>
+              <a:rPr lang="en-US" dirty="0">
+                <a:solidFill>
+                  <a:schemeClr val="bg2"/>
+                </a:solidFill>
+              </a:rPr>
+              <a:t>R</a:t>
+            </a:r>
+            <a:r>
+              <a:rPr lang="en-US" dirty="0" smtClean="0">
+                <a:solidFill>
+                  <a:schemeClr val="bg2"/>
+                </a:solidFill>
+              </a:rPr>
+              <a:t>ecursion</a:t>
+            </a:r>
+            <a:endParaRPr lang="en-US" dirty="0">
+              <a:solidFill>
+                <a:schemeClr val="bg2"/>
+              </a:solidFill>
+            </a:endParaRPr>
           </a:p>
         </p:txBody>
       </p:sp>
@@ -23022,7 +23312,7 @@
       </p:pic>
       <p:sp>
         <p:nvSpPr>
-          <p:cNvPr id="11" name="RS_Classification_Standard"/>
+          <p:cNvPr id="66" name="RS_Classification_Standard"/>
           <p:cNvSpPr txBox="1"/>
           <p:nvPr/>
         </p:nvSpPr>
@@ -23271,8 +23561,21 @@
                   <a:schemeClr val="bg2"/>
                 </a:solidFill>
               </a:rPr>
-              <a:t>CRC calculation</a:t>
-            </a:r>
+              <a:t>CRC </a:t>
+            </a:r>
+            <a:r>
+              <a:rPr lang="en-US" dirty="0" smtClean="0">
+                <a:solidFill>
+                  <a:schemeClr val="bg2"/>
+                </a:solidFill>
+              </a:rPr>
+              <a:t>Calculation</a:t>
+            </a:r>
+            <a:endParaRPr lang="en-US" dirty="0">
+              <a:solidFill>
+                <a:schemeClr val="bg2"/>
+              </a:solidFill>
+            </a:endParaRPr>
           </a:p>
         </p:txBody>
       </p:sp>
@@ -23325,7 +23628,7 @@
       </p:sp>
       <p:sp>
         <p:nvSpPr>
-          <p:cNvPr id="12" name="RS_Classification_Standard"/>
+          <p:cNvPr id="67" name="RS_Classification_Standard"/>
           <p:cNvSpPr txBox="1"/>
           <p:nvPr/>
         </p:nvSpPr>
@@ -23503,8 +23806,27 @@
                 <a:ea typeface="+mj-ea"/>
                 <a:cs typeface="+mj-cs"/>
               </a:rPr>
-              <a:t>ache prefetching</a:t>
-            </a:r>
+              <a:t>ache </a:t>
+            </a:r>
+            <a:r>
+              <a:rPr lang="en-US" sz="1800" dirty="0" smtClean="0">
+                <a:solidFill>
+                  <a:schemeClr val="bg2"/>
+                </a:solidFill>
+                <a:latin typeface="+mj-lt"/>
+                <a:ea typeface="+mj-ea"/>
+                <a:cs typeface="+mj-cs"/>
+              </a:rPr>
+              <a:t>Prefetching</a:t>
+            </a:r>
+            <a:endParaRPr lang="en-US" sz="1800" dirty="0">
+              <a:solidFill>
+                <a:schemeClr val="bg2"/>
+              </a:solidFill>
+              <a:latin typeface="+mj-lt"/>
+              <a:ea typeface="+mj-ea"/>
+              <a:cs typeface="+mj-cs"/>
+            </a:endParaRPr>
           </a:p>
           <a:p>
             <a:pPr marL="461963" lvl="1" indent="-285750">
@@ -24454,7 +24776,7 @@
       </p:grpSp>
       <p:sp>
         <p:nvSpPr>
-          <p:cNvPr id="29" name="RS_Classification_Standard"/>
+          <p:cNvPr id="725" name="RS_Classification_Standard"/>
           <p:cNvSpPr txBox="1"/>
           <p:nvPr/>
         </p:nvSpPr>
@@ -24670,8 +24992,37 @@
                   <a:schemeClr val="bg2"/>
                 </a:solidFill>
               </a:rPr>
-              <a:t>Decoding chain results</a:t>
-            </a:r>
+              <a:t>Decoding </a:t>
+            </a:r>
+            <a:r>
+              <a:rPr lang="en-US" dirty="0" smtClean="0">
+                <a:solidFill>
+                  <a:schemeClr val="bg2"/>
+                </a:solidFill>
+              </a:rPr>
+              <a:t>Chain </a:t>
+            </a:r>
+            <a:r>
+              <a:rPr lang="en-US" dirty="0">
+                <a:solidFill>
+                  <a:schemeClr val="bg2"/>
+                </a:solidFill>
+              </a:rPr>
+              <a:t>R</a:t>
+            </a:r>
+            <a:r>
+              <a:rPr lang="en-US" dirty="0" smtClean="0">
+                <a:solidFill>
+                  <a:schemeClr val="bg2"/>
+                </a:solidFill>
+              </a:rPr>
+              <a:t>esults</a:t>
+            </a:r>
+            <a:endParaRPr lang="en-US" dirty="0">
+              <a:solidFill>
+                <a:schemeClr val="bg2"/>
+              </a:solidFill>
+            </a:endParaRPr>
           </a:p>
         </p:txBody>
       </p:sp>
@@ -25978,7 +26329,7 @@
       </p:sp>
       <p:sp>
         <p:nvSpPr>
-          <p:cNvPr id="12" name="RS_Classification_Standard"/>
+          <p:cNvPr id="73" name="RS_Classification_Standard"/>
           <p:cNvSpPr txBox="1"/>
           <p:nvPr/>
         </p:nvSpPr>
@@ -26926,7 +27277,7 @@
       </p:sp>
       <p:sp>
         <p:nvSpPr>
-          <p:cNvPr id="11" name="RS_Classification_Standard"/>
+          <p:cNvPr id="514" name="RS_Classification_Standard"/>
           <p:cNvSpPr txBox="1"/>
           <p:nvPr/>
         </p:nvSpPr>
@@ -29120,7 +29471,7 @@
       </p:sp>
       <p:sp>
         <p:nvSpPr>
-          <p:cNvPr id="22" name="RS_Classification_Standard"/>
+          <p:cNvPr id="113" name="RS_Classification_Standard"/>
           <p:cNvSpPr txBox="1"/>
           <p:nvPr/>
         </p:nvSpPr>
@@ -29361,7 +29712,7 @@
       </p:pic>
       <p:sp>
         <p:nvSpPr>
-          <p:cNvPr id="11" name="RS_Classification_Standard"/>
+          <p:cNvPr id="610" name="RS_Classification_Standard"/>
           <p:cNvSpPr txBox="1"/>
           <p:nvPr/>
         </p:nvSpPr>
@@ -29774,12 +30125,20 @@
               <a:t>Background:  Polar </a:t>
             </a:r>
             <a:r>
-              <a:rPr sz="3000" dirty="0" err="1">
+              <a:rPr dirty="0">
                 <a:solidFill>
                   <a:schemeClr val="bg2"/>
                 </a:solidFill>
               </a:rPr>
-              <a:t>codes</a:t>
+              <a:t>C</a:t>
+            </a:r>
+            <a:r>
+              <a:rPr sz="3000" dirty="0" smtClean="0">
+                <a:solidFill>
+                  <a:schemeClr val="bg2"/>
+                </a:solidFill>
+              </a:rPr>
+              <a:t>odes</a:t>
             </a:r>
             <a:endParaRPr lang="de-DE" sz="3000" dirty="0">
               <a:solidFill>
@@ -30359,7 +30718,7 @@
       </p:grpSp>
       <p:sp>
         <p:nvSpPr>
-          <p:cNvPr id="11" name="RS_Classification_Standard"/>
+          <p:cNvPr id="36" name="RS_Classification_Standard"/>
           <p:cNvSpPr txBox="1"/>
           <p:nvPr/>
         </p:nvSpPr>
@@ -31898,7 +32257,7 @@
       </mc:AlternateContent>
       <p:sp>
         <p:nvSpPr>
-          <p:cNvPr id="11" name="RS_Classification_Standard"/>
+          <p:cNvPr id="261" name="RS_Classification_Standard"/>
           <p:cNvSpPr txBox="1"/>
           <p:nvPr/>
         </p:nvSpPr>
@@ -32105,8 +32464,37 @@
                   <a:schemeClr val="bg2"/>
                 </a:solidFill>
               </a:rPr>
-              <a:t>Decoding polar codes</a:t>
-            </a:r>
+              <a:t>Decoding </a:t>
+            </a:r>
+            <a:r>
+              <a:rPr lang="en-US" dirty="0" smtClean="0">
+                <a:solidFill>
+                  <a:schemeClr val="bg2"/>
+                </a:solidFill>
+              </a:rPr>
+              <a:t>Polar </a:t>
+            </a:r>
+            <a:r>
+              <a:rPr lang="en-US" dirty="0">
+                <a:solidFill>
+                  <a:schemeClr val="bg2"/>
+                </a:solidFill>
+              </a:rPr>
+              <a:t>C</a:t>
+            </a:r>
+            <a:r>
+              <a:rPr lang="en-US" dirty="0" smtClean="0">
+                <a:solidFill>
+                  <a:schemeClr val="bg2"/>
+                </a:solidFill>
+              </a:rPr>
+              <a:t>odes</a:t>
+            </a:r>
+            <a:endParaRPr lang="en-US" dirty="0">
+              <a:solidFill>
+                <a:schemeClr val="bg2"/>
+              </a:solidFill>
+            </a:endParaRPr>
           </a:p>
         </p:txBody>
       </p:sp>
@@ -32237,7 +32625,7 @@
       </mc:AlternateContent>
       <p:sp>
         <p:nvSpPr>
-          <p:cNvPr id="11" name="RS_Classification_Standard"/>
+          <p:cNvPr id="130" name="RS_Classification_Standard"/>
           <p:cNvSpPr txBox="1"/>
           <p:nvPr/>
         </p:nvSpPr>
@@ -32303,8 +32691,8 @@
           <a:chExt cx="0" cy="0"/>
         </a:xfrm>
       </p:grpSpPr>
-      <mc:AlternateContent xmlns:mc="http://schemas.openxmlformats.org/markup-compatibility/2006" xmlns:a14="http://schemas.microsoft.com/office/drawing/2010/main">
-        <mc:Choice Requires="a14">
+      <mc:AlternateContent xmlns:mc="http://schemas.openxmlformats.org/markup-compatibility/2006">
+        <mc:Choice xmlns:a14="http://schemas.microsoft.com/office/drawing/2010/main" Requires="a14">
           <p:sp>
             <p:nvSpPr>
               <p:cNvPr id="2" name="Content Placeholder 1"/>
@@ -34026,16 +34414,19 @@
                               <m:t>∕∕</m:t>
                             </m:r>
                             <m:r>
-                              <a:rPr lang="en-US" i="1">
+                              <m:rPr>
+                                <m:sty m:val="p"/>
+                              </m:rPr>
+                              <a:rPr lang="en-US" i="0">
                                 <a:solidFill>
                                   <a:prstClr val="black"/>
                                 </a:solidFill>
                                 <a:latin typeface="Cambria Math" panose="02040503050406030204" pitchFamily="18" charset="0"/>
                               </a:rPr>
-                              <m:t>𝐽𝑢𝑠𝑡</m:t>
+                              <m:t>Just</m:t>
                             </m:r>
                             <m:r>
-                              <a:rPr lang="en-US" i="1">
+                              <a:rPr lang="en-US" i="0">
                                 <a:solidFill>
                                   <a:prstClr val="black"/>
                                 </a:solidFill>
@@ -34044,13 +34435,16 @@
                               <m:t> </m:t>
                             </m:r>
                             <m:r>
-                              <a:rPr lang="en-US" i="1">
+                              <m:rPr>
+                                <m:sty m:val="p"/>
+                              </m:rPr>
+                              <a:rPr lang="en-US" i="0">
                                 <a:solidFill>
                                   <a:prstClr val="black"/>
                                 </a:solidFill>
                                 <a:latin typeface="Cambria Math" panose="02040503050406030204" pitchFamily="18" charset="0"/>
                               </a:rPr>
-                              <m:t>𝑐𝑜𝑝𝑦𝑖𝑛𝑔</m:t>
+                              <m:t>copying</m:t>
                             </m:r>
                           </m:e>
                         </m:eqArr>
@@ -34071,7 +34465,7 @@
             </p:txBody>
           </p:sp>
         </mc:Choice>
-        <mc:Fallback xmlns="">
+        <mc:Fallback>
           <p:sp>
             <p:nvSpPr>
               <p:cNvPr id="2" name="Content Placeholder 1"/>
@@ -34159,8 +34553,53 @@
                   <a:schemeClr val="bg2"/>
                 </a:solidFill>
               </a:rPr>
-              <a:t>CN, VN and bit combination operations</a:t>
-            </a:r>
+              <a:t>CN, VN and </a:t>
+            </a:r>
+            <a:r>
+              <a:rPr lang="en-US" dirty="0" smtClean="0">
+                <a:solidFill>
+                  <a:schemeClr val="bg2"/>
+                </a:solidFill>
+              </a:rPr>
+              <a:t>Bit </a:t>
+            </a:r>
+            <a:r>
+              <a:rPr lang="en-US" dirty="0">
+                <a:solidFill>
+                  <a:schemeClr val="bg2"/>
+                </a:solidFill>
+              </a:rPr>
+              <a:t>C</a:t>
+            </a:r>
+            <a:r>
+              <a:rPr lang="en-US" dirty="0" smtClean="0">
+                <a:solidFill>
+                  <a:schemeClr val="bg2"/>
+                </a:solidFill>
+              </a:rPr>
+              <a:t>ombination </a:t>
+            </a:r>
+            <a:r>
+              <a:rPr lang="en-US" dirty="0">
+                <a:solidFill>
+                  <a:schemeClr val="bg2"/>
+                </a:solidFill>
+              </a:rPr>
+              <a:t>O</a:t>
+            </a:r>
+            <a:r>
+              <a:rPr lang="en-US" dirty="0" smtClean="0">
+                <a:solidFill>
+                  <a:schemeClr val="bg2"/>
+                </a:solidFill>
+              </a:rPr>
+              <a:t>perations</a:t>
+            </a:r>
+            <a:endParaRPr lang="en-US" dirty="0">
+              <a:solidFill>
+                <a:schemeClr val="bg2"/>
+              </a:solidFill>
+            </a:endParaRPr>
           </a:p>
         </p:txBody>
       </p:sp>
@@ -34296,7 +34735,7 @@
       </p:sp>
       <p:sp>
         <p:nvSpPr>
-          <p:cNvPr id="13" name="RS_Classification_Standard"/>
+          <p:cNvPr id="102" name="RS_Classification_Standard"/>
           <p:cNvSpPr txBox="1"/>
           <p:nvPr/>
         </p:nvSpPr>
@@ -34412,8 +34851,21 @@
                   <a:schemeClr val="bg2"/>
                 </a:solidFill>
               </a:rPr>
-              <a:t>Fast-SSC algorithm</a:t>
-            </a:r>
+              <a:t>Fast-SSC </a:t>
+            </a:r>
+            <a:r>
+              <a:rPr lang="en-US" dirty="0" smtClean="0">
+                <a:solidFill>
+                  <a:schemeClr val="bg2"/>
+                </a:solidFill>
+              </a:rPr>
+              <a:t>Algorithm</a:t>
+            </a:r>
+            <a:endParaRPr lang="en-US" dirty="0">
+              <a:solidFill>
+                <a:schemeClr val="bg2"/>
+              </a:solidFill>
+            </a:endParaRPr>
           </a:p>
         </p:txBody>
       </p:sp>
@@ -34765,7 +35217,7 @@
       </p:sp>
       <p:sp>
         <p:nvSpPr>
-          <p:cNvPr id="10" name="RS_Classification_Standard"/>
+          <p:cNvPr id="97" name="RS_Classification_Standard"/>
           <p:cNvSpPr txBox="1"/>
           <p:nvPr/>
         </p:nvSpPr>
@@ -34881,8 +35333,21 @@
                   <a:schemeClr val="bg2"/>
                 </a:solidFill>
               </a:rPr>
-              <a:t>Processor architecture</a:t>
-            </a:r>
+              <a:t>Processor </a:t>
+            </a:r>
+            <a:r>
+              <a:rPr lang="en-US" dirty="0" smtClean="0">
+                <a:solidFill>
+                  <a:schemeClr val="bg2"/>
+                </a:solidFill>
+              </a:rPr>
+              <a:t>Architecture</a:t>
+            </a:r>
+            <a:endParaRPr lang="en-US" dirty="0">
+              <a:solidFill>
+                <a:schemeClr val="bg2"/>
+              </a:solidFill>
+            </a:endParaRPr>
           </a:p>
         </p:txBody>
       </p:sp>
@@ -35166,7 +35631,7 @@
       </p:pic>
       <p:sp>
         <p:nvSpPr>
-          <p:cNvPr id="10" name="RS_Classification_Standard"/>
+          <p:cNvPr id="33" name="RS_Classification_Standard"/>
           <p:cNvSpPr txBox="1"/>
           <p:nvPr/>
         </p:nvSpPr>

--- a/final_presentation/finalPpt1.4.pptx
+++ b/final_presentation/finalPpt1.4.pptx
@@ -8271,7 +8271,7 @@
       </p:sp>
       <p:sp>
         <p:nvSpPr>
-          <p:cNvPr id="67" name="RS_Classification_Standard"/>
+          <p:cNvPr id="70" name="RS_Classification_Standard"/>
           <p:cNvSpPr txBox="1"/>
           <p:nvPr/>
         </p:nvSpPr>
@@ -8557,7 +8557,7 @@
       </p:sp>
       <p:sp>
         <p:nvSpPr>
-          <p:cNvPr id="101" name="RS_Classification_Standard"/>
+          <p:cNvPr id="104" name="RS_Classification_Standard"/>
           <p:cNvSpPr txBox="1"/>
           <p:nvPr/>
         </p:nvSpPr>
@@ -8821,7 +8821,7 @@
       </p:pic>
       <p:sp>
         <p:nvSpPr>
-          <p:cNvPr id="130" name="RS_Classification_Standard"/>
+          <p:cNvPr id="134" name="RS_Classification_Standard"/>
           <p:cNvSpPr txBox="1"/>
           <p:nvPr/>
         </p:nvSpPr>
@@ -9154,7 +9154,7 @@
       </p:pic>
       <p:sp>
         <p:nvSpPr>
-          <p:cNvPr id="67" name="RS_Classification_Standard"/>
+          <p:cNvPr id="70" name="RS_Classification_Standard"/>
           <p:cNvSpPr txBox="1"/>
           <p:nvPr/>
         </p:nvSpPr>
@@ -14455,7 +14455,7 @@
       </p:sp>
       <p:sp>
         <p:nvSpPr>
-          <p:cNvPr id="454" name="RS_Classification_Standard"/>
+          <p:cNvPr id="457" name="RS_Classification_Standard"/>
           <p:cNvSpPr txBox="1"/>
           <p:nvPr/>
         </p:nvSpPr>
@@ -15139,7 +15139,7 @@
       </p:sp>
       <p:sp>
         <p:nvSpPr>
-          <p:cNvPr id="675" name="RS_Classification_Standard"/>
+          <p:cNvPr id="678" name="RS_Classification_Standard"/>
           <p:cNvSpPr txBox="1"/>
           <p:nvPr/>
         </p:nvSpPr>
@@ -16136,7 +16136,7 @@
       </p:sp>
       <p:sp>
         <p:nvSpPr>
-          <p:cNvPr id="580" name="RS_Classification_Standard"/>
+          <p:cNvPr id="583" name="RS_Classification_Standard"/>
           <p:cNvSpPr txBox="1"/>
           <p:nvPr/>
         </p:nvSpPr>
@@ -16352,7 +16352,7 @@
       </p:pic>
       <p:sp>
         <p:nvSpPr>
-          <p:cNvPr id="449" name="RS_Classification_Standard"/>
+          <p:cNvPr id="452" name="RS_Classification_Standard"/>
           <p:cNvSpPr txBox="1"/>
           <p:nvPr/>
         </p:nvSpPr>
@@ -16759,7 +16759,7 @@
       </p:pic>
       <p:sp>
         <p:nvSpPr>
-          <p:cNvPr id="98" name="RS_Classification_Standard"/>
+          <p:cNvPr id="101" name="RS_Classification_Standard"/>
           <p:cNvSpPr txBox="1"/>
           <p:nvPr/>
         </p:nvSpPr>
@@ -19472,7 +19472,7 @@
       </mc:AlternateContent>
       <p:sp>
         <p:nvSpPr>
-          <p:cNvPr id="450" name="RS_Classification_Standard"/>
+          <p:cNvPr id="453" name="RS_Classification_Standard"/>
           <p:cNvSpPr txBox="1"/>
           <p:nvPr/>
         </p:nvSpPr>
@@ -20631,7 +20631,7 @@
       </p:sp>
       <p:sp>
         <p:nvSpPr>
-          <p:cNvPr id="227" name="RS_Classification_Standard"/>
+          <p:cNvPr id="230" name="RS_Classification_Standard"/>
           <p:cNvSpPr txBox="1"/>
           <p:nvPr/>
         </p:nvSpPr>
@@ -20892,7 +20892,7 @@
       </p:sp>
       <p:sp>
         <p:nvSpPr>
-          <p:cNvPr id="66" name="RS_Classification_Standard"/>
+          <p:cNvPr id="69" name="RS_Classification_Standard"/>
           <p:cNvSpPr txBox="1"/>
           <p:nvPr/>
         </p:nvSpPr>
@@ -21315,7 +21315,7 @@
       </p:sp>
       <p:sp>
         <p:nvSpPr>
-          <p:cNvPr id="257" name="RS_Classification_Standard"/>
+          <p:cNvPr id="260" name="RS_Classification_Standard"/>
           <p:cNvSpPr txBox="1"/>
           <p:nvPr/>
         </p:nvSpPr>
@@ -21883,7 +21883,7 @@
       </mc:AlternateContent>
       <p:sp>
         <p:nvSpPr>
-          <p:cNvPr id="289" name="RS_Classification_Standard"/>
+          <p:cNvPr id="292" name="RS_Classification_Standard"/>
           <p:cNvSpPr txBox="1"/>
           <p:nvPr/>
         </p:nvSpPr>
@@ -22983,7 +22983,7 @@
       </p:cxnSp>
       <p:sp>
         <p:nvSpPr>
-          <p:cNvPr id="289" name="RS_Classification_Standard"/>
+          <p:cNvPr id="292" name="RS_Classification_Standard"/>
           <p:cNvSpPr txBox="1"/>
           <p:nvPr/>
         </p:nvSpPr>
@@ -23312,7 +23312,7 @@
       </p:pic>
       <p:sp>
         <p:nvSpPr>
-          <p:cNvPr id="66" name="RS_Classification_Standard"/>
+          <p:cNvPr id="69" name="RS_Classification_Standard"/>
           <p:cNvSpPr txBox="1"/>
           <p:nvPr/>
         </p:nvSpPr>
@@ -23628,7 +23628,7 @@
       </p:sp>
       <p:sp>
         <p:nvSpPr>
-          <p:cNvPr id="67" name="RS_Classification_Standard"/>
+          <p:cNvPr id="70" name="RS_Classification_Standard"/>
           <p:cNvSpPr txBox="1"/>
           <p:nvPr/>
         </p:nvSpPr>
@@ -24776,7 +24776,7 @@
       </p:grpSp>
       <p:sp>
         <p:nvSpPr>
-          <p:cNvPr id="725" name="RS_Classification_Standard"/>
+          <p:cNvPr id="728" name="RS_Classification_Standard"/>
           <p:cNvSpPr txBox="1"/>
           <p:nvPr/>
         </p:nvSpPr>
@@ -26329,7 +26329,7 @@
       </p:sp>
       <p:sp>
         <p:nvSpPr>
-          <p:cNvPr id="73" name="RS_Classification_Standard"/>
+          <p:cNvPr id="76" name="RS_Classification_Standard"/>
           <p:cNvSpPr txBox="1"/>
           <p:nvPr/>
         </p:nvSpPr>
@@ -27194,52 +27194,9 @@
               <a:t>CA-SCL</a:t>
             </a:r>
             <a:r>
-              <a:rPr lang="en-US" dirty="0"/>
+              <a:rPr lang="en-US" dirty="0" smtClean="0"/>
               <a:t>.</a:t>
             </a:r>
-          </a:p>
-          <a:p>
-            <a:pPr marL="285750" indent="-285750">
-              <a:buFont typeface="Arial" panose="020B0604020202020204" pitchFamily="34" charset="0"/>
-              <a:buChar char="•"/>
-            </a:pPr>
-            <a:endParaRPr lang="en-US" dirty="0"/>
-          </a:p>
-          <a:p>
-            <a:pPr marL="285750" indent="-285750">
-              <a:buFont typeface="Arial" panose="020B0604020202020204" pitchFamily="34" charset="0"/>
-              <a:buChar char="•"/>
-            </a:pPr>
-            <a:r>
-              <a:rPr lang="en-US" dirty="0"/>
-              <a:t>Interesting to see latency of </a:t>
-            </a:r>
-            <a:r>
-              <a:rPr lang="en-US" i="1" dirty="0"/>
-              <a:t>CA-SCL </a:t>
-            </a:r>
-            <a:r>
-              <a:rPr lang="en-US" dirty="0"/>
-              <a:t>which has expensive </a:t>
-            </a:r>
-            <a:r>
-              <a:rPr lang="en-US" i="1" dirty="0"/>
-              <a:t>sort</a:t>
-            </a:r>
-            <a:r>
-              <a:rPr lang="en-US" dirty="0"/>
-              <a:t> and </a:t>
-            </a:r>
-            <a:r>
-              <a:rPr lang="en-US" i="1" dirty="0"/>
-              <a:t>copying</a:t>
-            </a:r>
-            <a:r>
-              <a:rPr lang="en-US" dirty="0"/>
-              <a:t> operations.</a:t>
-            </a:r>
-          </a:p>
-          <a:p>
             <a:endParaRPr lang="en-US" dirty="0"/>
           </a:p>
         </p:txBody>
@@ -27277,7 +27234,7 @@
       </p:sp>
       <p:sp>
         <p:nvSpPr>
-          <p:cNvPr id="514" name="RS_Classification_Standard"/>
+          <p:cNvPr id="517" name="RS_Classification_Standard"/>
           <p:cNvSpPr txBox="1"/>
           <p:nvPr/>
         </p:nvSpPr>
@@ -29471,7 +29428,7 @@
       </p:sp>
       <p:sp>
         <p:nvSpPr>
-          <p:cNvPr id="113" name="RS_Classification_Standard"/>
+          <p:cNvPr id="116" name="RS_Classification_Standard"/>
           <p:cNvSpPr txBox="1"/>
           <p:nvPr/>
         </p:nvSpPr>
@@ -29582,8 +29539,28 @@
               <a:buChar char="•"/>
             </a:pPr>
             <a:r>
+              <a:rPr lang="en-US" dirty="0" smtClean="0"/>
+              <a:t>Due to the </a:t>
+            </a:r>
+            <a:r>
               <a:rPr lang="en-US" dirty="0"/>
-              <a:t>With recent advances in General Purpose Processors, it is possible to achieve required latency and throughput with software implementations without custom hardware.</a:t>
+              <a:t>recent advances in General Purpose Processors, it is possible to achieve </a:t>
+            </a:r>
+            <a:r>
+              <a:rPr lang="en-US" dirty="0" smtClean="0"/>
+              <a:t>required </a:t>
+            </a:r>
+            <a:r>
+              <a:rPr lang="en-US" dirty="0"/>
+              <a:t>latency </a:t>
+            </a:r>
+            <a:r>
+              <a:rPr lang="en-US" dirty="0" smtClean="0"/>
+              <a:t>with </a:t>
+            </a:r>
+            <a:r>
+              <a:rPr lang="en-US" dirty="0"/>
+              <a:t>software implementations without custom hardware.</a:t>
             </a:r>
           </a:p>
           <a:p>
@@ -29712,7 +29689,7 @@
       </p:pic>
       <p:sp>
         <p:nvSpPr>
-          <p:cNvPr id="610" name="RS_Classification_Standard"/>
+          <p:cNvPr id="613" name="RS_Classification_Standard"/>
           <p:cNvSpPr txBox="1"/>
           <p:nvPr/>
         </p:nvSpPr>
@@ -30718,7 +30695,7 @@
       </p:grpSp>
       <p:sp>
         <p:nvSpPr>
-          <p:cNvPr id="36" name="RS_Classification_Standard"/>
+          <p:cNvPr id="39" name="RS_Classification_Standard"/>
           <p:cNvSpPr txBox="1"/>
           <p:nvPr/>
         </p:nvSpPr>
@@ -32257,7 +32234,7 @@
       </mc:AlternateContent>
       <p:sp>
         <p:nvSpPr>
-          <p:cNvPr id="261" name="RS_Classification_Standard"/>
+          <p:cNvPr id="264" name="RS_Classification_Standard"/>
           <p:cNvSpPr txBox="1"/>
           <p:nvPr/>
         </p:nvSpPr>
@@ -32625,7 +32602,7 @@
       </mc:AlternateContent>
       <p:sp>
         <p:nvSpPr>
-          <p:cNvPr id="130" name="RS_Classification_Standard"/>
+          <p:cNvPr id="134" name="RS_Classification_Standard"/>
           <p:cNvSpPr txBox="1"/>
           <p:nvPr/>
         </p:nvSpPr>
@@ -34735,7 +34712,7 @@
       </p:sp>
       <p:sp>
         <p:nvSpPr>
-          <p:cNvPr id="102" name="RS_Classification_Standard"/>
+          <p:cNvPr id="105" name="RS_Classification_Standard"/>
           <p:cNvSpPr txBox="1"/>
           <p:nvPr/>
         </p:nvSpPr>
@@ -35217,7 +35194,7 @@
       </p:sp>
       <p:sp>
         <p:nvSpPr>
-          <p:cNvPr id="97" name="RS_Classification_Standard"/>
+          <p:cNvPr id="100" name="RS_Classification_Standard"/>
           <p:cNvSpPr txBox="1"/>
           <p:nvPr/>
         </p:nvSpPr>
@@ -35631,7 +35608,7 @@
       </p:pic>
       <p:sp>
         <p:nvSpPr>
-          <p:cNvPr id="33" name="RS_Classification_Standard"/>
+          <p:cNvPr id="36" name="RS_Classification_Standard"/>
           <p:cNvSpPr txBox="1"/>
           <p:nvPr/>
         </p:nvSpPr>

--- a/final_presentation/finalPpt1.4.pptx
+++ b/final_presentation/finalPpt1.4.pptx
@@ -2311,10 +2311,6 @@
             <a:br>
               <a:rPr lang="de-DE" noProof="0" dirty="0"/>
             </a:br>
-            <a:r>
-              <a:rPr lang="de-DE" noProof="0" dirty="0"/>
-              <a:t/>
-            </a:r>
             <a:br>
               <a:rPr lang="de-DE" noProof="0" dirty="0"/>
             </a:br>
@@ -2527,10 +2523,6 @@
             <a:br>
               <a:rPr lang="de-DE" noProof="0" dirty="0"/>
             </a:br>
-            <a:r>
-              <a:rPr lang="de-DE" noProof="0" dirty="0"/>
-              <a:t/>
-            </a:r>
             <a:br>
               <a:rPr lang="de-DE" noProof="0" dirty="0"/>
             </a:br>
@@ -8295,7 +8287,7 @@
           </a:bodyPr>
           <a:lstStyle/>
           <a:p>
-            <a:endParaRPr lang="en-US" sz="1100" b="1" kern="900" spc="100" dirty="0" err="1" smtClean="0">
+            <a:endParaRPr lang="en-US" sz="1100" b="1" kern="900" spc="100" dirty="0" err="1">
               <a:solidFill>
                 <a:srgbClr val="000000"/>
               </a:solidFill>
@@ -8393,13 +8385,8 @@
             </a:pPr>
             <a:r>
               <a:rPr lang="en-US" dirty="0"/>
-              <a:t>SIMD feature allows encoding/decoding with low </a:t>
-            </a:r>
-            <a:r>
-              <a:rPr lang="en-US" dirty="0" smtClean="0"/>
-              <a:t>latency.</a:t>
-            </a:r>
-            <a:endParaRPr lang="en-US" dirty="0"/>
+              <a:t>SIMD feature allows encoding/decoding with low latency.</a:t>
+            </a:r>
           </a:p>
           <a:p>
             <a:endParaRPr lang="en-US" dirty="0"/>
@@ -8456,37 +8443,8 @@
                   <a:schemeClr val="bg2"/>
                 </a:solidFill>
               </a:rPr>
-              <a:t>Vector </a:t>
-            </a:r>
-            <a:r>
-              <a:rPr lang="en-US" dirty="0" smtClean="0">
-                <a:solidFill>
-                  <a:schemeClr val="bg2"/>
-                </a:solidFill>
-              </a:rPr>
-              <a:t>Processing </a:t>
-            </a:r>
-            <a:r>
-              <a:rPr lang="en-US" dirty="0">
-                <a:solidFill>
-                  <a:schemeClr val="bg2"/>
-                </a:solidFill>
-              </a:rPr>
-              <a:t>U</a:t>
-            </a:r>
-            <a:r>
-              <a:rPr lang="en-US" dirty="0" smtClean="0">
-                <a:solidFill>
-                  <a:schemeClr val="bg2"/>
-                </a:solidFill>
-              </a:rPr>
-              <a:t>nits</a:t>
-            </a:r>
-            <a:endParaRPr lang="en-US" dirty="0">
-              <a:solidFill>
-                <a:schemeClr val="bg2"/>
-              </a:solidFill>
-            </a:endParaRPr>
+              <a:t>Vector Processing Units</a:t>
+            </a:r>
           </a:p>
         </p:txBody>
       </p:sp>
@@ -8581,7 +8539,7 @@
           </a:bodyPr>
           <a:lstStyle/>
           <a:p>
-            <a:endParaRPr lang="en-US" sz="1100" b="1" kern="900" spc="100" dirty="0" err="1" smtClean="0">
+            <a:endParaRPr lang="en-US" sz="1100" b="1" kern="900" spc="100" dirty="0" err="1">
               <a:solidFill>
                 <a:srgbClr val="000000"/>
               </a:solidFill>
@@ -8742,20 +8700,12 @@
               <a:t>C</a:t>
             </a:r>
             <a:r>
-              <a:rPr sz="3000" dirty="0" smtClean="0">
-                <a:solidFill>
-                  <a:schemeClr val="bg2"/>
-                </a:solidFill>
-              </a:rPr>
-              <a:t>hain </a:t>
-            </a:r>
-            <a:r>
               <a:rPr sz="3000" dirty="0">
                 <a:solidFill>
                   <a:schemeClr val="bg2"/>
                 </a:solidFill>
               </a:rPr>
-              <a:t>in 5G</a:t>
+              <a:t>hain in 5G</a:t>
             </a:r>
             <a:endParaRPr lang="de-DE" sz="3000" dirty="0">
               <a:solidFill>
@@ -8845,7 +8795,7 @@
           </a:bodyPr>
           <a:lstStyle/>
           <a:p>
-            <a:endParaRPr lang="en-US" sz="1100" b="1" kern="900" spc="100" dirty="0" err="1" smtClean="0">
+            <a:endParaRPr lang="en-US" sz="1100" b="1" kern="900" spc="100" dirty="0" err="1">
               <a:solidFill>
                 <a:srgbClr val="000000"/>
               </a:solidFill>
@@ -9088,37 +9038,8 @@
                   <a:schemeClr val="bg2"/>
                 </a:solidFill>
               </a:rPr>
-              <a:t>Polar </a:t>
-            </a:r>
-            <a:r>
-              <a:rPr lang="en-US" dirty="0" smtClean="0">
-                <a:solidFill>
-                  <a:schemeClr val="bg2"/>
-                </a:solidFill>
-              </a:rPr>
-              <a:t>Code </a:t>
-            </a:r>
-            <a:r>
-              <a:rPr lang="en-US" dirty="0">
-                <a:solidFill>
-                  <a:schemeClr val="bg2"/>
-                </a:solidFill>
-              </a:rPr>
-              <a:t>C</a:t>
-            </a:r>
-            <a:r>
-              <a:rPr lang="en-US" dirty="0" smtClean="0">
-                <a:solidFill>
-                  <a:schemeClr val="bg2"/>
-                </a:solidFill>
-              </a:rPr>
-              <a:t>onstruction</a:t>
-            </a:r>
-            <a:endParaRPr lang="en-US" dirty="0">
-              <a:solidFill>
-                <a:schemeClr val="bg2"/>
-              </a:solidFill>
-            </a:endParaRPr>
+              <a:t>Polar Code Construction</a:t>
+            </a:r>
           </a:p>
         </p:txBody>
       </p:sp>
@@ -9178,7 +9099,7 @@
           </a:bodyPr>
           <a:lstStyle/>
           <a:p>
-            <a:endParaRPr lang="en-US" sz="1100" b="1" kern="900" spc="100" dirty="0" err="1" smtClean="0">
+            <a:endParaRPr lang="en-US" sz="1100" b="1" kern="900" spc="100" dirty="0" err="1">
               <a:solidFill>
                 <a:srgbClr val="000000"/>
               </a:solidFill>
@@ -9220,8 +9141,8 @@
           <a:chExt cx="0" cy="0"/>
         </a:xfrm>
       </p:grpSpPr>
-      <mc:AlternateContent xmlns:mc="http://schemas.openxmlformats.org/markup-compatibility/2006">
-        <mc:Choice xmlns:a14="http://schemas.microsoft.com/office/drawing/2010/main" Requires="a14">
+      <mc:AlternateContent xmlns:mc="http://schemas.openxmlformats.org/markup-compatibility/2006" xmlns:a14="http://schemas.microsoft.com/office/drawing/2010/main">
+        <mc:Choice Requires="a14">
           <p:sp>
             <p:nvSpPr>
               <p:cNvPr id="2" name="Content Placeholder 1"/>
@@ -10227,15 +10148,14 @@
                   </m:oMath>
                 </a14:m>
                 <a:r>
-                  <a:rPr lang="en-US" dirty="0" smtClean="0"/>
+                  <a:rPr lang="en-US" dirty="0"/>
                   <a:t>. SIMD processors come with fast pack/unpack instructions.</a:t>
                 </a:r>
-                <a:endParaRPr lang="en-US" dirty="0"/>
               </a:p>
             </p:txBody>
           </p:sp>
         </mc:Choice>
-        <mc:Fallback>
+        <mc:Fallback xmlns="">
           <p:sp>
             <p:nvSpPr>
               <p:cNvPr id="2" name="Content Placeholder 1"/>
@@ -14479,7 +14399,7 @@
           </a:bodyPr>
           <a:lstStyle/>
           <a:p>
-            <a:endParaRPr lang="en-US" sz="1100" b="1" kern="900" spc="100" dirty="0" err="1" smtClean="0">
+            <a:endParaRPr lang="en-US" sz="1100" b="1" kern="900" spc="100" dirty="0" err="1">
               <a:solidFill>
                 <a:srgbClr val="000000"/>
               </a:solidFill>
@@ -15103,37 +15023,8 @@
                   <a:schemeClr val="bg2"/>
                 </a:solidFill>
               </a:rPr>
-              <a:t>Tree </a:t>
-            </a:r>
-            <a:r>
-              <a:rPr lang="en-US" dirty="0" smtClean="0">
-                <a:solidFill>
-                  <a:schemeClr val="bg2"/>
-                </a:solidFill>
-              </a:rPr>
-              <a:t>Pruning </a:t>
-            </a:r>
-            <a:r>
-              <a:rPr lang="en-US" dirty="0">
-                <a:solidFill>
-                  <a:schemeClr val="bg2"/>
-                </a:solidFill>
-              </a:rPr>
-              <a:t>and Unrolling </a:t>
-            </a:r>
-            <a:r>
-              <a:rPr lang="en-US" dirty="0" smtClean="0">
-                <a:solidFill>
-                  <a:schemeClr val="bg2"/>
-                </a:solidFill>
-              </a:rPr>
-              <a:t>Recursion</a:t>
-            </a:r>
-            <a:endParaRPr lang="en-US" dirty="0">
-              <a:solidFill>
-                <a:schemeClr val="bg2"/>
-              </a:solidFill>
-            </a:endParaRPr>
+              <a:t>Tree Pruning and Unrolling Recursion</a:t>
+            </a:r>
           </a:p>
         </p:txBody>
       </p:sp>
@@ -15163,7 +15054,7 @@
           </a:bodyPr>
           <a:lstStyle/>
           <a:p>
-            <a:endParaRPr lang="en-US" sz="1100" b="1" kern="900" spc="100" dirty="0" err="1" smtClean="0">
+            <a:endParaRPr lang="en-US" sz="1100" b="1" kern="900" spc="100" dirty="0" err="1">
               <a:solidFill>
                 <a:srgbClr val="000000"/>
               </a:solidFill>
@@ -15205,8 +15096,8 @@
           <a:chExt cx="0" cy="0"/>
         </a:xfrm>
       </p:grpSpPr>
-      <mc:AlternateContent xmlns:mc="http://schemas.openxmlformats.org/markup-compatibility/2006" xmlns:a14="http://schemas.microsoft.com/office/drawing/2010/main">
-        <mc:Choice Requires="a14">
+      <mc:AlternateContent xmlns:mc="http://schemas.openxmlformats.org/markup-compatibility/2006">
+        <mc:Choice xmlns:a14="http://schemas.microsoft.com/office/drawing/2010/main" Requires="a14">
           <p:sp>
             <p:nvSpPr>
               <p:cNvPr id="2" name="Content Placeholder 1"/>
@@ -15229,7 +15120,7 @@
               <a:p>
                 <a:r>
                   <a:rPr lang="en-US" dirty="0"/>
-                  <a:t>Comparison with open source encoder software implementation (in AMD EPYC processor at 1.6ghz) </a:t>
+                  <a:t>Comparison with open source encoder software implementation (on AMD EPYC processor running at 1.6GHz) </a:t>
                 </a:r>
                 <a14:m>
                   <m:oMath xmlns:m="http://schemas.openxmlformats.org/officeDocument/2006/math">
@@ -15267,7 +15158,7 @@
             </p:txBody>
           </p:sp>
         </mc:Choice>
-        <mc:Fallback xmlns="">
+        <mc:Fallback>
           <p:sp>
             <p:nvSpPr>
               <p:cNvPr id="2" name="Content Placeholder 1"/>
@@ -15355,37 +15246,8 @@
                   <a:schemeClr val="bg2"/>
                 </a:solidFill>
               </a:rPr>
-              <a:t>Encoding </a:t>
-            </a:r>
-            <a:r>
-              <a:rPr lang="en-US" dirty="0" smtClean="0">
-                <a:solidFill>
-                  <a:schemeClr val="bg2"/>
-                </a:solidFill>
-              </a:rPr>
-              <a:t>Chain </a:t>
-            </a:r>
-            <a:r>
-              <a:rPr lang="en-US" dirty="0">
-                <a:solidFill>
-                  <a:schemeClr val="bg2"/>
-                </a:solidFill>
-              </a:rPr>
-              <a:t>R</a:t>
-            </a:r>
-            <a:r>
-              <a:rPr lang="en-US" dirty="0" smtClean="0">
-                <a:solidFill>
-                  <a:schemeClr val="bg2"/>
-                </a:solidFill>
-              </a:rPr>
-              <a:t>esults</a:t>
-            </a:r>
-            <a:endParaRPr lang="en-US" dirty="0">
-              <a:solidFill>
-                <a:schemeClr val="bg2"/>
-              </a:solidFill>
-            </a:endParaRPr>
+              <a:t>Encoding Chain Results</a:t>
+            </a:r>
           </a:p>
         </p:txBody>
       </p:sp>
@@ -15398,13 +15260,13 @@
           <p:nvPr>
             <p:extLst>
               <p:ext uri="{D42A27DB-BD31-4B8C-83A1-F6EECF244321}">
-                <p14:modId xmlns:p14="http://schemas.microsoft.com/office/powerpoint/2010/main" val="2133936749"/>
+                <p14:modId xmlns:p14="http://schemas.microsoft.com/office/powerpoint/2010/main" val="4281789164"/>
               </p:ext>
             </p:extLst>
           </p:nvPr>
         </p:nvGraphicFramePr>
         <p:xfrm>
-          <a:off x="316992" y="2608955"/>
+          <a:off x="316814" y="4916122"/>
           <a:ext cx="4431104" cy="747556"/>
         </p:xfrm>
         <a:graphic>
@@ -15436,10 +15298,9 @@
                     <a:lstStyle/>
                     <a:p>
                       <a:r>
-                        <a:rPr lang="en-US" sz="1700" baseline="0" dirty="0" smtClean="0"/>
+                        <a:rPr lang="en-US" sz="1700" baseline="0" dirty="0"/>
                         <a:t>Naive</a:t>
                       </a:r>
-                      <a:endParaRPr lang="en-US" sz="1700" baseline="0" dirty="0"/>
                     </a:p>
                   </a:txBody>
                   <a:tcPr>
@@ -15510,7 +15371,7 @@
                         <a:defRPr/>
                       </a:pPr>
                       <a:r>
-                        <a:rPr lang="en-US" sz="1700" kern="1200" baseline="0" dirty="0" smtClean="0">
+                        <a:rPr lang="en-US" sz="1700" kern="1200" baseline="0" dirty="0">
                           <a:solidFill>
                             <a:schemeClr val="tx1"/>
                           </a:solidFill>
@@ -15520,14 +15381,6 @@
                         </a:rPr>
                         <a:t>Optimized</a:t>
                       </a:r>
-                      <a:endParaRPr lang="en-US" sz="1700" kern="1200" baseline="0" dirty="0">
-                        <a:solidFill>
-                          <a:schemeClr val="tx1"/>
-                        </a:solidFill>
-                        <a:latin typeface="+mn-lt"/>
-                        <a:ea typeface="+mn-ea"/>
-                        <a:cs typeface="+mn-cs"/>
-                      </a:endParaRPr>
                     </a:p>
                   </a:txBody>
                   <a:tcPr>
@@ -15725,13 +15578,13 @@
           <p:nvPr>
             <p:extLst>
               <p:ext uri="{D42A27DB-BD31-4B8C-83A1-F6EECF244321}">
-                <p14:modId xmlns:p14="http://schemas.microsoft.com/office/powerpoint/2010/main" val="3580161832"/>
+                <p14:modId xmlns:p14="http://schemas.microsoft.com/office/powerpoint/2010/main" val="3685866823"/>
               </p:ext>
             </p:extLst>
           </p:nvPr>
         </p:nvGraphicFramePr>
         <p:xfrm>
-          <a:off x="317169" y="4022066"/>
+          <a:off x="316991" y="3579933"/>
           <a:ext cx="4431105" cy="808401"/>
         </p:xfrm>
         <a:graphic>
@@ -15780,7 +15633,7 @@
                         <a:defRPr/>
                       </a:pPr>
                       <a:r>
-                        <a:rPr lang="en-US" sz="1700" b="0" kern="1200" baseline="0" dirty="0" smtClean="0">
+                        <a:rPr lang="en-US" sz="1700" b="0" kern="1200" baseline="0" dirty="0">
                           <a:solidFill>
                             <a:schemeClr val="tx1"/>
                           </a:solidFill>
@@ -15790,14 +15643,6 @@
                         </a:rPr>
                         <a:t>Naive</a:t>
                       </a:r>
-                      <a:endParaRPr lang="en-US" sz="1700" b="0" kern="1200" baseline="0" dirty="0">
-                        <a:solidFill>
-                          <a:schemeClr val="tx1"/>
-                        </a:solidFill>
-                        <a:latin typeface="+mn-lt"/>
-                        <a:ea typeface="+mn-ea"/>
-                        <a:cs typeface="+mn-cs"/>
-                      </a:endParaRPr>
                     </a:p>
                   </a:txBody>
                   <a:tcPr>
@@ -15868,7 +15713,7 @@
                         <a:defRPr/>
                       </a:pPr>
                       <a:r>
-                        <a:rPr lang="en-US" sz="1700" kern="1200" baseline="0" dirty="0" smtClean="0">
+                        <a:rPr lang="en-US" sz="1700" kern="1200" baseline="0" dirty="0">
                           <a:solidFill>
                             <a:schemeClr val="tx1"/>
                           </a:solidFill>
@@ -15878,14 +15723,6 @@
                         </a:rPr>
                         <a:t>Optimized</a:t>
                       </a:r>
-                      <a:endParaRPr lang="en-US" sz="1700" kern="1200" baseline="0" dirty="0">
-                        <a:solidFill>
-                          <a:schemeClr val="tx1"/>
-                        </a:solidFill>
-                        <a:latin typeface="+mn-lt"/>
-                        <a:ea typeface="+mn-ea"/>
-                        <a:cs typeface="+mn-cs"/>
-                      </a:endParaRPr>
                     </a:p>
                   </a:txBody>
                   <a:tcPr>
@@ -16074,7 +15911,7 @@
         </p:nvSpPr>
         <p:spPr>
           <a:xfrm>
-            <a:off x="316992" y="2264148"/>
+            <a:off x="316814" y="4571315"/>
             <a:ext cx="4133088" cy="257250"/>
           </a:xfrm>
           <a:prstGeom prst="rect">
@@ -16108,7 +15945,7 @@
         </p:nvSpPr>
         <p:spPr>
           <a:xfrm>
-            <a:off x="316992" y="3677259"/>
+            <a:off x="316814" y="3235126"/>
             <a:ext cx="4133088" cy="257250"/>
           </a:xfrm>
           <a:prstGeom prst="rect">
@@ -16160,12 +15997,441 @@
           </a:bodyPr>
           <a:lstStyle/>
           <a:p>
-            <a:endParaRPr lang="en-US" sz="1100" b="1" kern="900" spc="100" dirty="0" err="1" smtClean="0">
+            <a:endParaRPr lang="en-US" sz="1100" b="1" kern="900" spc="100" dirty="0" err="1">
               <a:solidFill>
                 <a:srgbClr val="000000"/>
               </a:solidFill>
               <a:latin typeface="+mn-lt"/>
             </a:endParaRPr>
+          </a:p>
+        </p:txBody>
+      </p:sp>
+      <p:graphicFrame>
+        <p:nvGraphicFramePr>
+          <p:cNvPr id="10" name="Table 9">
+            <a:extLst>
+              <a:ext uri="{FF2B5EF4-FFF2-40B4-BE49-F238E27FC236}">
+                <a16:creationId xmlns:a16="http://schemas.microsoft.com/office/drawing/2014/main" id="{0F7685DA-2AEA-44A6-8D29-D907B35DB11C}"/>
+              </a:ext>
+            </a:extLst>
+          </p:cNvPr>
+          <p:cNvGraphicFramePr>
+            <a:graphicFrameLocks noGrp="1"/>
+          </p:cNvGraphicFramePr>
+          <p:nvPr>
+            <p:extLst>
+              <p:ext uri="{D42A27DB-BD31-4B8C-83A1-F6EECF244321}">
+                <p14:modId xmlns:p14="http://schemas.microsoft.com/office/powerpoint/2010/main" val="546111945"/>
+              </p:ext>
+            </p:extLst>
+          </p:nvPr>
+        </p:nvGraphicFramePr>
+        <p:xfrm>
+          <a:off x="316992" y="2220516"/>
+          <a:ext cx="4431105" cy="808401"/>
+        </p:xfrm>
+        <a:graphic>
+          <a:graphicData uri="http://schemas.openxmlformats.org/drawingml/2006/table">
+            <a:tbl>
+              <a:tblPr firstRow="1" bandRow="1">
+                <a:tableStyleId>{2D5ABB26-0587-4C30-8999-92F81FD0307C}</a:tableStyleId>
+              </a:tblPr>
+              <a:tblGrid>
+                <a:gridCol w="1926802">
+                  <a:extLst>
+                    <a:ext uri="{9D8B030D-6E8A-4147-A177-3AD203B41FA5}">
+                      <a16:colId xmlns:a16="http://schemas.microsoft.com/office/drawing/2014/main" val="1117280656"/>
+                    </a:ext>
+                  </a:extLst>
+                </a:gridCol>
+                <a:gridCol w="2504303">
+                  <a:extLst>
+                    <a:ext uri="{9D8B030D-6E8A-4147-A177-3AD203B41FA5}">
+                      <a16:colId xmlns:a16="http://schemas.microsoft.com/office/drawing/2014/main" val="1195562751"/>
+                    </a:ext>
+                  </a:extLst>
+                </a:gridCol>
+              </a:tblGrid>
+              <a:tr h="426607">
+                <a:tc>
+                  <a:txBody>
+                    <a:bodyPr/>
+                    <a:lstStyle/>
+                    <a:p>
+                      <a:pPr marL="0" marR="0" lvl="0" indent="0" algn="l" defTabSz="914400" rtl="0" eaLnBrk="1" fontAlgn="auto" latinLnBrk="0" hangingPunct="1">
+                        <a:lnSpc>
+                          <a:spcPct val="100000"/>
+                        </a:lnSpc>
+                        <a:spcBef>
+                          <a:spcPts val="0"/>
+                        </a:spcBef>
+                        <a:spcAft>
+                          <a:spcPts val="0"/>
+                        </a:spcAft>
+                        <a:buClrTx/>
+                        <a:buSzTx/>
+                        <a:buFontTx/>
+                        <a:buNone/>
+                        <a:tabLst/>
+                        <a:defRPr/>
+                      </a:pPr>
+                      <a:r>
+                        <a:rPr lang="en-US" sz="1700" kern="1200" baseline="0" dirty="0">
+                          <a:solidFill>
+                            <a:schemeClr val="tx1"/>
+                          </a:solidFill>
+                          <a:latin typeface="+mn-lt"/>
+                          <a:ea typeface="+mn-ea"/>
+                          <a:cs typeface="+mn-cs"/>
+                        </a:rPr>
+                        <a:t>aff3c</a:t>
+                      </a:r>
+                      <a:r>
+                        <a:rPr lang="en-US" sz="1700" b="0" kern="1200" baseline="0" dirty="0">
+                          <a:solidFill>
+                            <a:schemeClr val="tx1"/>
+                          </a:solidFill>
+                          <a:latin typeface="+mn-lt"/>
+                          <a:ea typeface="+mn-ea"/>
+                          <a:cs typeface="+mn-cs"/>
+                        </a:rPr>
+                        <a:t>t</a:t>
+                      </a:r>
+                      <a:r>
+                        <a:rPr lang="en-US" sz="1600" b="0" baseline="30000" dirty="0"/>
+                        <a:t>[1]</a:t>
+                      </a:r>
+                      <a:r>
+                        <a:rPr lang="en-US" sz="1600" b="0" dirty="0"/>
+                        <a:t> (No</a:t>
+                      </a:r>
+                      <a:r>
+                        <a:rPr lang="en-US" sz="1600" b="0" baseline="0" dirty="0"/>
+                        <a:t> SIMD)</a:t>
+                      </a:r>
+                      <a:endParaRPr lang="en-US" sz="1700" b="0" kern="1200" baseline="0" dirty="0">
+                        <a:solidFill>
+                          <a:schemeClr val="tx1"/>
+                        </a:solidFill>
+                        <a:latin typeface="+mn-lt"/>
+                        <a:ea typeface="+mn-ea"/>
+                        <a:cs typeface="+mn-cs"/>
+                      </a:endParaRPr>
+                    </a:p>
+                  </a:txBody>
+                  <a:tcPr>
+                    <a:lnL w="12700" cap="flat" cmpd="sng" algn="ctr">
+                      <a:solidFill>
+                        <a:schemeClr val="tx1"/>
+                      </a:solidFill>
+                      <a:prstDash val="solid"/>
+                      <a:round/>
+                      <a:headEnd type="none" w="med" len="med"/>
+                      <a:tailEnd type="none" w="med" len="med"/>
+                    </a:lnL>
+                    <a:lnR w="12700" cap="flat" cmpd="sng" algn="ctr">
+                      <a:solidFill>
+                        <a:schemeClr val="tx1"/>
+                      </a:solidFill>
+                      <a:prstDash val="solid"/>
+                      <a:round/>
+                      <a:headEnd type="none" w="med" len="med"/>
+                      <a:tailEnd type="none" w="med" len="med"/>
+                    </a:lnR>
+                    <a:lnT w="12700" cap="flat" cmpd="sng" algn="ctr">
+                      <a:solidFill>
+                        <a:schemeClr val="tx1"/>
+                      </a:solidFill>
+                      <a:prstDash val="solid"/>
+                      <a:round/>
+                      <a:headEnd type="none" w="med" len="med"/>
+                      <a:tailEnd type="none" w="med" len="med"/>
+                    </a:lnT>
+                    <a:lnB w="12700" cap="flat" cmpd="sng" algn="ctr">
+                      <a:solidFill>
+                        <a:schemeClr val="tx1"/>
+                      </a:solidFill>
+                      <a:prstDash val="solid"/>
+                      <a:round/>
+                      <a:headEnd type="none" w="med" len="med"/>
+                      <a:tailEnd type="none" w="med" len="med"/>
+                    </a:lnB>
+                    <a:solidFill>
+                      <a:schemeClr val="bg2">
+                        <a:lumMod val="40000"/>
+                        <a:lumOff val="60000"/>
+                      </a:schemeClr>
+                    </a:solidFill>
+                  </a:tcPr>
+                </a:tc>
+                <a:tc>
+                  <a:txBody>
+                    <a:bodyPr/>
+                    <a:lstStyle/>
+                    <a:p>
+                      <a:pPr marL="0" marR="0" lvl="0" indent="0" algn="l" defTabSz="914400" rtl="0" eaLnBrk="1" fontAlgn="auto" latinLnBrk="0" hangingPunct="1">
+                        <a:lnSpc>
+                          <a:spcPct val="100000"/>
+                        </a:lnSpc>
+                        <a:spcBef>
+                          <a:spcPts val="0"/>
+                        </a:spcBef>
+                        <a:spcAft>
+                          <a:spcPts val="0"/>
+                        </a:spcAft>
+                        <a:buClrTx/>
+                        <a:buSzTx/>
+                        <a:buFontTx/>
+                        <a:buNone/>
+                        <a:tabLst/>
+                        <a:defRPr/>
+                      </a:pPr>
+                      <a:r>
+                        <a:rPr lang="en-US" sz="1700" kern="1200" baseline="0" dirty="0">
+                          <a:solidFill>
+                            <a:schemeClr val="tx1"/>
+                          </a:solidFill>
+                          <a:latin typeface="+mn-lt"/>
+                          <a:ea typeface="+mn-ea"/>
+                          <a:cs typeface="+mn-cs"/>
+                        </a:rPr>
+                        <a:t>Current implementation</a:t>
+                      </a:r>
+                    </a:p>
+                  </a:txBody>
+                  <a:tcPr>
+                    <a:lnL w="12700" cap="flat" cmpd="sng" algn="ctr">
+                      <a:solidFill>
+                        <a:schemeClr val="tx1"/>
+                      </a:solidFill>
+                      <a:prstDash val="solid"/>
+                      <a:round/>
+                      <a:headEnd type="none" w="med" len="med"/>
+                      <a:tailEnd type="none" w="med" len="med"/>
+                    </a:lnL>
+                    <a:lnR w="12700" cap="flat" cmpd="sng" algn="ctr">
+                      <a:solidFill>
+                        <a:schemeClr val="tx1"/>
+                      </a:solidFill>
+                      <a:prstDash val="solid"/>
+                      <a:round/>
+                      <a:headEnd type="none" w="med" len="med"/>
+                      <a:tailEnd type="none" w="med" len="med"/>
+                    </a:lnR>
+                    <a:lnT w="12700" cap="flat" cmpd="sng" algn="ctr">
+                      <a:solidFill>
+                        <a:schemeClr val="tx1"/>
+                      </a:solidFill>
+                      <a:prstDash val="solid"/>
+                      <a:round/>
+                      <a:headEnd type="none" w="med" len="med"/>
+                      <a:tailEnd type="none" w="med" len="med"/>
+                    </a:lnT>
+                    <a:lnB w="12700" cap="flat" cmpd="sng" algn="ctr">
+                      <a:solidFill>
+                        <a:schemeClr val="tx1"/>
+                      </a:solidFill>
+                      <a:prstDash val="solid"/>
+                      <a:round/>
+                      <a:headEnd type="none" w="med" len="med"/>
+                      <a:tailEnd type="none" w="med" len="med"/>
+                    </a:lnB>
+                    <a:solidFill>
+                      <a:schemeClr val="bg2">
+                        <a:lumMod val="40000"/>
+                        <a:lumOff val="60000"/>
+                      </a:schemeClr>
+                    </a:solidFill>
+                  </a:tcPr>
+                </a:tc>
+                <a:extLst>
+                  <a:ext uri="{0D108BD9-81ED-4DB2-BD59-A6C34878D82A}">
+                    <a16:rowId xmlns:a16="http://schemas.microsoft.com/office/drawing/2014/main" val="2279112131"/>
+                  </a:ext>
+                </a:extLst>
+              </a:tr>
+              <a:tr h="381794">
+                <a:tc>
+                  <a:txBody>
+                    <a:bodyPr/>
+                    <a:lstStyle/>
+                    <a:p>
+                      <a:r>
+                        <a:rPr lang="en-US" sz="1600" dirty="0"/>
+                        <a:t>5.6 </a:t>
+                      </a:r>
+                      <a:r>
+                        <a:rPr lang="el-GR" sz="1600" dirty="0"/>
+                        <a:t>μ</a:t>
+                      </a:r>
+                      <a:r>
+                        <a:rPr lang="en-US" sz="1600" dirty="0"/>
+                        <a:t>s</a:t>
+                      </a:r>
+                    </a:p>
+                  </a:txBody>
+                  <a:tcPr>
+                    <a:lnL w="12700" cap="flat" cmpd="sng" algn="ctr">
+                      <a:solidFill>
+                        <a:schemeClr val="tx1"/>
+                      </a:solidFill>
+                      <a:prstDash val="solid"/>
+                      <a:round/>
+                      <a:headEnd type="none" w="med" len="med"/>
+                      <a:tailEnd type="none" w="med" len="med"/>
+                    </a:lnL>
+                    <a:lnR w="12700" cap="flat" cmpd="sng" algn="ctr">
+                      <a:solidFill>
+                        <a:schemeClr val="tx1"/>
+                      </a:solidFill>
+                      <a:prstDash val="solid"/>
+                      <a:round/>
+                      <a:headEnd type="none" w="med" len="med"/>
+                      <a:tailEnd type="none" w="med" len="med"/>
+                    </a:lnR>
+                    <a:lnT w="12700" cap="flat" cmpd="sng" algn="ctr">
+                      <a:solidFill>
+                        <a:schemeClr val="tx1"/>
+                      </a:solidFill>
+                      <a:prstDash val="solid"/>
+                      <a:round/>
+                      <a:headEnd type="none" w="med" len="med"/>
+                      <a:tailEnd type="none" w="med" len="med"/>
+                    </a:lnT>
+                    <a:lnB w="12700" cap="flat" cmpd="sng" algn="ctr">
+                      <a:solidFill>
+                        <a:schemeClr val="tx1"/>
+                      </a:solidFill>
+                      <a:prstDash val="solid"/>
+                      <a:round/>
+                      <a:headEnd type="none" w="med" len="med"/>
+                      <a:tailEnd type="none" w="med" len="med"/>
+                    </a:lnB>
+                  </a:tcPr>
+                </a:tc>
+                <a:tc>
+                  <a:txBody>
+                    <a:bodyPr/>
+                    <a:lstStyle/>
+                    <a:p>
+                      <a:r>
+                        <a:rPr lang="en-US" sz="1600" dirty="0"/>
+                        <a:t>0.24 </a:t>
+                      </a:r>
+                      <a:r>
+                        <a:rPr lang="el-GR" sz="1600" dirty="0"/>
+                        <a:t>μ</a:t>
+                      </a:r>
+                      <a:r>
+                        <a:rPr lang="en-US" sz="1600" dirty="0"/>
+                        <a:t>s</a:t>
+                      </a:r>
+                    </a:p>
+                  </a:txBody>
+                  <a:tcPr>
+                    <a:lnL w="12700" cap="flat" cmpd="sng" algn="ctr">
+                      <a:solidFill>
+                        <a:schemeClr val="tx1"/>
+                      </a:solidFill>
+                      <a:prstDash val="solid"/>
+                      <a:round/>
+                      <a:headEnd type="none" w="med" len="med"/>
+                      <a:tailEnd type="none" w="med" len="med"/>
+                    </a:lnL>
+                    <a:lnR w="12700" cap="flat" cmpd="sng" algn="ctr">
+                      <a:solidFill>
+                        <a:schemeClr val="tx1"/>
+                      </a:solidFill>
+                      <a:prstDash val="solid"/>
+                      <a:round/>
+                      <a:headEnd type="none" w="med" len="med"/>
+                      <a:tailEnd type="none" w="med" len="med"/>
+                    </a:lnR>
+                    <a:lnT w="12700" cap="flat" cmpd="sng" algn="ctr">
+                      <a:solidFill>
+                        <a:schemeClr val="tx1"/>
+                      </a:solidFill>
+                      <a:prstDash val="solid"/>
+                      <a:round/>
+                      <a:headEnd type="none" w="med" len="med"/>
+                      <a:tailEnd type="none" w="med" len="med"/>
+                    </a:lnT>
+                    <a:lnB w="12700" cap="flat" cmpd="sng" algn="ctr">
+                      <a:solidFill>
+                        <a:schemeClr val="tx1"/>
+                      </a:solidFill>
+                      <a:prstDash val="solid"/>
+                      <a:round/>
+                      <a:headEnd type="none" w="med" len="med"/>
+                      <a:tailEnd type="none" w="med" len="med"/>
+                    </a:lnB>
+                  </a:tcPr>
+                </a:tc>
+                <a:extLst>
+                  <a:ext uri="{0D108BD9-81ED-4DB2-BD59-A6C34878D82A}">
+                    <a16:rowId xmlns:a16="http://schemas.microsoft.com/office/drawing/2014/main" val="1935748397"/>
+                  </a:ext>
+                </a:extLst>
+              </a:tr>
+            </a:tbl>
+          </a:graphicData>
+        </a:graphic>
+      </p:graphicFrame>
+      <p:sp>
+        <p:nvSpPr>
+          <p:cNvPr id="11" name="Footer Placeholder 14">
+            <a:extLst>
+              <a:ext uri="{FF2B5EF4-FFF2-40B4-BE49-F238E27FC236}">
+                <a16:creationId xmlns:a16="http://schemas.microsoft.com/office/drawing/2014/main" id="{0FC89188-072E-423E-8C64-DDE664C48B1D}"/>
+              </a:ext>
+            </a:extLst>
+          </p:cNvPr>
+          <p:cNvSpPr>
+            <a:spLocks noGrp="1"/>
+          </p:cNvSpPr>
+          <p:nvPr>
+            <p:ph type="ftr" sz="quarter" idx="12"/>
+          </p:nvPr>
+        </p:nvSpPr>
+        <p:spPr>
+          <a:xfrm>
+            <a:off x="318008" y="6404588"/>
+            <a:ext cx="8265818" cy="251287"/>
+          </a:xfrm>
+        </p:spPr>
+        <p:txBody>
+          <a:bodyPr/>
+          <a:lstStyle/>
+          <a:p>
+            <a:pPr marL="342900" indent="-342900">
+              <a:buFont typeface="+mj-lt"/>
+              <a:buAutoNum type="arabicPeriod"/>
+            </a:pPr>
+            <a:r>
+              <a:rPr lang="en-US" dirty="0">
+                <a:solidFill>
+                  <a:srgbClr val="000000"/>
+                </a:solidFill>
+              </a:rPr>
+              <a:t>A Fast Forward Error Correction Toolbox (</a:t>
+            </a:r>
+            <a:r>
+              <a:rPr lang="en-US" dirty="0">
+                <a:solidFill>
+                  <a:srgbClr val="000000"/>
+                </a:solidFill>
+                <a:hlinkClick r:id="rId5"/>
+              </a:rPr>
+              <a:t>http://aff3ct.github.io/</a:t>
+            </a:r>
+            <a:r>
+              <a:rPr lang="en-US" dirty="0">
+                <a:solidFill>
+                  <a:srgbClr val="000000"/>
+                </a:solidFill>
+              </a:rPr>
+              <a:t>) (No SIMD optimization)</a:t>
+            </a:r>
           </a:p>
         </p:txBody>
       </p:sp>
@@ -16264,15 +16530,7 @@
                   <a:schemeClr val="bg2"/>
                 </a:solidFill>
               </a:rPr>
-              <a:t>Decoding FEC </a:t>
-            </a:r>
-            <a:r>
-              <a:rPr lang="en-IN" dirty="0" smtClean="0">
-                <a:solidFill>
-                  <a:schemeClr val="bg2"/>
-                </a:solidFill>
-              </a:rPr>
-              <a:t>Chain</a:t>
+              <a:t>Decoding FEC Chain</a:t>
             </a:r>
             <a:endParaRPr lang="en-US" dirty="0">
               <a:solidFill>
@@ -16376,7 +16634,7 @@
           </a:bodyPr>
           <a:lstStyle/>
           <a:p>
-            <a:endParaRPr lang="en-US" sz="1100" b="1" kern="900" spc="100" dirty="0" err="1" smtClean="0">
+            <a:endParaRPr lang="en-US" sz="1100" b="1" kern="900" spc="100" dirty="0" err="1">
               <a:solidFill>
                 <a:srgbClr val="000000"/>
               </a:solidFill>
@@ -16696,7 +16954,7 @@
           <a:lstStyle/>
           <a:p>
             <a:r>
-              <a:rPr lang="en-US" dirty="0" smtClean="0">
+              <a:rPr lang="en-US" dirty="0">
                 <a:solidFill>
                   <a:schemeClr val="bg2"/>
                 </a:solidFill>
@@ -16709,15 +16967,7 @@
                   <a:schemeClr val="bg2"/>
                 </a:solidFill>
               </a:rPr>
-              <a:t>D</a:t>
-            </a:r>
-            <a:r>
-              <a:rPr lang="en-US" dirty="0" err="1" smtClean="0">
-                <a:solidFill>
-                  <a:schemeClr val="bg2"/>
-                </a:solidFill>
-              </a:rPr>
-              <a:t>einterleaver</a:t>
+              <a:t>Deinterleaver</a:t>
             </a:r>
             <a:endParaRPr lang="en-US" dirty="0">
               <a:solidFill>
@@ -16783,7 +17033,7 @@
           </a:bodyPr>
           <a:lstStyle/>
           <a:p>
-            <a:endParaRPr lang="en-US" sz="1100" b="1" kern="900" spc="100" dirty="0" err="1" smtClean="0">
+            <a:endParaRPr lang="en-US" sz="1100" b="1" kern="900" spc="100" dirty="0" err="1">
               <a:solidFill>
                 <a:srgbClr val="000000"/>
               </a:solidFill>
@@ -16825,8 +17075,8 @@
           <a:chExt cx="0" cy="0"/>
         </a:xfrm>
       </p:grpSpPr>
-      <mc:AlternateContent xmlns:mc="http://schemas.openxmlformats.org/markup-compatibility/2006">
-        <mc:Choice xmlns:a14="http://schemas.microsoft.com/office/drawing/2010/main" Requires="a14">
+      <mc:AlternateContent xmlns:mc="http://schemas.openxmlformats.org/markup-compatibility/2006" xmlns:a14="http://schemas.microsoft.com/office/drawing/2010/main">
+        <mc:Choice Requires="a14">
           <p:sp>
             <p:nvSpPr>
               <p:cNvPr id="2" name="Content Placeholder 1"/>
@@ -17155,7 +17405,7 @@
             </p:txBody>
           </p:sp>
         </mc:Choice>
-        <mc:Fallback>
+        <mc:Fallback xmlns="">
           <p:sp>
             <p:nvSpPr>
               <p:cNvPr id="2" name="Content Placeholder 1"/>
@@ -17243,37 +17493,8 @@
                   <a:schemeClr val="bg2"/>
                 </a:solidFill>
               </a:rPr>
-              <a:t>Decoding: Optimized CN, VN and </a:t>
-            </a:r>
-            <a:r>
-              <a:rPr lang="en-US" dirty="0" smtClean="0">
-                <a:solidFill>
-                  <a:schemeClr val="bg2"/>
-                </a:solidFill>
-              </a:rPr>
-              <a:t>Bit </a:t>
-            </a:r>
-            <a:r>
-              <a:rPr lang="en-US" dirty="0">
-                <a:solidFill>
-                  <a:schemeClr val="bg2"/>
-                </a:solidFill>
-              </a:rPr>
-              <a:t>C</a:t>
-            </a:r>
-            <a:r>
-              <a:rPr lang="en-US" dirty="0" smtClean="0">
-                <a:solidFill>
-                  <a:schemeClr val="bg2"/>
-                </a:solidFill>
-              </a:rPr>
-              <a:t>ombination</a:t>
-            </a:r>
-            <a:endParaRPr lang="en-US" dirty="0">
-              <a:solidFill>
-                <a:schemeClr val="bg2"/>
-              </a:solidFill>
-            </a:endParaRPr>
+              <a:t>Decoding: Optimized CN, VN and Bit Combination</a:t>
+            </a:r>
           </a:p>
         </p:txBody>
       </p:sp>
@@ -18204,8 +18425,8 @@
           </p:sp>
         </mc:Fallback>
       </mc:AlternateContent>
-      <mc:AlternateContent xmlns:mc="http://schemas.openxmlformats.org/markup-compatibility/2006">
-        <mc:Choice xmlns:a14="http://schemas.microsoft.com/office/drawing/2010/main" Requires="a14">
+      <mc:AlternateContent xmlns:mc="http://schemas.openxmlformats.org/markup-compatibility/2006" xmlns:a14="http://schemas.microsoft.com/office/drawing/2010/main">
+        <mc:Choice Requires="a14">
           <p:sp>
             <p:nvSpPr>
               <p:cNvPr id="457" name="Content Placeholder 1"/>
@@ -19425,7 +19646,7 @@
             </p:txBody>
           </p:sp>
         </mc:Choice>
-        <mc:Fallback>
+        <mc:Fallback xmlns="">
           <p:sp>
             <p:nvSpPr>
               <p:cNvPr id="457" name="Content Placeholder 1"/>
@@ -19496,7 +19717,7 @@
           </a:bodyPr>
           <a:lstStyle/>
           <a:p>
-            <a:endParaRPr lang="en-US" sz="1100" b="1" kern="900" spc="100" dirty="0" err="1" smtClean="0">
+            <a:endParaRPr lang="en-US" sz="1100" b="1" kern="900" spc="100" dirty="0" err="1">
               <a:solidFill>
                 <a:srgbClr val="000000"/>
               </a:solidFill>
@@ -20150,37 +20371,8 @@
                   <a:schemeClr val="bg2"/>
                 </a:solidFill>
               </a:rPr>
-              <a:t>Packing </a:t>
-            </a:r>
-            <a:r>
-              <a:rPr lang="en-US" dirty="0" smtClean="0">
-                <a:solidFill>
-                  <a:schemeClr val="bg2"/>
-                </a:solidFill>
-              </a:rPr>
-              <a:t>Frozen </a:t>
-            </a:r>
-            <a:r>
-              <a:rPr lang="en-US" dirty="0">
-                <a:solidFill>
-                  <a:schemeClr val="bg2"/>
-                </a:solidFill>
-              </a:rPr>
-              <a:t>P</a:t>
-            </a:r>
-            <a:r>
-              <a:rPr lang="en-US" dirty="0" smtClean="0">
-                <a:solidFill>
-                  <a:schemeClr val="bg2"/>
-                </a:solidFill>
-              </a:rPr>
-              <a:t>attern</a:t>
-            </a:r>
-            <a:endParaRPr lang="en-US" dirty="0">
-              <a:solidFill>
-                <a:schemeClr val="bg2"/>
-              </a:solidFill>
-            </a:endParaRPr>
+              <a:t>Packing Frozen Pattern</a:t>
+            </a:r>
           </a:p>
         </p:txBody>
       </p:sp>
@@ -20655,7 +20847,7 @@
           </a:bodyPr>
           <a:lstStyle/>
           <a:p>
-            <a:endParaRPr lang="en-US" sz="1100" b="1" kern="900" spc="100" dirty="0" err="1" smtClean="0">
+            <a:endParaRPr lang="en-US" sz="1100" b="1" kern="900" spc="100" dirty="0" err="1">
               <a:solidFill>
                 <a:srgbClr val="000000"/>
               </a:solidFill>
@@ -20916,7 +21108,7 @@
           </a:bodyPr>
           <a:lstStyle/>
           <a:p>
-            <a:endParaRPr lang="en-US" sz="1100" b="1" kern="900" spc="100" dirty="0" err="1" smtClean="0">
+            <a:endParaRPr lang="en-US" sz="1100" b="1" kern="900" spc="100" dirty="0" err="1">
               <a:solidFill>
                 <a:srgbClr val="000000"/>
               </a:solidFill>
@@ -21287,29 +21479,8 @@
                   <a:schemeClr val="bg2"/>
                 </a:solidFill>
               </a:rPr>
-              <a:t>Decoding R0 and R1 </a:t>
-            </a:r>
-            <a:r>
-              <a:rPr lang="en-US" dirty="0">
-                <a:solidFill>
-                  <a:schemeClr val="bg2"/>
-                </a:solidFill>
-              </a:rPr>
-              <a:t>N</a:t>
-            </a:r>
-            <a:r>
-              <a:rPr lang="en-US" dirty="0" smtClean="0">
-                <a:solidFill>
-                  <a:schemeClr val="bg2"/>
-                </a:solidFill>
-              </a:rPr>
-              <a:t>odes</a:t>
-            </a:r>
-            <a:endParaRPr lang="en-US" dirty="0">
-              <a:solidFill>
-                <a:schemeClr val="bg2"/>
-              </a:solidFill>
-            </a:endParaRPr>
+              <a:t>Decoding R0 and R1 Nodes</a:t>
+            </a:r>
           </a:p>
         </p:txBody>
       </p:sp>
@@ -21339,7 +21510,7 @@
           </a:bodyPr>
           <a:lstStyle/>
           <a:p>
-            <a:endParaRPr lang="en-US" sz="1100" b="1" kern="900" spc="100" dirty="0" err="1" smtClean="0">
+            <a:endParaRPr lang="en-US" sz="1100" b="1" kern="900" spc="100" dirty="0" err="1">
               <a:solidFill>
                 <a:srgbClr val="000000"/>
               </a:solidFill>
@@ -21907,7 +22078,7 @@
           </a:bodyPr>
           <a:lstStyle/>
           <a:p>
-            <a:endParaRPr lang="en-US" sz="1100" b="1" kern="900" spc="100" dirty="0" err="1" smtClean="0">
+            <a:endParaRPr lang="en-US" sz="1100" b="1" kern="900" spc="100" dirty="0" err="1">
               <a:solidFill>
                 <a:srgbClr val="000000"/>
               </a:solidFill>
@@ -21999,21 +22170,8 @@
                   <a:schemeClr val="bg2"/>
                 </a:solidFill>
               </a:rPr>
-              <a:t>Decoding SPC </a:t>
-            </a:r>
-            <a:r>
-              <a:rPr lang="en-US" dirty="0" smtClean="0">
-                <a:solidFill>
-                  <a:schemeClr val="bg2"/>
-                </a:solidFill>
-              </a:rPr>
-              <a:t>Node</a:t>
-            </a:r>
-            <a:endParaRPr lang="en-US" dirty="0">
-              <a:solidFill>
-                <a:schemeClr val="bg2"/>
-              </a:solidFill>
-            </a:endParaRPr>
+              <a:t>Decoding SPC Node</a:t>
+            </a:r>
           </a:p>
         </p:txBody>
       </p:sp>
@@ -23007,7 +23165,7 @@
           </a:bodyPr>
           <a:lstStyle/>
           <a:p>
-            <a:endParaRPr lang="en-US" sz="1100" b="1" kern="900" spc="100" dirty="0" err="1" smtClean="0">
+            <a:endParaRPr lang="en-US" sz="1100" b="1" kern="900" spc="100" dirty="0" err="1">
               <a:solidFill>
                 <a:srgbClr val="000000"/>
               </a:solidFill>
@@ -23214,69 +23372,8 @@
                   <a:schemeClr val="bg2"/>
                 </a:solidFill>
               </a:rPr>
-              <a:t>Decoder </a:t>
-            </a:r>
-            <a:r>
-              <a:rPr lang="en-US" dirty="0" smtClean="0">
-                <a:solidFill>
-                  <a:schemeClr val="bg2"/>
-                </a:solidFill>
-              </a:rPr>
-              <a:t>Tree </a:t>
-            </a:r>
-            <a:r>
-              <a:rPr lang="en-US" dirty="0">
-                <a:solidFill>
-                  <a:schemeClr val="bg2"/>
-                </a:solidFill>
-              </a:rPr>
-              <a:t>P</a:t>
-            </a:r>
-            <a:r>
-              <a:rPr lang="en-US" dirty="0" smtClean="0">
-                <a:solidFill>
-                  <a:schemeClr val="bg2"/>
-                </a:solidFill>
-              </a:rPr>
-              <a:t>runing </a:t>
-            </a:r>
-            <a:r>
-              <a:rPr lang="en-US" dirty="0">
-                <a:solidFill>
-                  <a:schemeClr val="bg2"/>
-                </a:solidFill>
-              </a:rPr>
-              <a:t>and </a:t>
-            </a:r>
-            <a:r>
-              <a:rPr lang="en-US" dirty="0" smtClean="0">
-                <a:solidFill>
-                  <a:schemeClr val="bg2"/>
-                </a:solidFill>
-              </a:rPr>
-              <a:t>Unrolling </a:t>
-            </a:r>
-            <a:r>
-              <a:rPr lang="en-US" dirty="0">
-                <a:solidFill>
-                  <a:schemeClr val="bg2"/>
-                </a:solidFill>
-              </a:rPr>
-              <a:t>R</a:t>
-            </a:r>
-            <a:r>
-              <a:rPr lang="en-US" dirty="0" smtClean="0">
-                <a:solidFill>
-                  <a:schemeClr val="bg2"/>
-                </a:solidFill>
-              </a:rPr>
-              <a:t>ecursion</a:t>
-            </a:r>
-            <a:endParaRPr lang="en-US" dirty="0">
-              <a:solidFill>
-                <a:schemeClr val="bg2"/>
-              </a:solidFill>
-            </a:endParaRPr>
+              <a:t>Decoder Tree Pruning and Unrolling Recursion</a:t>
+            </a:r>
           </a:p>
         </p:txBody>
       </p:sp>
@@ -23336,7 +23433,7 @@
           </a:bodyPr>
           <a:lstStyle/>
           <a:p>
-            <a:endParaRPr lang="en-US" sz="1100" b="1" kern="900" spc="100" dirty="0" err="1" smtClean="0">
+            <a:endParaRPr lang="en-US" sz="1100" b="1" kern="900" spc="100" dirty="0" err="1">
               <a:solidFill>
                 <a:srgbClr val="000000"/>
               </a:solidFill>
@@ -23399,7 +23496,7 @@
             </a:pPr>
             <a:r>
               <a:rPr lang="en-US" dirty="0"/>
-              <a:t>PBCH and PDCCH channels need to calculate </a:t>
+              <a:t>Encoding FEC chain need to calculate </a:t>
             </a:r>
             <a:r>
               <a:rPr lang="en-US" i="1" dirty="0"/>
@@ -23418,7 +23515,7 @@
             </a:pPr>
             <a:r>
               <a:rPr lang="en-US" dirty="0"/>
-              <a:t>PUCCH and PUSCH channels calculate </a:t>
+              <a:t>Decoding FEC chain calculates </a:t>
             </a:r>
             <a:r>
               <a:rPr lang="en-US" i="1" dirty="0"/>
@@ -23561,21 +23658,8 @@
                   <a:schemeClr val="bg2"/>
                 </a:solidFill>
               </a:rPr>
-              <a:t>CRC </a:t>
-            </a:r>
-            <a:r>
-              <a:rPr lang="en-US" dirty="0" smtClean="0">
-                <a:solidFill>
-                  <a:schemeClr val="bg2"/>
-                </a:solidFill>
-              </a:rPr>
-              <a:t>Calculation</a:t>
-            </a:r>
-            <a:endParaRPr lang="en-US" dirty="0">
-              <a:solidFill>
-                <a:schemeClr val="bg2"/>
-              </a:solidFill>
-            </a:endParaRPr>
+              <a:t>CRC Calculation</a:t>
+            </a:r>
           </a:p>
         </p:txBody>
       </p:sp>
@@ -23652,7 +23736,7 @@
           </a:bodyPr>
           <a:lstStyle/>
           <a:p>
-            <a:endParaRPr lang="en-US" sz="1100" b="1" kern="900" spc="100" dirty="0" err="1" smtClean="0">
+            <a:endParaRPr lang="en-US" sz="1100" b="1" kern="900" spc="100" dirty="0" err="1">
               <a:solidFill>
                 <a:srgbClr val="000000"/>
               </a:solidFill>
@@ -23719,7 +23803,7 @@
               <a:buChar char="•"/>
             </a:pPr>
             <a:r>
-              <a:rPr lang="en-US" dirty="0" smtClean="0"/>
+              <a:rPr lang="en-US" dirty="0"/>
               <a:t>Replaced multiplication/division and modulus operations with bitwise operations which achieve the same result</a:t>
             </a:r>
           </a:p>
@@ -23730,15 +23814,7 @@
             </a:pPr>
             <a:r>
               <a:rPr lang="en-US" dirty="0"/>
-              <a:t>Implemented approximate versions </a:t>
-            </a:r>
-            <a:r>
-              <a:rPr lang="en-US" dirty="0" smtClean="0"/>
-              <a:t>logarithm and </a:t>
-            </a:r>
-            <a:r>
-              <a:rPr lang="en-US" dirty="0"/>
-              <a:t>exponential functions to reduce the number of floating point multiplications.</a:t>
+              <a:t>Implemented approximate versions logarithm and exponential functions to reduce the number of floating point multiplications.</a:t>
             </a:r>
           </a:p>
           <a:p>
@@ -23806,27 +23882,8 @@
                 <a:ea typeface="+mj-ea"/>
                 <a:cs typeface="+mj-cs"/>
               </a:rPr>
-              <a:t>ache </a:t>
-            </a:r>
-            <a:r>
-              <a:rPr lang="en-US" sz="1800" dirty="0" smtClean="0">
-                <a:solidFill>
-                  <a:schemeClr val="bg2"/>
-                </a:solidFill>
-                <a:latin typeface="+mj-lt"/>
-                <a:ea typeface="+mj-ea"/>
-                <a:cs typeface="+mj-cs"/>
-              </a:rPr>
-              <a:t>Prefetching</a:t>
-            </a:r>
-            <a:endParaRPr lang="en-US" sz="1800" dirty="0">
-              <a:solidFill>
-                <a:schemeClr val="bg2"/>
-              </a:solidFill>
-              <a:latin typeface="+mj-lt"/>
-              <a:ea typeface="+mj-ea"/>
-              <a:cs typeface="+mj-cs"/>
-            </a:endParaRPr>
+              <a:t>ache Prefetching</a:t>
+            </a:r>
           </a:p>
           <a:p>
             <a:pPr marL="461963" lvl="1" indent="-285750">
@@ -24800,7 +24857,7 @@
           </a:bodyPr>
           <a:lstStyle/>
           <a:p>
-            <a:endParaRPr lang="en-US" sz="1100" b="1" kern="900" spc="100" dirty="0" err="1" smtClean="0">
+            <a:endParaRPr lang="en-US" sz="1100" b="1" kern="900" spc="100" dirty="0" err="1">
               <a:solidFill>
                 <a:srgbClr val="000000"/>
               </a:solidFill>
@@ -24992,37 +25049,8 @@
                   <a:schemeClr val="bg2"/>
                 </a:solidFill>
               </a:rPr>
-              <a:t>Decoding </a:t>
-            </a:r>
-            <a:r>
-              <a:rPr lang="en-US" dirty="0" smtClean="0">
-                <a:solidFill>
-                  <a:schemeClr val="bg2"/>
-                </a:solidFill>
-              </a:rPr>
-              <a:t>Chain </a:t>
-            </a:r>
-            <a:r>
-              <a:rPr lang="en-US" dirty="0">
-                <a:solidFill>
-                  <a:schemeClr val="bg2"/>
-                </a:solidFill>
-              </a:rPr>
-              <a:t>R</a:t>
-            </a:r>
-            <a:r>
-              <a:rPr lang="en-US" dirty="0" smtClean="0">
-                <a:solidFill>
-                  <a:schemeClr val="bg2"/>
-                </a:solidFill>
-              </a:rPr>
-              <a:t>esults</a:t>
-            </a:r>
-            <a:endParaRPr lang="en-US" dirty="0">
-              <a:solidFill>
-                <a:schemeClr val="bg2"/>
-              </a:solidFill>
-            </a:endParaRPr>
+              <a:t>Decoding Chain Results</a:t>
+            </a:r>
           </a:p>
         </p:txBody>
       </p:sp>
@@ -25035,7 +25063,7 @@
           <p:nvPr>
             <p:extLst>
               <p:ext uri="{D42A27DB-BD31-4B8C-83A1-F6EECF244321}">
-                <p14:modId xmlns:p14="http://schemas.microsoft.com/office/powerpoint/2010/main" val="2611840937"/>
+                <p14:modId xmlns:p14="http://schemas.microsoft.com/office/powerpoint/2010/main" val="2926887609"/>
               </p:ext>
             </p:extLst>
           </p:nvPr>
@@ -25074,10 +25102,9 @@
                     <a:p>
                       <a:pPr algn="ctr"/>
                       <a:r>
-                        <a:rPr lang="en-US" sz="1700" baseline="0" dirty="0" smtClean="0"/>
+                        <a:rPr lang="en-US" sz="1700" baseline="0" dirty="0"/>
                         <a:t>Naive</a:t>
                       </a:r>
-                      <a:endParaRPr lang="en-US" sz="1700" baseline="0" dirty="0"/>
                     </a:p>
                   </a:txBody>
                   <a:tcPr>
@@ -25148,7 +25175,7 @@
                         <a:defRPr/>
                       </a:pPr>
                       <a:r>
-                        <a:rPr lang="en-US" sz="1700" kern="1200" baseline="0" dirty="0">
+                        <a:rPr lang="en-US" sz="1800" kern="1200" baseline="0" dirty="0">
                           <a:solidFill>
                             <a:schemeClr val="tx1"/>
                           </a:solidFill>
@@ -25156,8 +25183,16 @@
                           <a:ea typeface="+mn-ea"/>
                           <a:cs typeface="+mn-cs"/>
                         </a:rPr>
-                        <a:t>Current implementation</a:t>
+                        <a:t>Optimized</a:t>
                       </a:r>
+                      <a:endParaRPr lang="en-US" sz="1700" kern="1200" baseline="0" dirty="0">
+                        <a:solidFill>
+                          <a:schemeClr val="tx1"/>
+                        </a:solidFill>
+                        <a:latin typeface="+mn-lt"/>
+                        <a:ea typeface="+mn-ea"/>
+                        <a:cs typeface="+mn-cs"/>
+                      </a:endParaRPr>
                     </a:p>
                   </a:txBody>
                   <a:tcPr>
@@ -25866,7 +25901,7 @@
           <p:nvPr>
             <p:extLst>
               <p:ext uri="{D42A27DB-BD31-4B8C-83A1-F6EECF244321}">
-                <p14:modId xmlns:p14="http://schemas.microsoft.com/office/powerpoint/2010/main" val="3886015940"/>
+                <p14:modId xmlns:p14="http://schemas.microsoft.com/office/powerpoint/2010/main" val="2730348591"/>
               </p:ext>
             </p:extLst>
           </p:nvPr>
@@ -25921,7 +25956,7 @@
                         <a:defRPr/>
                       </a:pPr>
                       <a:r>
-                        <a:rPr lang="en-US" sz="1700" b="0" kern="1200" baseline="0" dirty="0" smtClean="0">
+                        <a:rPr lang="en-US" sz="1700" b="0" kern="1200" baseline="0" dirty="0">
                           <a:solidFill>
                             <a:schemeClr val="tx1"/>
                           </a:solidFill>
@@ -25931,14 +25966,6 @@
                         </a:rPr>
                         <a:t>Naive</a:t>
                       </a:r>
-                      <a:endParaRPr lang="en-US" sz="1700" b="0" kern="1200" baseline="0" dirty="0">
-                        <a:solidFill>
-                          <a:schemeClr val="tx1"/>
-                        </a:solidFill>
-                        <a:latin typeface="+mn-lt"/>
-                        <a:ea typeface="+mn-ea"/>
-                        <a:cs typeface="+mn-cs"/>
-                      </a:endParaRPr>
                     </a:p>
                   </a:txBody>
                   <a:tcPr>
@@ -26009,7 +26036,7 @@
                         <a:defRPr/>
                       </a:pPr>
                       <a:r>
-                        <a:rPr lang="en-US" sz="1700" kern="1200" baseline="0" dirty="0">
+                        <a:rPr lang="en-US" sz="1800" kern="1200" baseline="0" dirty="0">
                           <a:solidFill>
                             <a:schemeClr val="tx1"/>
                           </a:solidFill>
@@ -26017,8 +26044,16 @@
                           <a:ea typeface="+mn-ea"/>
                           <a:cs typeface="+mn-cs"/>
                         </a:rPr>
-                        <a:t>Current implementation</a:t>
+                        <a:t>Optimized</a:t>
                       </a:r>
+                      <a:endParaRPr lang="en-US" sz="1700" kern="1200" baseline="0" dirty="0">
+                        <a:solidFill>
+                          <a:schemeClr val="tx1"/>
+                        </a:solidFill>
+                        <a:latin typeface="+mn-lt"/>
+                        <a:ea typeface="+mn-ea"/>
+                        <a:cs typeface="+mn-cs"/>
+                      </a:endParaRPr>
                     </a:p>
                   </a:txBody>
                   <a:tcPr>
@@ -26353,7 +26388,7 @@
           </a:bodyPr>
           <a:lstStyle/>
           <a:p>
-            <a:endParaRPr lang="en-US" sz="1100" b="1" kern="900" spc="100" dirty="0" err="1" smtClean="0">
+            <a:endParaRPr lang="en-US" sz="1100" b="1" kern="900" spc="100" dirty="0" err="1">
               <a:solidFill>
                 <a:srgbClr val="000000"/>
               </a:solidFill>
@@ -27194,10 +27229,9 @@
               <a:t>CA-SCL</a:t>
             </a:r>
             <a:r>
-              <a:rPr lang="en-US" dirty="0" smtClean="0"/>
+              <a:rPr lang="en-US" dirty="0"/>
               <a:t>.</a:t>
             </a:r>
-            <a:endParaRPr lang="en-US" dirty="0"/>
           </a:p>
         </p:txBody>
       </p:sp>
@@ -27258,7 +27292,7 @@
           </a:bodyPr>
           <a:lstStyle/>
           <a:p>
-            <a:endParaRPr lang="en-US" sz="1100" b="1" kern="900" spc="100" dirty="0" err="1" smtClean="0">
+            <a:endParaRPr lang="en-US" sz="1100" b="1" kern="900" spc="100" dirty="0" err="1">
               <a:solidFill>
                 <a:srgbClr val="000000"/>
               </a:solidFill>
@@ -27431,7 +27465,7 @@
           <p:nvPr>
             <p:extLst>
               <p:ext uri="{D42A27DB-BD31-4B8C-83A1-F6EECF244321}">
-                <p14:modId xmlns:p14="http://schemas.microsoft.com/office/powerpoint/2010/main" val="1553624033"/>
+                <p14:modId xmlns:p14="http://schemas.microsoft.com/office/powerpoint/2010/main" val="2757398987"/>
               </p:ext>
             </p:extLst>
           </p:nvPr>
@@ -27471,7 +27505,7 @@
                       <a:pPr algn="ctr"/>
                       <a:r>
                         <a:rPr lang="en-US" sz="1000" baseline="0" dirty="0"/>
-                        <a:t>Functional</a:t>
+                        <a:t>Naive</a:t>
                       </a:r>
                     </a:p>
                   </a:txBody>
@@ -27551,7 +27585,7 @@
                           <a:ea typeface="+mn-ea"/>
                           <a:cs typeface="+mn-cs"/>
                         </a:rPr>
-                        <a:t>Current implementation</a:t>
+                        <a:t>Optimized</a:t>
                       </a:r>
                     </a:p>
                   </a:txBody>
@@ -28122,7 +28156,7 @@
           <p:nvPr>
             <p:extLst>
               <p:ext uri="{D42A27DB-BD31-4B8C-83A1-F6EECF244321}">
-                <p14:modId xmlns:p14="http://schemas.microsoft.com/office/powerpoint/2010/main" val="823442836"/>
+                <p14:modId xmlns:p14="http://schemas.microsoft.com/office/powerpoint/2010/main" val="1640815308"/>
               </p:ext>
             </p:extLst>
           </p:nvPr>
@@ -28177,7 +28211,7 @@
                         <a:defRPr/>
                       </a:pPr>
                       <a:r>
-                        <a:rPr lang="en-US" sz="1000" b="0" kern="1200" baseline="0" dirty="0">
+                        <a:rPr lang="en-IN" sz="1000" b="0" kern="1200" baseline="0" dirty="0">
                           <a:solidFill>
                             <a:schemeClr val="tx1"/>
                           </a:solidFill>
@@ -28185,8 +28219,27 @@
                           <a:ea typeface="+mn-ea"/>
                           <a:cs typeface="+mn-cs"/>
                         </a:rPr>
-                        <a:t>Functional</a:t>
+                        <a:t>N</a:t>
                       </a:r>
+                      <a:r>
+                        <a:rPr lang="en-US" sz="1000" b="0" kern="1200" baseline="0" dirty="0" err="1">
+                          <a:solidFill>
+                            <a:schemeClr val="tx1"/>
+                          </a:solidFill>
+                          <a:latin typeface="+mn-lt"/>
+                          <a:ea typeface="+mn-ea"/>
+                          <a:cs typeface="+mn-cs"/>
+                        </a:rPr>
+                        <a:t>aive</a:t>
+                      </a:r>
+                      <a:endParaRPr lang="en-US" sz="1000" b="0" kern="1200" baseline="0" dirty="0">
+                        <a:solidFill>
+                          <a:schemeClr val="tx1"/>
+                        </a:solidFill>
+                        <a:latin typeface="+mn-lt"/>
+                        <a:ea typeface="+mn-ea"/>
+                        <a:cs typeface="+mn-cs"/>
+                      </a:endParaRPr>
                     </a:p>
                   </a:txBody>
                   <a:tcPr>
@@ -28265,7 +28318,7 @@
                           <a:ea typeface="+mn-ea"/>
                           <a:cs typeface="+mn-cs"/>
                         </a:rPr>
-                        <a:t>Current implementation</a:t>
+                        <a:t>Optimized</a:t>
                       </a:r>
                     </a:p>
                   </a:txBody>
@@ -28526,13 +28579,13 @@
           <p:nvPr>
             <p:extLst>
               <p:ext uri="{D42A27DB-BD31-4B8C-83A1-F6EECF244321}">
-                <p14:modId xmlns:p14="http://schemas.microsoft.com/office/powerpoint/2010/main" val="4001067771"/>
+                <p14:modId xmlns:p14="http://schemas.microsoft.com/office/powerpoint/2010/main" val="739497216"/>
               </p:ext>
             </p:extLst>
           </p:nvPr>
         </p:nvGraphicFramePr>
         <p:xfrm>
-          <a:off x="343990" y="1577990"/>
+          <a:off x="343990" y="2440400"/>
           <a:ext cx="4431104" cy="487680"/>
         </p:xfrm>
         <a:graphic>
@@ -28564,9 +28617,14 @@
                     <a:lstStyle/>
                     <a:p>
                       <a:r>
-                        <a:rPr lang="en-US" sz="1000" baseline="0" dirty="0"/>
-                        <a:t>Functional</a:t>
+                        <a:rPr lang="en-IN" sz="1000" baseline="0" dirty="0"/>
+                        <a:t>N</a:t>
                       </a:r>
+                      <a:r>
+                        <a:rPr lang="en-US" sz="1000" baseline="0" dirty="0" err="1"/>
+                        <a:t>aive</a:t>
+                      </a:r>
+                      <a:endParaRPr lang="en-US" sz="1000" baseline="0" dirty="0"/>
                     </a:p>
                   </a:txBody>
                   <a:tcPr>
@@ -28645,7 +28703,7 @@
                           <a:ea typeface="+mn-ea"/>
                           <a:cs typeface="+mn-cs"/>
                         </a:rPr>
-                        <a:t>Current implementation</a:t>
+                        <a:t>Optimized</a:t>
                       </a:r>
                     </a:p>
                   </a:txBody>
@@ -28844,13 +28902,13 @@
           <p:nvPr>
             <p:extLst>
               <p:ext uri="{D42A27DB-BD31-4B8C-83A1-F6EECF244321}">
-                <p14:modId xmlns:p14="http://schemas.microsoft.com/office/powerpoint/2010/main" val="2574839223"/>
+                <p14:modId xmlns:p14="http://schemas.microsoft.com/office/powerpoint/2010/main" val="2241421960"/>
               </p:ext>
             </p:extLst>
           </p:nvPr>
         </p:nvGraphicFramePr>
         <p:xfrm>
-          <a:off x="343989" y="2338558"/>
+          <a:off x="343989" y="1667610"/>
           <a:ext cx="4431105" cy="487680"/>
         </p:xfrm>
         <a:graphic>
@@ -28899,7 +28957,7 @@
                         <a:defRPr/>
                       </a:pPr>
                       <a:r>
-                        <a:rPr lang="en-US" sz="1000" kern="1200" baseline="0" dirty="0">
+                        <a:rPr lang="en-IN" sz="1000" b="0" kern="1200" baseline="0" dirty="0">
                           <a:solidFill>
                             <a:schemeClr val="tx1"/>
                           </a:solidFill>
@@ -28907,7 +28965,18 @@
                           <a:ea typeface="+mn-ea"/>
                           <a:cs typeface="+mn-cs"/>
                         </a:rPr>
-                        <a:t>Functional</a:t>
+                        <a:t>N</a:t>
+                      </a:r>
+                      <a:r>
+                        <a:rPr lang="en-US" sz="1000" b="0" kern="1200" baseline="0" dirty="0" err="1">
+                          <a:solidFill>
+                            <a:schemeClr val="tx1"/>
+                          </a:solidFill>
+                          <a:latin typeface="+mn-lt"/>
+                          <a:ea typeface="+mn-ea"/>
+                          <a:cs typeface="+mn-cs"/>
+                        </a:rPr>
+                        <a:t>aive</a:t>
                       </a:r>
                       <a:endParaRPr lang="en-US" sz="1000" b="0" kern="1200" baseline="0" dirty="0">
                         <a:solidFill>
@@ -28995,7 +29064,7 @@
                           <a:ea typeface="+mn-ea"/>
                           <a:cs typeface="+mn-cs"/>
                         </a:rPr>
-                        <a:t>Current implementation</a:t>
+                        <a:t>Optimized</a:t>
                       </a:r>
                     </a:p>
                   </a:txBody>
@@ -29185,7 +29254,7 @@
         </p:nvSpPr>
         <p:spPr>
           <a:xfrm>
-            <a:off x="343812" y="1383744"/>
+            <a:off x="343812" y="2246154"/>
             <a:ext cx="4133088" cy="175433"/>
           </a:xfrm>
           <a:prstGeom prst="rect">
@@ -29219,7 +29288,7 @@
         </p:nvSpPr>
         <p:spPr>
           <a:xfrm>
-            <a:off x="343812" y="2125499"/>
+            <a:off x="343812" y="1454551"/>
             <a:ext cx="4133088" cy="175433"/>
           </a:xfrm>
           <a:prstGeom prst="rect">
@@ -29253,7 +29322,7 @@
         </p:nvSpPr>
         <p:spPr>
           <a:xfrm>
-            <a:off x="343812" y="3243552"/>
+            <a:off x="343812" y="3236048"/>
             <a:ext cx="4504432" cy="280718"/>
           </a:xfrm>
           <a:prstGeom prst="rect">
@@ -29452,7 +29521,7 @@
           </a:bodyPr>
           <a:lstStyle/>
           <a:p>
-            <a:endParaRPr lang="en-US" sz="1100" b="1" kern="900" spc="100" dirty="0" err="1" smtClean="0">
+            <a:endParaRPr lang="en-US" sz="1100" b="1" kern="900" spc="100" dirty="0" err="1">
               <a:solidFill>
                 <a:srgbClr val="000000"/>
               </a:solidFill>
@@ -29539,28 +29608,8 @@
               <a:buChar char="•"/>
             </a:pPr>
             <a:r>
-              <a:rPr lang="en-US" dirty="0" smtClean="0"/>
-              <a:t>Due to the </a:t>
-            </a:r>
-            <a:r>
               <a:rPr lang="en-US" dirty="0"/>
-              <a:t>recent advances in General Purpose Processors, it is possible to achieve </a:t>
-            </a:r>
-            <a:r>
-              <a:rPr lang="en-US" dirty="0" smtClean="0"/>
-              <a:t>required </a:t>
-            </a:r>
-            <a:r>
-              <a:rPr lang="en-US" dirty="0"/>
-              <a:t>latency </a:t>
-            </a:r>
-            <a:r>
-              <a:rPr lang="en-US" dirty="0" smtClean="0"/>
-              <a:t>with </a:t>
-            </a:r>
-            <a:r>
-              <a:rPr lang="en-US" dirty="0"/>
-              <a:t>software implementations without custom hardware.</a:t>
+              <a:t>Due to the recent advances in General Purpose Processors, it is possible to achieve required latency with software implementations without custom hardware.</a:t>
             </a:r>
           </a:p>
           <a:p>
@@ -29713,7 +29762,7 @@
           </a:bodyPr>
           <a:lstStyle/>
           <a:p>
-            <a:endParaRPr lang="en-US" sz="1100" b="1" kern="900" spc="100" dirty="0" err="1" smtClean="0">
+            <a:endParaRPr lang="en-US" sz="1100" b="1" kern="900" spc="100" dirty="0" err="1">
               <a:solidFill>
                 <a:srgbClr val="000000"/>
               </a:solidFill>
@@ -29907,23 +29956,7 @@
                   <a:srgbClr val="000000"/>
                 </a:solidFill>
               </a:rPr>
-              <a:t>Information bits </a:t>
-            </a:r>
-            <a:r>
-              <a:rPr lang="en-IN" dirty="0" smtClean="0">
-                <a:solidFill>
-                  <a:srgbClr val="000000"/>
-                </a:solidFill>
-              </a:rPr>
-              <a:t>are transmitted </a:t>
-            </a:r>
-            <a:r>
-              <a:rPr lang="en-IN" dirty="0">
-                <a:solidFill>
-                  <a:srgbClr val="000000"/>
-                </a:solidFill>
-              </a:rPr>
-              <a:t>in noiseless and zeros in noisy channels .</a:t>
+              <a:t>Information bits are transmitted in noiseless and zeros in noisy channels .</a:t>
             </a:r>
           </a:p>
           <a:p>
@@ -30110,7 +30143,7 @@
               <a:t>C</a:t>
             </a:r>
             <a:r>
-              <a:rPr sz="3000" dirty="0" smtClean="0">
+              <a:rPr sz="3000" dirty="0">
                 <a:solidFill>
                   <a:schemeClr val="bg2"/>
                 </a:solidFill>
@@ -30719,7 +30752,7 @@
           </a:bodyPr>
           <a:lstStyle/>
           <a:p>
-            <a:endParaRPr lang="en-US" sz="1100" b="1" kern="900" spc="100" dirty="0" err="1" smtClean="0">
+            <a:endParaRPr lang="en-US" sz="1100" b="1" kern="900" spc="100" dirty="0" err="1">
               <a:solidFill>
                 <a:srgbClr val="000000"/>
               </a:solidFill>
@@ -32258,7 +32291,7 @@
           </a:bodyPr>
           <a:lstStyle/>
           <a:p>
-            <a:endParaRPr lang="en-US" sz="1100" b="1" kern="900" spc="100" dirty="0" err="1" smtClean="0">
+            <a:endParaRPr lang="en-US" sz="1100" b="1" kern="900" spc="100" dirty="0" err="1">
               <a:solidFill>
                 <a:srgbClr val="000000"/>
               </a:solidFill>
@@ -32441,37 +32474,8 @@
                   <a:schemeClr val="bg2"/>
                 </a:solidFill>
               </a:rPr>
-              <a:t>Decoding </a:t>
-            </a:r>
-            <a:r>
-              <a:rPr lang="en-US" dirty="0" smtClean="0">
-                <a:solidFill>
-                  <a:schemeClr val="bg2"/>
-                </a:solidFill>
-              </a:rPr>
-              <a:t>Polar </a:t>
-            </a:r>
-            <a:r>
-              <a:rPr lang="en-US" dirty="0">
-                <a:solidFill>
-                  <a:schemeClr val="bg2"/>
-                </a:solidFill>
-              </a:rPr>
-              <a:t>C</a:t>
-            </a:r>
-            <a:r>
-              <a:rPr lang="en-US" dirty="0" smtClean="0">
-                <a:solidFill>
-                  <a:schemeClr val="bg2"/>
-                </a:solidFill>
-              </a:rPr>
-              <a:t>odes</a:t>
-            </a:r>
-            <a:endParaRPr lang="en-US" dirty="0">
-              <a:solidFill>
-                <a:schemeClr val="bg2"/>
-              </a:solidFill>
-            </a:endParaRPr>
+              <a:t>Decoding Polar Codes</a:t>
+            </a:r>
           </a:p>
         </p:txBody>
       </p:sp>
@@ -32626,7 +32630,7 @@
           </a:bodyPr>
           <a:lstStyle/>
           <a:p>
-            <a:endParaRPr lang="en-US" sz="1100" b="1" kern="900" spc="100" dirty="0" err="1" smtClean="0">
+            <a:endParaRPr lang="en-US" sz="1100" b="1" kern="900" spc="100" dirty="0" err="1">
               <a:solidFill>
                 <a:srgbClr val="000000"/>
               </a:solidFill>
@@ -32668,8 +32672,8 @@
           <a:chExt cx="0" cy="0"/>
         </a:xfrm>
       </p:grpSpPr>
-      <mc:AlternateContent xmlns:mc="http://schemas.openxmlformats.org/markup-compatibility/2006">
-        <mc:Choice xmlns:a14="http://schemas.microsoft.com/office/drawing/2010/main" Requires="a14">
+      <mc:AlternateContent xmlns:mc="http://schemas.openxmlformats.org/markup-compatibility/2006" xmlns:a14="http://schemas.microsoft.com/office/drawing/2010/main">
+        <mc:Choice Requires="a14">
           <p:sp>
             <p:nvSpPr>
               <p:cNvPr id="2" name="Content Placeholder 1"/>
@@ -34442,7 +34446,7 @@
             </p:txBody>
           </p:sp>
         </mc:Choice>
-        <mc:Fallback>
+        <mc:Fallback xmlns="">
           <p:sp>
             <p:nvSpPr>
               <p:cNvPr id="2" name="Content Placeholder 1"/>
@@ -34530,53 +34534,8 @@
                   <a:schemeClr val="bg2"/>
                 </a:solidFill>
               </a:rPr>
-              <a:t>CN, VN and </a:t>
-            </a:r>
-            <a:r>
-              <a:rPr lang="en-US" dirty="0" smtClean="0">
-                <a:solidFill>
-                  <a:schemeClr val="bg2"/>
-                </a:solidFill>
-              </a:rPr>
-              <a:t>Bit </a:t>
-            </a:r>
-            <a:r>
-              <a:rPr lang="en-US" dirty="0">
-                <a:solidFill>
-                  <a:schemeClr val="bg2"/>
-                </a:solidFill>
-              </a:rPr>
-              <a:t>C</a:t>
-            </a:r>
-            <a:r>
-              <a:rPr lang="en-US" dirty="0" smtClean="0">
-                <a:solidFill>
-                  <a:schemeClr val="bg2"/>
-                </a:solidFill>
-              </a:rPr>
-              <a:t>ombination </a:t>
-            </a:r>
-            <a:r>
-              <a:rPr lang="en-US" dirty="0">
-                <a:solidFill>
-                  <a:schemeClr val="bg2"/>
-                </a:solidFill>
-              </a:rPr>
-              <a:t>O</a:t>
-            </a:r>
-            <a:r>
-              <a:rPr lang="en-US" dirty="0" smtClean="0">
-                <a:solidFill>
-                  <a:schemeClr val="bg2"/>
-                </a:solidFill>
-              </a:rPr>
-              <a:t>perations</a:t>
-            </a:r>
-            <a:endParaRPr lang="en-US" dirty="0">
-              <a:solidFill>
-                <a:schemeClr val="bg2"/>
-              </a:solidFill>
-            </a:endParaRPr>
+              <a:t>CN, VN and Bit Combination Operations</a:t>
+            </a:r>
           </a:p>
         </p:txBody>
       </p:sp>
@@ -34736,7 +34695,7 @@
           </a:bodyPr>
           <a:lstStyle/>
           <a:p>
-            <a:endParaRPr lang="en-US" sz="1100" b="1" kern="900" spc="100" dirty="0" err="1" smtClean="0">
+            <a:endParaRPr lang="en-US" sz="1100" b="1" kern="900" spc="100" dirty="0" err="1">
               <a:solidFill>
                 <a:srgbClr val="000000"/>
               </a:solidFill>
@@ -34828,21 +34787,8 @@
                   <a:schemeClr val="bg2"/>
                 </a:solidFill>
               </a:rPr>
-              <a:t>Fast-SSC </a:t>
-            </a:r>
-            <a:r>
-              <a:rPr lang="en-US" dirty="0" smtClean="0">
-                <a:solidFill>
-                  <a:schemeClr val="bg2"/>
-                </a:solidFill>
-              </a:rPr>
-              <a:t>Algorithm</a:t>
-            </a:r>
-            <a:endParaRPr lang="en-US" dirty="0">
-              <a:solidFill>
-                <a:schemeClr val="bg2"/>
-              </a:solidFill>
-            </a:endParaRPr>
+              <a:t>Fast-SSC Algorithm</a:t>
+            </a:r>
           </a:p>
         </p:txBody>
       </p:sp>
@@ -35218,7 +35164,7 @@
           </a:bodyPr>
           <a:lstStyle/>
           <a:p>
-            <a:endParaRPr lang="en-US" sz="1100" b="1" kern="900" spc="100" dirty="0" err="1" smtClean="0">
+            <a:endParaRPr lang="en-US" sz="1100" b="1" kern="900" spc="100" dirty="0" err="1">
               <a:solidFill>
                 <a:srgbClr val="000000"/>
               </a:solidFill>
@@ -35310,21 +35256,8 @@
                   <a:schemeClr val="bg2"/>
                 </a:solidFill>
               </a:rPr>
-              <a:t>Processor </a:t>
-            </a:r>
-            <a:r>
-              <a:rPr lang="en-US" dirty="0" smtClean="0">
-                <a:solidFill>
-                  <a:schemeClr val="bg2"/>
-                </a:solidFill>
-              </a:rPr>
-              <a:t>Architecture</a:t>
-            </a:r>
-            <a:endParaRPr lang="en-US" dirty="0">
-              <a:solidFill>
-                <a:schemeClr val="bg2"/>
-              </a:solidFill>
-            </a:endParaRPr>
+              <a:t>Processor Architecture</a:t>
+            </a:r>
           </a:p>
         </p:txBody>
       </p:sp>
@@ -35632,7 +35565,7 @@
           </a:bodyPr>
           <a:lstStyle/>
           <a:p>
-            <a:endParaRPr lang="en-US" sz="1100" b="1" kern="900" spc="100" dirty="0" err="1" smtClean="0">
+            <a:endParaRPr lang="en-US" sz="1100" b="1" kern="900" spc="100" dirty="0" err="1">
               <a:solidFill>
                 <a:srgbClr val="000000"/>
               </a:solidFill>
